--- a/PPT Gastronome Gourmand.pptx
+++ b/PPT Gastronome Gourmand.pptx
@@ -5,26 +5,35 @@
     <p:sldMasterId id="2147483648" r:id="rId2"/>
   </p:sldMasterIdLst>
   <p:notesMasterIdLst>
-    <p:notesMasterId r:id="rId17"/>
+    <p:notesMasterId r:id="rId26"/>
   </p:notesMasterIdLst>
   <p:handoutMasterIdLst>
-    <p:handoutMasterId r:id="rId18"/>
+    <p:handoutMasterId r:id="rId27"/>
   </p:handoutMasterIdLst>
   <p:sldIdLst>
     <p:sldId id="256" r:id="rId3"/>
     <p:sldId id="259" r:id="rId4"/>
     <p:sldId id="258" r:id="rId5"/>
-    <p:sldId id="260" r:id="rId6"/>
-    <p:sldId id="262" r:id="rId7"/>
-    <p:sldId id="272" r:id="rId8"/>
-    <p:sldId id="271" r:id="rId9"/>
-    <p:sldId id="263" r:id="rId10"/>
-    <p:sldId id="261" r:id="rId11"/>
-    <p:sldId id="266" r:id="rId12"/>
-    <p:sldId id="265" r:id="rId13"/>
-    <p:sldId id="270" r:id="rId14"/>
-    <p:sldId id="269" r:id="rId15"/>
-    <p:sldId id="268" r:id="rId16"/>
+    <p:sldId id="273" r:id="rId6"/>
+    <p:sldId id="260" r:id="rId7"/>
+    <p:sldId id="262" r:id="rId8"/>
+    <p:sldId id="272" r:id="rId9"/>
+    <p:sldId id="271" r:id="rId10"/>
+    <p:sldId id="274" r:id="rId11"/>
+    <p:sldId id="263" r:id="rId12"/>
+    <p:sldId id="261" r:id="rId13"/>
+    <p:sldId id="276" r:id="rId14"/>
+    <p:sldId id="275" r:id="rId15"/>
+    <p:sldId id="277" r:id="rId16"/>
+    <p:sldId id="278" r:id="rId17"/>
+    <p:sldId id="265" r:id="rId18"/>
+    <p:sldId id="280" r:id="rId19"/>
+    <p:sldId id="279" r:id="rId20"/>
+    <p:sldId id="281" r:id="rId21"/>
+    <p:sldId id="266" r:id="rId22"/>
+    <p:sldId id="270" r:id="rId23"/>
+    <p:sldId id="269" r:id="rId24"/>
+    <p:sldId id="268" r:id="rId25"/>
   </p:sldIdLst>
   <p:sldSz cx="9144000" cy="6858000" type="screen4x3"/>
   <p:notesSz cx="6794500" cy="9906000"/>
@@ -135,14 +144,23 @@
           <p14:sldIdLst>
             <p14:sldId id="259"/>
             <p14:sldId id="258"/>
+            <p14:sldId id="273"/>
             <p14:sldId id="260"/>
             <p14:sldId id="262"/>
             <p14:sldId id="272"/>
             <p14:sldId id="271"/>
+            <p14:sldId id="274"/>
             <p14:sldId id="263"/>
             <p14:sldId id="261"/>
+            <p14:sldId id="276"/>
+            <p14:sldId id="275"/>
+            <p14:sldId id="277"/>
+            <p14:sldId id="278"/>
+            <p14:sldId id="265"/>
+            <p14:sldId id="280"/>
+            <p14:sldId id="279"/>
+            <p14:sldId id="281"/>
             <p14:sldId id="266"/>
-            <p14:sldId id="265"/>
             <p14:sldId id="270"/>
             <p14:sldId id="269"/>
             <p14:sldId id="268"/>
@@ -4794,13 +4812,8 @@
           <a:p>
             <a:r>
               <a:rPr lang="fr-FR" dirty="0"/>
-              <a:t>Thomas </a:t>
-            </a:r>
-            <a:r>
-              <a:rPr lang="fr-FR" dirty="0" smtClean="0"/>
-              <a:t>PILON</a:t>
-            </a:r>
-            <a:endParaRPr lang="fr-FR" dirty="0"/>
+              <a:t>Thomas PILON</a:t>
+            </a:r>
           </a:p>
           <a:p>
             <a:r>
@@ -4952,127 +4965,9 @@
           <a:chExt cx="0" cy="0"/>
         </a:xfrm>
       </p:grpSpPr>
-      <p:sp>
-        <p:nvSpPr>
-          <p:cNvPr id="2" name="Titre 1"/>
-          <p:cNvSpPr>
-            <a:spLocks noGrp="1"/>
-          </p:cNvSpPr>
-          <p:nvPr>
-            <p:ph type="title"/>
-          </p:nvPr>
-        </p:nvSpPr>
-        <p:spPr/>
-        <p:txBody>
-          <a:bodyPr/>
-          <a:lstStyle/>
-          <a:p>
-            <a:r>
-              <a:rPr lang="fr-FR" dirty="0">
-                <a:solidFill>
-                  <a:srgbClr val="00B0F0"/>
-                </a:solidFill>
-              </a:rPr>
-              <a:t>Démonstration</a:t>
-            </a:r>
-          </a:p>
-        </p:txBody>
-      </p:sp>
-      <p:sp>
-        <p:nvSpPr>
-          <p:cNvPr id="3" name="Espace réservé du texte 2"/>
-          <p:cNvSpPr>
-            <a:spLocks noGrp="1"/>
-          </p:cNvSpPr>
-          <p:nvPr>
-            <p:ph type="body" idx="1"/>
-          </p:nvPr>
-        </p:nvSpPr>
-        <p:spPr/>
-        <p:txBody>
-          <a:bodyPr/>
-          <a:lstStyle/>
-          <a:p>
-            <a:r>
-              <a:rPr lang="fr-FR" dirty="0"/>
-              <a:t>Interface gestionnaire de restaurant</a:t>
-            </a:r>
-          </a:p>
-        </p:txBody>
-      </p:sp>
-      <p:sp>
-        <p:nvSpPr>
-          <p:cNvPr id="4" name="Espace réservé de la date 3"/>
-          <p:cNvSpPr>
-            <a:spLocks noGrp="1"/>
-          </p:cNvSpPr>
-          <p:nvPr>
-            <p:ph type="dt" sz="half" idx="2"/>
-          </p:nvPr>
-        </p:nvSpPr>
-        <p:spPr/>
-        <p:txBody>
-          <a:bodyPr/>
-          <a:lstStyle/>
-          <a:p>
-            <a:fld id="{36FB04EA-70E2-4264-A28E-FA7178E4CC52}" type="datetime1">
-              <a:rPr lang="fr-FR" smtClean="0"/>
-              <a:t>19/04/2017</a:t>
-            </a:fld>
-            <a:endParaRPr lang="fr-FR" dirty="0"/>
-          </a:p>
-        </p:txBody>
-      </p:sp>
-      <p:sp>
-        <p:nvSpPr>
-          <p:cNvPr id="5" name="Espace réservé du pied de page 4"/>
-          <p:cNvSpPr>
-            <a:spLocks noGrp="1"/>
-          </p:cNvSpPr>
-          <p:nvPr>
-            <p:ph type="ftr" sz="quarter" idx="3"/>
-          </p:nvPr>
-        </p:nvSpPr>
-        <p:spPr/>
-        <p:txBody>
-          <a:bodyPr/>
-          <a:lstStyle/>
-          <a:p>
-            <a:r>
-              <a:rPr lang="fr-FR"/>
-              <a:t>www.infotel.com</a:t>
-            </a:r>
-            <a:endParaRPr lang="fr-FR" dirty="0"/>
-          </a:p>
-        </p:txBody>
-      </p:sp>
-      <p:sp>
-        <p:nvSpPr>
-          <p:cNvPr id="6" name="Espace réservé du numéro de diapositive 5"/>
-          <p:cNvSpPr>
-            <a:spLocks noGrp="1"/>
-          </p:cNvSpPr>
-          <p:nvPr>
-            <p:ph type="sldNum" sz="quarter" idx="4"/>
-          </p:nvPr>
-        </p:nvSpPr>
-        <p:spPr/>
-        <p:txBody>
-          <a:bodyPr/>
-          <a:lstStyle/>
-          <a:p>
-            <a:fld id="{3518BF5C-C123-4F19-9E08-E05DAD340467}" type="slidenum">
-              <a:rPr lang="fr-FR" smtClean="0"/>
-              <a:pPr/>
-              <a:t>10</a:t>
-            </a:fld>
-            <a:endParaRPr lang="fr-FR" dirty="0"/>
-          </a:p>
-        </p:txBody>
-      </p:sp>
       <p:pic>
         <p:nvPicPr>
-          <p:cNvPr id="7" name="Image 6"/>
+          <p:cNvPr id="9" name="Image 8"/>
           <p:cNvPicPr>
             <a:picLocks noChangeAspect="1"/>
           </p:cNvPicPr>
@@ -5086,8 +4981,392 @@
         </p:blipFill>
         <p:spPr>
           <a:xfrm>
-            <a:off x="611560" y="1624000"/>
-            <a:ext cx="2143125" cy="2133600"/>
+            <a:off x="1325938" y="1016517"/>
+            <a:ext cx="2143125" cy="1585372"/>
+          </a:xfrm>
+          <a:prstGeom prst="rect">
+            <a:avLst/>
+          </a:prstGeom>
+        </p:spPr>
+      </p:pic>
+      <p:sp>
+        <p:nvSpPr>
+          <p:cNvPr id="2" name="Titre 1"/>
+          <p:cNvSpPr>
+            <a:spLocks noGrp="1"/>
+          </p:cNvSpPr>
+          <p:nvPr>
+            <p:ph type="title"/>
+          </p:nvPr>
+        </p:nvSpPr>
+        <p:spPr>
+          <a:xfrm>
+            <a:off x="1763688" y="39757"/>
+            <a:ext cx="6660232" cy="908720"/>
+          </a:xfrm>
+        </p:spPr>
+        <p:txBody>
+          <a:bodyPr/>
+          <a:lstStyle/>
+          <a:p>
+            <a:r>
+              <a:rPr lang="fr-FR" dirty="0"/>
+              <a:t>Qualité - Test</a:t>
+            </a:r>
+          </a:p>
+        </p:txBody>
+      </p:sp>
+      <p:pic>
+        <p:nvPicPr>
+          <p:cNvPr id="7" name="Espace réservé du contenu 6"/>
+          <p:cNvPicPr>
+            <a:picLocks noGrp="1" noChangeAspect="1"/>
+          </p:cNvPicPr>
+          <p:nvPr>
+            <p:ph idx="13"/>
+          </p:nvPr>
+        </p:nvPicPr>
+        <p:blipFill>
+          <a:blip r:embed="rId3"/>
+          <a:stretch>
+            <a:fillRect/>
+          </a:stretch>
+        </p:blipFill>
+        <p:spPr>
+          <a:xfrm>
+            <a:off x="5514042" y="1464563"/>
+            <a:ext cx="2573631" cy="985495"/>
+          </a:xfrm>
+          <a:prstGeom prst="rect">
+            <a:avLst/>
+          </a:prstGeom>
+        </p:spPr>
+      </p:pic>
+      <p:sp>
+        <p:nvSpPr>
+          <p:cNvPr id="4" name="Espace réservé de la date 3"/>
+          <p:cNvSpPr>
+            <a:spLocks noGrp="1"/>
+          </p:cNvSpPr>
+          <p:nvPr>
+            <p:ph type="dt" sz="half" idx="2"/>
+          </p:nvPr>
+        </p:nvSpPr>
+        <p:spPr/>
+        <p:txBody>
+          <a:bodyPr/>
+          <a:lstStyle/>
+          <a:p>
+            <a:fld id="{F52375F6-F57F-4D87-9DE9-B294442EBB55}" type="datetime1">
+              <a:rPr lang="fr-FR" smtClean="0"/>
+              <a:t>19/04/2017</a:t>
+            </a:fld>
+            <a:endParaRPr lang="fr-FR" dirty="0"/>
+          </a:p>
+        </p:txBody>
+      </p:sp>
+      <p:sp>
+        <p:nvSpPr>
+          <p:cNvPr id="5" name="Espace réservé du pied de page 4"/>
+          <p:cNvSpPr>
+            <a:spLocks noGrp="1"/>
+          </p:cNvSpPr>
+          <p:nvPr>
+            <p:ph type="ftr" sz="quarter" idx="3"/>
+          </p:nvPr>
+        </p:nvSpPr>
+        <p:spPr/>
+        <p:txBody>
+          <a:bodyPr/>
+          <a:lstStyle/>
+          <a:p>
+            <a:r>
+              <a:rPr lang="fr-FR"/>
+              <a:t>www.infotel.com</a:t>
+            </a:r>
+            <a:endParaRPr lang="fr-FR" dirty="0"/>
+          </a:p>
+        </p:txBody>
+      </p:sp>
+      <p:sp>
+        <p:nvSpPr>
+          <p:cNvPr id="6" name="Espace réservé du numéro de diapositive 5"/>
+          <p:cNvSpPr>
+            <a:spLocks noGrp="1"/>
+          </p:cNvSpPr>
+          <p:nvPr>
+            <p:ph type="sldNum" sz="quarter" idx="4"/>
+          </p:nvPr>
+        </p:nvSpPr>
+        <p:spPr/>
+        <p:txBody>
+          <a:bodyPr/>
+          <a:lstStyle/>
+          <a:p>
+            <a:fld id="{3518BF5C-C123-4F19-9E08-E05DAD340467}" type="slidenum">
+              <a:rPr lang="fr-FR" smtClean="0"/>
+              <a:pPr/>
+              <a:t>10</a:t>
+            </a:fld>
+            <a:endParaRPr lang="fr-FR" dirty="0"/>
+          </a:p>
+        </p:txBody>
+      </p:sp>
+      <p:sp>
+        <p:nvSpPr>
+          <p:cNvPr id="10" name="ZoneTexte 9"/>
+          <p:cNvSpPr txBox="1"/>
+          <p:nvPr/>
+        </p:nvSpPr>
+        <p:spPr>
+          <a:xfrm>
+            <a:off x="1657573" y="4541571"/>
+            <a:ext cx="2579037" cy="523220"/>
+          </a:xfrm>
+          <a:prstGeom prst="rect">
+            <a:avLst/>
+          </a:prstGeom>
+          <a:noFill/>
+        </p:spPr>
+        <p:txBody>
+          <a:bodyPr wrap="square" rtlCol="0">
+            <a:spAutoFit/>
+          </a:bodyPr>
+          <a:lstStyle/>
+          <a:p>
+            <a:r>
+              <a:rPr lang="fr-FR" sz="2800" dirty="0">
+                <a:solidFill>
+                  <a:srgbClr val="00147A"/>
+                </a:solidFill>
+              </a:rPr>
+              <a:t>Robustesse</a:t>
+            </a:r>
+          </a:p>
+        </p:txBody>
+      </p:sp>
+      <p:pic>
+        <p:nvPicPr>
+          <p:cNvPr id="11" name="Image 10"/>
+          <p:cNvPicPr>
+            <a:picLocks noChangeAspect="1"/>
+          </p:cNvPicPr>
+          <p:nvPr/>
+        </p:nvPicPr>
+        <p:blipFill>
+          <a:blip r:embed="rId4"/>
+          <a:stretch>
+            <a:fillRect/>
+          </a:stretch>
+        </p:blipFill>
+        <p:spPr>
+          <a:xfrm>
+            <a:off x="3549510" y="1999217"/>
+            <a:ext cx="1884085" cy="753634"/>
+          </a:xfrm>
+          <a:prstGeom prst="rect">
+            <a:avLst/>
+          </a:prstGeom>
+        </p:spPr>
+      </p:pic>
+      <p:sp>
+        <p:nvSpPr>
+          <p:cNvPr id="12" name="ZoneTexte 11"/>
+          <p:cNvSpPr txBox="1"/>
+          <p:nvPr/>
+        </p:nvSpPr>
+        <p:spPr>
+          <a:xfrm>
+            <a:off x="3923928" y="4547162"/>
+            <a:ext cx="2737318" cy="523220"/>
+          </a:xfrm>
+          <a:prstGeom prst="rect">
+            <a:avLst/>
+          </a:prstGeom>
+          <a:noFill/>
+        </p:spPr>
+        <p:txBody>
+          <a:bodyPr wrap="square" rtlCol="0">
+            <a:spAutoFit/>
+          </a:bodyPr>
+          <a:lstStyle/>
+          <a:p>
+            <a:r>
+              <a:rPr lang="fr-FR" sz="2800" dirty="0">
+                <a:solidFill>
+                  <a:srgbClr val="00147A"/>
+                </a:solidFill>
+              </a:rPr>
+              <a:t>Performances</a:t>
+            </a:r>
+          </a:p>
+        </p:txBody>
+      </p:sp>
+      <p:sp>
+        <p:nvSpPr>
+          <p:cNvPr id="13" name="ZoneTexte 12"/>
+          <p:cNvSpPr txBox="1"/>
+          <p:nvPr/>
+        </p:nvSpPr>
+        <p:spPr>
+          <a:xfrm>
+            <a:off x="6553200" y="4553402"/>
+            <a:ext cx="2746649" cy="523220"/>
+          </a:xfrm>
+          <a:prstGeom prst="rect">
+            <a:avLst/>
+          </a:prstGeom>
+          <a:noFill/>
+        </p:spPr>
+        <p:txBody>
+          <a:bodyPr wrap="square" rtlCol="0">
+            <a:spAutoFit/>
+          </a:bodyPr>
+          <a:lstStyle/>
+          <a:p>
+            <a:r>
+              <a:rPr lang="fr-FR" sz="2800" dirty="0">
+                <a:solidFill>
+                  <a:srgbClr val="00147A"/>
+                </a:solidFill>
+              </a:rPr>
+              <a:t>Maintenabilité</a:t>
+            </a:r>
+          </a:p>
+        </p:txBody>
+      </p:sp>
+      <p:cxnSp>
+        <p:nvCxnSpPr>
+          <p:cNvPr id="15" name="Connecteur droit avec flèche 14"/>
+          <p:cNvCxnSpPr>
+            <a:cxnSpLocks/>
+          </p:cNvCxnSpPr>
+          <p:nvPr/>
+        </p:nvCxnSpPr>
+        <p:spPr>
+          <a:xfrm flipH="1">
+            <a:off x="2265794" y="3005824"/>
+            <a:ext cx="1955871" cy="1336805"/>
+          </a:xfrm>
+          <a:prstGeom prst="straightConnector1">
+            <a:avLst/>
+          </a:prstGeom>
+          <a:ln w="38100">
+            <a:solidFill>
+              <a:schemeClr val="bg1"/>
+            </a:solidFill>
+            <a:tailEnd type="triangle"/>
+          </a:ln>
+        </p:spPr>
+        <p:style>
+          <a:lnRef idx="1">
+            <a:schemeClr val="accent1"/>
+          </a:lnRef>
+          <a:fillRef idx="0">
+            <a:schemeClr val="accent1"/>
+          </a:fillRef>
+          <a:effectRef idx="0">
+            <a:schemeClr val="accent1"/>
+          </a:effectRef>
+          <a:fontRef idx="minor">
+            <a:schemeClr val="tx1"/>
+          </a:fontRef>
+        </p:style>
+      </p:cxnSp>
+      <p:cxnSp>
+        <p:nvCxnSpPr>
+          <p:cNvPr id="18" name="Connecteur droit avec flèche 17"/>
+          <p:cNvCxnSpPr>
+            <a:cxnSpLocks/>
+          </p:cNvCxnSpPr>
+          <p:nvPr/>
+        </p:nvCxnSpPr>
+        <p:spPr>
+          <a:xfrm>
+            <a:off x="5514203" y="2994227"/>
+            <a:ext cx="1703834" cy="1356970"/>
+          </a:xfrm>
+          <a:prstGeom prst="straightConnector1">
+            <a:avLst/>
+          </a:prstGeom>
+          <a:ln w="38100">
+            <a:solidFill>
+              <a:schemeClr val="bg1"/>
+            </a:solidFill>
+            <a:tailEnd type="triangle"/>
+          </a:ln>
+        </p:spPr>
+        <p:style>
+          <a:lnRef idx="1">
+            <a:schemeClr val="accent1"/>
+          </a:lnRef>
+          <a:fillRef idx="0">
+            <a:schemeClr val="accent1"/>
+          </a:fillRef>
+          <a:effectRef idx="0">
+            <a:schemeClr val="accent1"/>
+          </a:effectRef>
+          <a:fontRef idx="minor">
+            <a:schemeClr val="tx1"/>
+          </a:fontRef>
+        </p:style>
+      </p:cxnSp>
+      <p:cxnSp>
+        <p:nvCxnSpPr>
+          <p:cNvPr id="20" name="Connecteur droit avec flèche 19"/>
+          <p:cNvCxnSpPr>
+            <a:cxnSpLocks/>
+          </p:cNvCxnSpPr>
+          <p:nvPr/>
+        </p:nvCxnSpPr>
+        <p:spPr>
+          <a:xfrm flipH="1">
+            <a:off x="4788024" y="3005824"/>
+            <a:ext cx="32290" cy="1606500"/>
+          </a:xfrm>
+          <a:prstGeom prst="straightConnector1">
+            <a:avLst/>
+          </a:prstGeom>
+          <a:ln w="38100">
+            <a:solidFill>
+              <a:schemeClr val="bg1"/>
+            </a:solidFill>
+            <a:tailEnd type="triangle"/>
+          </a:ln>
+        </p:spPr>
+        <p:style>
+          <a:lnRef idx="1">
+            <a:schemeClr val="accent1"/>
+          </a:lnRef>
+          <a:fillRef idx="0">
+            <a:schemeClr val="accent1"/>
+          </a:fillRef>
+          <a:effectRef idx="0">
+            <a:schemeClr val="accent1"/>
+          </a:effectRef>
+          <a:fontRef idx="minor">
+            <a:schemeClr val="tx1"/>
+          </a:fontRef>
+        </p:style>
+      </p:cxnSp>
+      <p:pic>
+        <p:nvPicPr>
+          <p:cNvPr id="26" name="Image 25"/>
+          <p:cNvPicPr>
+            <a:picLocks noChangeAspect="1"/>
+          </p:cNvPicPr>
+          <p:nvPr/>
+        </p:nvPicPr>
+        <p:blipFill>
+          <a:blip r:embed="rId5"/>
+          <a:stretch>
+            <a:fillRect/>
+          </a:stretch>
+        </p:blipFill>
+        <p:spPr>
+          <a:xfrm>
+            <a:off x="52210" y="3198115"/>
+            <a:ext cx="1711478" cy="2520801"/>
           </a:xfrm>
           <a:prstGeom prst="rect">
             <a:avLst/>
@@ -5097,7 +5376,7 @@
     </p:spTree>
     <p:extLst>
       <p:ext uri="{BB962C8B-B14F-4D97-AF65-F5344CB8AC3E}">
-        <p14:creationId xmlns:p14="http://schemas.microsoft.com/office/powerpoint/2010/main" val="1271754077"/>
+        <p14:creationId xmlns:p14="http://schemas.microsoft.com/office/powerpoint/2010/main" val="3462178629"/>
       </p:ext>
     </p:extLst>
   </p:cSld>
@@ -5142,40 +5421,46 @@
             <p:ph type="title"/>
           </p:nvPr>
         </p:nvSpPr>
+        <p:spPr>
+          <a:xfrm>
+            <a:off x="2876737" y="1732702"/>
+            <a:ext cx="5707360" cy="1970046"/>
+          </a:xfrm>
+        </p:spPr>
+        <p:txBody>
+          <a:bodyPr/>
+          <a:lstStyle/>
+          <a:p>
+            <a:pPr algn="ctr"/>
+            <a:r>
+              <a:rPr lang="fr-FR" dirty="0">
+                <a:solidFill>
+                  <a:srgbClr val="C00000"/>
+                </a:solidFill>
+              </a:rPr>
+              <a:t>Applications Web et Android</a:t>
+            </a:r>
+          </a:p>
+        </p:txBody>
+      </p:sp>
+      <p:sp>
+        <p:nvSpPr>
+          <p:cNvPr id="3" name="Espace réservé du texte 2"/>
+          <p:cNvSpPr>
+            <a:spLocks noGrp="1"/>
+          </p:cNvSpPr>
+          <p:nvPr>
+            <p:ph type="body" idx="1"/>
+          </p:nvPr>
+        </p:nvSpPr>
         <p:spPr/>
         <p:txBody>
           <a:bodyPr/>
           <a:lstStyle/>
           <a:p>
             <a:r>
-              <a:rPr lang="fr-FR" dirty="0">
-                <a:solidFill>
-                  <a:srgbClr val="92D050"/>
-                </a:solidFill>
-              </a:rPr>
-              <a:t>Démonstration</a:t>
-            </a:r>
-          </a:p>
-        </p:txBody>
-      </p:sp>
-      <p:sp>
-        <p:nvSpPr>
-          <p:cNvPr id="3" name="Espace réservé du texte 2"/>
-          <p:cNvSpPr>
-            <a:spLocks noGrp="1"/>
-          </p:cNvSpPr>
-          <p:nvPr>
-            <p:ph type="body" idx="1"/>
-          </p:nvPr>
-        </p:nvSpPr>
-        <p:spPr/>
-        <p:txBody>
-          <a:bodyPr/>
-          <a:lstStyle/>
-          <a:p>
-            <a:r>
               <a:rPr lang="fr-FR" dirty="0"/>
-              <a:t>Interface utilisateur pour support mobile</a:t>
+              <a:t>Interface utilisateur</a:t>
             </a:r>
           </a:p>
         </p:txBody>
@@ -5250,34 +5535,10 @@
           </a:p>
         </p:txBody>
       </p:sp>
-      <p:pic>
-        <p:nvPicPr>
-          <p:cNvPr id="7" name="Image 6"/>
-          <p:cNvPicPr>
-            <a:picLocks noChangeAspect="1"/>
-          </p:cNvPicPr>
-          <p:nvPr/>
-        </p:nvPicPr>
-        <p:blipFill>
-          <a:blip r:embed="rId2"/>
-          <a:stretch>
-            <a:fillRect/>
-          </a:stretch>
-        </p:blipFill>
-        <p:spPr>
-          <a:xfrm>
-            <a:off x="611561" y="1619238"/>
-            <a:ext cx="2056586" cy="2056586"/>
-          </a:xfrm>
-          <a:prstGeom prst="rect">
-            <a:avLst/>
-          </a:prstGeom>
-        </p:spPr>
-      </p:pic>
     </p:spTree>
     <p:extLst>
       <p:ext uri="{BB962C8B-B14F-4D97-AF65-F5344CB8AC3E}">
-        <p14:creationId xmlns:p14="http://schemas.microsoft.com/office/powerpoint/2010/main" val="1010285649"/>
+        <p14:creationId xmlns:p14="http://schemas.microsoft.com/office/powerpoint/2010/main" val="2969700045"/>
       </p:ext>
     </p:extLst>
   </p:cSld>
@@ -5322,56 +5583,138 @@
             <p:ph type="title"/>
           </p:nvPr>
         </p:nvSpPr>
+        <p:spPr>
+          <a:xfrm>
+            <a:off x="2267744" y="30087"/>
+            <a:ext cx="6660232" cy="908720"/>
+          </a:xfrm>
+        </p:spPr>
+        <p:txBody>
+          <a:bodyPr/>
+          <a:lstStyle/>
+          <a:p>
+            <a:r>
+              <a:rPr lang="fr-FR" dirty="0"/>
+              <a:t>Fonctionnalités client</a:t>
+            </a:r>
+          </a:p>
+        </p:txBody>
+      </p:sp>
+      <p:sp>
+        <p:nvSpPr>
+          <p:cNvPr id="3" name="Espace réservé du contenu 2"/>
+          <p:cNvSpPr>
+            <a:spLocks noGrp="1"/>
+          </p:cNvSpPr>
+          <p:nvPr>
+            <p:ph idx="13"/>
+          </p:nvPr>
+        </p:nvSpPr>
         <p:spPr/>
         <p:txBody>
+          <a:bodyPr>
+            <a:normAutofit/>
+          </a:bodyPr>
+          <a:lstStyle/>
+          <a:p>
+            <a:r>
+              <a:rPr lang="fr-FR" sz="2800" dirty="0">
+                <a:solidFill>
+                  <a:schemeClr val="accent1">
+                    <a:lumMod val="50000"/>
+                  </a:schemeClr>
+                </a:solidFill>
+              </a:rPr>
+              <a:t>Recherche par nom de restaurant, ville et style de cuisine</a:t>
+            </a:r>
+          </a:p>
+          <a:p>
+            <a:endParaRPr lang="fr-FR" sz="2800" dirty="0">
+              <a:solidFill>
+                <a:schemeClr val="accent1">
+                  <a:lumMod val="50000"/>
+                </a:schemeClr>
+              </a:solidFill>
+            </a:endParaRPr>
+          </a:p>
+          <a:p>
+            <a:r>
+              <a:rPr lang="fr-FR" sz="2800" dirty="0">
+                <a:solidFill>
+                  <a:schemeClr val="accent1">
+                    <a:lumMod val="50000"/>
+                  </a:schemeClr>
+                </a:solidFill>
+              </a:rPr>
+              <a:t>Description complète des restaurants</a:t>
+            </a:r>
+          </a:p>
+          <a:p>
+            <a:endParaRPr lang="fr-FR" sz="2800" dirty="0">
+              <a:solidFill>
+                <a:schemeClr val="accent1">
+                  <a:lumMod val="50000"/>
+                </a:schemeClr>
+              </a:solidFill>
+            </a:endParaRPr>
+          </a:p>
+          <a:p>
+            <a:r>
+              <a:rPr lang="fr-FR" sz="2800" dirty="0">
+                <a:solidFill>
+                  <a:schemeClr val="accent1">
+                    <a:lumMod val="50000"/>
+                  </a:schemeClr>
+                </a:solidFill>
+              </a:rPr>
+              <a:t>Réservation facile et rapide</a:t>
+            </a:r>
+          </a:p>
+          <a:p>
+            <a:pPr marL="0" indent="0">
+              <a:buNone/>
+            </a:pPr>
+            <a:endParaRPr lang="fr-FR" sz="2800" dirty="0">
+              <a:solidFill>
+                <a:schemeClr val="accent1">
+                  <a:lumMod val="50000"/>
+                </a:schemeClr>
+              </a:solidFill>
+            </a:endParaRPr>
+          </a:p>
+          <a:p>
+            <a:r>
+              <a:rPr lang="fr-FR" sz="2800" dirty="0">
+                <a:solidFill>
+                  <a:schemeClr val="accent1">
+                    <a:lumMod val="50000"/>
+                  </a:schemeClr>
+                </a:solidFill>
+              </a:rPr>
+              <a:t>Inscription en quelques clics</a:t>
+            </a:r>
+          </a:p>
+          <a:p>
+            <a:endParaRPr lang="fr-FR" dirty="0"/>
+          </a:p>
+        </p:txBody>
+      </p:sp>
+      <p:sp>
+        <p:nvSpPr>
+          <p:cNvPr id="4" name="Espace réservé de la date 3"/>
+          <p:cNvSpPr>
+            <a:spLocks noGrp="1"/>
+          </p:cNvSpPr>
+          <p:nvPr>
+            <p:ph type="dt" sz="half" idx="2"/>
+          </p:nvPr>
+        </p:nvSpPr>
+        <p:spPr/>
+        <p:txBody>
           <a:bodyPr/>
           <a:lstStyle/>
           <a:p>
-            <a:r>
-              <a:rPr lang="fr-FR" dirty="0"/>
-              <a:t>évolutions</a:t>
-            </a:r>
-          </a:p>
-        </p:txBody>
-      </p:sp>
-      <p:sp>
-        <p:nvSpPr>
-          <p:cNvPr id="3" name="Espace réservé du texte 2"/>
-          <p:cNvSpPr>
-            <a:spLocks noGrp="1"/>
-          </p:cNvSpPr>
-          <p:nvPr>
-            <p:ph type="body" idx="1"/>
-          </p:nvPr>
-        </p:nvSpPr>
-        <p:spPr/>
-        <p:txBody>
-          <a:bodyPr/>
-          <a:lstStyle/>
-          <a:p>
-            <a:r>
-              <a:rPr lang="fr-FR" dirty="0"/>
-              <a:t>Gastronome Gourmand dans le futur</a:t>
-            </a:r>
-          </a:p>
-        </p:txBody>
-      </p:sp>
-      <p:sp>
-        <p:nvSpPr>
-          <p:cNvPr id="4" name="Espace réservé de la date 3"/>
-          <p:cNvSpPr>
-            <a:spLocks noGrp="1"/>
-          </p:cNvSpPr>
-          <p:nvPr>
-            <p:ph type="dt" sz="half" idx="2"/>
-          </p:nvPr>
-        </p:nvSpPr>
-        <p:spPr/>
-        <p:txBody>
-          <a:bodyPr/>
-          <a:lstStyle/>
-          <a:p>
-            <a:fld id="{132604DE-B258-4617-AC8A-645893754986}" type="datetime1">
+            <a:fld id="{F52375F6-F57F-4D87-9DE9-B294442EBB55}" type="datetime1">
               <a:rPr lang="fr-FR" smtClean="0"/>
               <a:t>19/04/2017</a:t>
             </a:fld>
@@ -5426,10 +5769,40 @@
           </a:p>
         </p:txBody>
       </p:sp>
+      <p:pic>
+        <p:nvPicPr>
+          <p:cNvPr id="7" name="Image 6"/>
+          <p:cNvPicPr>
+            <a:picLocks noChangeAspect="1"/>
+          </p:cNvPicPr>
+          <p:nvPr/>
+        </p:nvPicPr>
+        <p:blipFill>
+          <a:blip r:embed="rId2"/>
+          <a:stretch>
+            <a:fillRect/>
+          </a:stretch>
+        </p:blipFill>
+        <p:spPr>
+          <a:xfrm>
+            <a:off x="6553200" y="2852936"/>
+            <a:ext cx="2637656" cy="2637656"/>
+          </a:xfrm>
+          <a:prstGeom prst="ellipse">
+            <a:avLst/>
+          </a:prstGeom>
+          <a:ln>
+            <a:noFill/>
+          </a:ln>
+          <a:effectLst>
+            <a:softEdge rad="112500"/>
+          </a:effectLst>
+        </p:spPr>
+      </p:pic>
     </p:spTree>
     <p:extLst>
       <p:ext uri="{BB962C8B-B14F-4D97-AF65-F5344CB8AC3E}">
-        <p14:creationId xmlns:p14="http://schemas.microsoft.com/office/powerpoint/2010/main" val="1908868247"/>
+        <p14:creationId xmlns:p14="http://schemas.microsoft.com/office/powerpoint/2010/main" val="4140839877"/>
       </p:ext>
     </p:extLst>
   </p:cSld>
@@ -5480,8 +5853,34 @@
           <a:lstStyle/>
           <a:p>
             <a:r>
+              <a:rPr lang="fr-FR" dirty="0">
+                <a:solidFill>
+                  <a:srgbClr val="00B0F0"/>
+                </a:solidFill>
+              </a:rPr>
+              <a:t>Application Web</a:t>
+            </a:r>
+          </a:p>
+        </p:txBody>
+      </p:sp>
+      <p:sp>
+        <p:nvSpPr>
+          <p:cNvPr id="3" name="Espace réservé du texte 2"/>
+          <p:cNvSpPr>
+            <a:spLocks noGrp="1"/>
+          </p:cNvSpPr>
+          <p:nvPr>
+            <p:ph type="body" idx="1"/>
+          </p:nvPr>
+        </p:nvSpPr>
+        <p:spPr/>
+        <p:txBody>
+          <a:bodyPr/>
+          <a:lstStyle/>
+          <a:p>
+            <a:r>
               <a:rPr lang="fr-FR" dirty="0"/>
-              <a:t>Perspectives</a:t>
+              <a:t>Interface utilisateur pour le site web de réservation</a:t>
             </a:r>
           </a:p>
         </p:txBody>
@@ -5501,7 +5900,7 @@
           <a:bodyPr/>
           <a:lstStyle/>
           <a:p>
-            <a:fld id="{F52375F6-F57F-4D87-9DE9-B294442EBB55}" type="datetime1">
+            <a:fld id="{36FB04EA-70E2-4264-A28E-FA7178E4CC52}" type="datetime1">
               <a:rPr lang="fr-FR" smtClean="0"/>
               <a:t>19/04/2017</a:t>
             </a:fld>
@@ -5556,61 +5955,9 @@
           </a:p>
         </p:txBody>
       </p:sp>
-      <p:sp>
-        <p:nvSpPr>
-          <p:cNvPr id="13" name="Espace réservé du contenu 12"/>
-          <p:cNvSpPr>
-            <a:spLocks noGrp="1"/>
-          </p:cNvSpPr>
-          <p:nvPr>
-            <p:ph idx="13"/>
-          </p:nvPr>
-        </p:nvSpPr>
-        <p:spPr/>
-        <p:txBody>
-          <a:bodyPr/>
-          <a:lstStyle/>
-          <a:p>
-            <a:pPr marL="0" indent="0">
-              <a:buNone/>
-            </a:pPr>
-            <a:endParaRPr lang="fr-FR" dirty="0"/>
-          </a:p>
-          <a:p>
-            <a:r>
-              <a:rPr lang="fr-FR" dirty="0"/>
-              <a:t>Intégration de Google Maps</a:t>
-            </a:r>
-          </a:p>
-          <a:p>
-            <a:r>
-              <a:rPr lang="fr-FR" dirty="0"/>
-              <a:t>Recherche par géolocalisation</a:t>
-            </a:r>
-          </a:p>
-          <a:p>
-            <a:endParaRPr lang="fr-FR" dirty="0"/>
-          </a:p>
-          <a:p>
-            <a:r>
-              <a:rPr lang="fr-FR" dirty="0"/>
-              <a:t>Système de fidélité</a:t>
-            </a:r>
-          </a:p>
-          <a:p>
-            <a:pPr marL="0" indent="0">
-              <a:buNone/>
-            </a:pPr>
-            <a:endParaRPr lang="fr-FR" dirty="0"/>
-          </a:p>
-          <a:p>
-            <a:endParaRPr lang="fr-FR" dirty="0"/>
-          </a:p>
-        </p:txBody>
-      </p:sp>
       <p:pic>
         <p:nvPicPr>
-          <p:cNvPr id="14" name="Image 13"/>
+          <p:cNvPr id="7" name="Image 6"/>
           <p:cNvPicPr>
             <a:picLocks noChangeAspect="1"/>
           </p:cNvPicPr>
@@ -5624,78 +5971,18 @@
         </p:blipFill>
         <p:spPr>
           <a:xfrm>
-            <a:off x="6540557" y="2731869"/>
-            <a:ext cx="2101776" cy="1398636"/>
-          </a:xfrm>
-          <a:prstGeom prst="ellipse">
-            <a:avLst/>
-          </a:prstGeom>
-          <a:ln>
-            <a:noFill/>
-          </a:ln>
-          <a:effectLst>
-            <a:softEdge rad="112500"/>
-          </a:effectLst>
-        </p:spPr>
-      </p:pic>
-      <p:pic>
-        <p:nvPicPr>
-          <p:cNvPr id="15" name="Image 14"/>
-          <p:cNvPicPr>
-            <a:picLocks noChangeAspect="1"/>
-          </p:cNvPicPr>
-          <p:nvPr/>
-        </p:nvPicPr>
-        <p:blipFill>
-          <a:blip r:embed="rId3"/>
-          <a:stretch>
-            <a:fillRect/>
-          </a:stretch>
-        </p:blipFill>
-        <p:spPr>
-          <a:xfrm>
-            <a:off x="6228184" y="1735611"/>
-            <a:ext cx="865443" cy="865443"/>
+            <a:off x="611560" y="1624000"/>
+            <a:ext cx="2143125" cy="2133600"/>
           </a:xfrm>
           <a:prstGeom prst="rect">
             <a:avLst/>
           </a:prstGeom>
-        </p:spPr>
-      </p:pic>
-      <p:pic>
-        <p:nvPicPr>
-          <p:cNvPr id="16" name="Image 15"/>
-          <p:cNvPicPr>
-            <a:picLocks noChangeAspect="1"/>
-          </p:cNvPicPr>
-          <p:nvPr/>
-        </p:nvPicPr>
-        <p:blipFill>
-          <a:blip r:embed="rId4"/>
-          <a:stretch>
-            <a:fillRect/>
-          </a:stretch>
-        </p:blipFill>
-        <p:spPr>
-          <a:xfrm>
-            <a:off x="2267744" y="4373688"/>
-            <a:ext cx="4105129" cy="1982662"/>
-          </a:xfrm>
-          <a:prstGeom prst="ellipse">
-            <a:avLst/>
-          </a:prstGeom>
-          <a:ln>
-            <a:noFill/>
-          </a:ln>
-          <a:effectLst>
-            <a:softEdge rad="112500"/>
-          </a:effectLst>
         </p:spPr>
       </p:pic>
     </p:spTree>
     <p:extLst>
       <p:ext uri="{BB962C8B-B14F-4D97-AF65-F5344CB8AC3E}">
-        <p14:creationId xmlns:p14="http://schemas.microsoft.com/office/powerpoint/2010/main" val="1254137497"/>
+        <p14:creationId xmlns:p14="http://schemas.microsoft.com/office/powerpoint/2010/main" val="1207549664"/>
       </p:ext>
     </p:extLst>
   </p:cSld>
@@ -5747,19 +6034,19 @@
           <a:p>
             <a:r>
               <a:rPr lang="fr-FR" dirty="0"/>
-              <a:t>Des Questions</a:t>
-            </a:r>
-          </a:p>
-        </p:txBody>
-      </p:sp>
-      <p:sp>
-        <p:nvSpPr>
-          <p:cNvPr id="3" name="Espace réservé du texte 2"/>
-          <p:cNvSpPr>
-            <a:spLocks noGrp="1"/>
-          </p:cNvSpPr>
-          <p:nvPr>
-            <p:ph type="body" idx="1"/>
+              <a:t>Application web</a:t>
+            </a:r>
+          </a:p>
+        </p:txBody>
+      </p:sp>
+      <p:sp>
+        <p:nvSpPr>
+          <p:cNvPr id="3" name="Espace réservé du contenu 2"/>
+          <p:cNvSpPr>
+            <a:spLocks noGrp="1"/>
+          </p:cNvSpPr>
+          <p:nvPr>
+            <p:ph idx="13"/>
           </p:nvPr>
         </p:nvSpPr>
         <p:spPr/>
@@ -5767,10 +6054,18 @@
           <a:bodyPr/>
           <a:lstStyle/>
           <a:p>
+            <a:pPr marL="0" indent="0">
+              <a:buNone/>
+            </a:pPr>
             <a:r>
               <a:rPr lang="fr-FR" dirty="0"/>
-              <a:t>Merci pour votre attention !</a:t>
-            </a:r>
+              <a:t>Image du site web + </a:t>
+            </a:r>
+            <a:r>
+              <a:rPr lang="fr-FR" dirty="0" err="1"/>
+              <a:t>materilize</a:t>
+            </a:r>
+            <a:endParaRPr lang="fr-FR" dirty="0"/>
           </a:p>
         </p:txBody>
       </p:sp>
@@ -5789,7 +6084,7 @@
           <a:bodyPr/>
           <a:lstStyle/>
           <a:p>
-            <a:fld id="{9DFBD193-1B61-48CF-8ED5-5E82A813EB31}" type="datetime1">
+            <a:fld id="{F52375F6-F57F-4D87-9DE9-B294442EBB55}" type="datetime1">
               <a:rPr lang="fr-FR" smtClean="0"/>
               <a:t>19/04/2017</a:t>
             </a:fld>
@@ -5847,7 +6142,985 @@
     </p:spTree>
     <p:extLst>
       <p:ext uri="{BB962C8B-B14F-4D97-AF65-F5344CB8AC3E}">
-        <p14:creationId xmlns:p14="http://schemas.microsoft.com/office/powerpoint/2010/main" val="1144813413"/>
+        <p14:creationId xmlns:p14="http://schemas.microsoft.com/office/powerpoint/2010/main" val="955936984"/>
+      </p:ext>
+    </p:extLst>
+  </p:cSld>
+  <p:clrMapOvr>
+    <a:masterClrMapping/>
+  </p:clrMapOvr>
+  <mc:AlternateContent xmlns:mc="http://schemas.openxmlformats.org/markup-compatibility/2006" xmlns:p14="http://schemas.microsoft.com/office/powerpoint/2010/main">
+    <mc:Choice Requires="p14">
+      <p:transition p14:dur="10"/>
+    </mc:Choice>
+    <mc:Fallback xmlns="">
+      <p:transition/>
+    </mc:Fallback>
+  </mc:AlternateContent>
+</p:sld>
+</file>
+
+<file path=ppt/slides/slide15.xml><?xml version="1.0" encoding="utf-8"?>
+<p:sld xmlns:a="http://schemas.openxmlformats.org/drawingml/2006/main" xmlns:r="http://schemas.openxmlformats.org/officeDocument/2006/relationships" xmlns:p="http://schemas.openxmlformats.org/presentationml/2006/main">
+  <p:cSld>
+    <p:spTree>
+      <p:nvGrpSpPr>
+        <p:cNvPr id="1" name=""/>
+        <p:cNvGrpSpPr/>
+        <p:nvPr/>
+      </p:nvGrpSpPr>
+      <p:grpSpPr>
+        <a:xfrm>
+          <a:off x="0" y="0"/>
+          <a:ext cx="0" cy="0"/>
+          <a:chOff x="0" y="0"/>
+          <a:chExt cx="0" cy="0"/>
+        </a:xfrm>
+      </p:grpSpPr>
+      <p:sp>
+        <p:nvSpPr>
+          <p:cNvPr id="2" name="Titre 1"/>
+          <p:cNvSpPr>
+            <a:spLocks noGrp="1"/>
+          </p:cNvSpPr>
+          <p:nvPr>
+            <p:ph type="title"/>
+          </p:nvPr>
+        </p:nvSpPr>
+        <p:spPr/>
+        <p:txBody>
+          <a:bodyPr/>
+          <a:lstStyle/>
+          <a:p>
+            <a:r>
+              <a:rPr lang="fr-FR" dirty="0">
+                <a:solidFill>
+                  <a:srgbClr val="00B0F0"/>
+                </a:solidFill>
+              </a:rPr>
+              <a:t>Démonstration web</a:t>
+            </a:r>
+          </a:p>
+        </p:txBody>
+      </p:sp>
+      <p:sp>
+        <p:nvSpPr>
+          <p:cNvPr id="3" name="Espace réservé du texte 2"/>
+          <p:cNvSpPr>
+            <a:spLocks noGrp="1"/>
+          </p:cNvSpPr>
+          <p:nvPr>
+            <p:ph type="body" idx="1"/>
+          </p:nvPr>
+        </p:nvSpPr>
+        <p:spPr/>
+        <p:txBody>
+          <a:bodyPr/>
+          <a:lstStyle/>
+          <a:p>
+            <a:r>
+              <a:rPr lang="fr-FR" dirty="0"/>
+              <a:t>Interface utilisateur pour le site web de réservation</a:t>
+            </a:r>
+          </a:p>
+        </p:txBody>
+      </p:sp>
+      <p:sp>
+        <p:nvSpPr>
+          <p:cNvPr id="4" name="Espace réservé de la date 3"/>
+          <p:cNvSpPr>
+            <a:spLocks noGrp="1"/>
+          </p:cNvSpPr>
+          <p:nvPr>
+            <p:ph type="dt" sz="half" idx="2"/>
+          </p:nvPr>
+        </p:nvSpPr>
+        <p:spPr/>
+        <p:txBody>
+          <a:bodyPr/>
+          <a:lstStyle/>
+          <a:p>
+            <a:fld id="{36FB04EA-70E2-4264-A28E-FA7178E4CC52}" type="datetime1">
+              <a:rPr lang="fr-FR" smtClean="0"/>
+              <a:t>19/04/2017</a:t>
+            </a:fld>
+            <a:endParaRPr lang="fr-FR" dirty="0"/>
+          </a:p>
+        </p:txBody>
+      </p:sp>
+      <p:sp>
+        <p:nvSpPr>
+          <p:cNvPr id="5" name="Espace réservé du pied de page 4"/>
+          <p:cNvSpPr>
+            <a:spLocks noGrp="1"/>
+          </p:cNvSpPr>
+          <p:nvPr>
+            <p:ph type="ftr" sz="quarter" idx="3"/>
+          </p:nvPr>
+        </p:nvSpPr>
+        <p:spPr/>
+        <p:txBody>
+          <a:bodyPr/>
+          <a:lstStyle/>
+          <a:p>
+            <a:r>
+              <a:rPr lang="fr-FR"/>
+              <a:t>www.infotel.com</a:t>
+            </a:r>
+            <a:endParaRPr lang="fr-FR" dirty="0"/>
+          </a:p>
+        </p:txBody>
+      </p:sp>
+      <p:sp>
+        <p:nvSpPr>
+          <p:cNvPr id="6" name="Espace réservé du numéro de diapositive 5"/>
+          <p:cNvSpPr>
+            <a:spLocks noGrp="1"/>
+          </p:cNvSpPr>
+          <p:nvPr>
+            <p:ph type="sldNum" sz="quarter" idx="4"/>
+          </p:nvPr>
+        </p:nvSpPr>
+        <p:spPr/>
+        <p:txBody>
+          <a:bodyPr/>
+          <a:lstStyle/>
+          <a:p>
+            <a:fld id="{3518BF5C-C123-4F19-9E08-E05DAD340467}" type="slidenum">
+              <a:rPr lang="fr-FR" smtClean="0"/>
+              <a:pPr/>
+              <a:t>15</a:t>
+            </a:fld>
+            <a:endParaRPr lang="fr-FR" dirty="0"/>
+          </a:p>
+        </p:txBody>
+      </p:sp>
+      <p:pic>
+        <p:nvPicPr>
+          <p:cNvPr id="7" name="Image 6"/>
+          <p:cNvPicPr>
+            <a:picLocks noChangeAspect="1"/>
+          </p:cNvPicPr>
+          <p:nvPr/>
+        </p:nvPicPr>
+        <p:blipFill>
+          <a:blip r:embed="rId2"/>
+          <a:stretch>
+            <a:fillRect/>
+          </a:stretch>
+        </p:blipFill>
+        <p:spPr>
+          <a:xfrm>
+            <a:off x="611560" y="1624000"/>
+            <a:ext cx="2143125" cy="2133600"/>
+          </a:xfrm>
+          <a:prstGeom prst="rect">
+            <a:avLst/>
+          </a:prstGeom>
+        </p:spPr>
+      </p:pic>
+    </p:spTree>
+    <p:extLst>
+      <p:ext uri="{BB962C8B-B14F-4D97-AF65-F5344CB8AC3E}">
+        <p14:creationId xmlns:p14="http://schemas.microsoft.com/office/powerpoint/2010/main" val="22642557"/>
+      </p:ext>
+    </p:extLst>
+  </p:cSld>
+  <p:clrMapOvr>
+    <a:masterClrMapping/>
+  </p:clrMapOvr>
+  <mc:AlternateContent xmlns:mc="http://schemas.openxmlformats.org/markup-compatibility/2006" xmlns:p14="http://schemas.microsoft.com/office/powerpoint/2010/main">
+    <mc:Choice Requires="p14">
+      <p:transition p14:dur="10"/>
+    </mc:Choice>
+    <mc:Fallback xmlns="">
+      <p:transition/>
+    </mc:Fallback>
+  </mc:AlternateContent>
+</p:sld>
+</file>
+
+<file path=ppt/slides/slide16.xml><?xml version="1.0" encoding="utf-8"?>
+<p:sld xmlns:a="http://schemas.openxmlformats.org/drawingml/2006/main" xmlns:r="http://schemas.openxmlformats.org/officeDocument/2006/relationships" xmlns:p="http://schemas.openxmlformats.org/presentationml/2006/main">
+  <p:cSld>
+    <p:spTree>
+      <p:nvGrpSpPr>
+        <p:cNvPr id="1" name=""/>
+        <p:cNvGrpSpPr/>
+        <p:nvPr/>
+      </p:nvGrpSpPr>
+      <p:grpSpPr>
+        <a:xfrm>
+          <a:off x="0" y="0"/>
+          <a:ext cx="0" cy="0"/>
+          <a:chOff x="0" y="0"/>
+          <a:chExt cx="0" cy="0"/>
+        </a:xfrm>
+      </p:grpSpPr>
+      <p:sp>
+        <p:nvSpPr>
+          <p:cNvPr id="2" name="Titre 1"/>
+          <p:cNvSpPr>
+            <a:spLocks noGrp="1"/>
+          </p:cNvSpPr>
+          <p:nvPr>
+            <p:ph type="title"/>
+          </p:nvPr>
+        </p:nvSpPr>
+        <p:spPr/>
+        <p:txBody>
+          <a:bodyPr/>
+          <a:lstStyle/>
+          <a:p>
+            <a:r>
+              <a:rPr lang="fr-FR" dirty="0">
+                <a:solidFill>
+                  <a:srgbClr val="92D050"/>
+                </a:solidFill>
+              </a:rPr>
+              <a:t>Application Android</a:t>
+            </a:r>
+          </a:p>
+        </p:txBody>
+      </p:sp>
+      <p:sp>
+        <p:nvSpPr>
+          <p:cNvPr id="3" name="Espace réservé du texte 2"/>
+          <p:cNvSpPr>
+            <a:spLocks noGrp="1"/>
+          </p:cNvSpPr>
+          <p:nvPr>
+            <p:ph type="body" idx="1"/>
+          </p:nvPr>
+        </p:nvSpPr>
+        <p:spPr/>
+        <p:txBody>
+          <a:bodyPr/>
+          <a:lstStyle/>
+          <a:p>
+            <a:r>
+              <a:rPr lang="fr-FR" dirty="0"/>
+              <a:t>Interface utilisateur pour support mobile</a:t>
+            </a:r>
+          </a:p>
+        </p:txBody>
+      </p:sp>
+      <p:sp>
+        <p:nvSpPr>
+          <p:cNvPr id="4" name="Espace réservé de la date 3"/>
+          <p:cNvSpPr>
+            <a:spLocks noGrp="1"/>
+          </p:cNvSpPr>
+          <p:nvPr>
+            <p:ph type="dt" sz="half" idx="2"/>
+          </p:nvPr>
+        </p:nvSpPr>
+        <p:spPr/>
+        <p:txBody>
+          <a:bodyPr/>
+          <a:lstStyle/>
+          <a:p>
+            <a:fld id="{36FB04EA-70E2-4264-A28E-FA7178E4CC52}" type="datetime1">
+              <a:rPr lang="fr-FR" smtClean="0"/>
+              <a:t>19/04/2017</a:t>
+            </a:fld>
+            <a:endParaRPr lang="fr-FR" dirty="0"/>
+          </a:p>
+        </p:txBody>
+      </p:sp>
+      <p:sp>
+        <p:nvSpPr>
+          <p:cNvPr id="5" name="Espace réservé du pied de page 4"/>
+          <p:cNvSpPr>
+            <a:spLocks noGrp="1"/>
+          </p:cNvSpPr>
+          <p:nvPr>
+            <p:ph type="ftr" sz="quarter" idx="3"/>
+          </p:nvPr>
+        </p:nvSpPr>
+        <p:spPr/>
+        <p:txBody>
+          <a:bodyPr/>
+          <a:lstStyle/>
+          <a:p>
+            <a:r>
+              <a:rPr lang="fr-FR"/>
+              <a:t>www.infotel.com</a:t>
+            </a:r>
+            <a:endParaRPr lang="fr-FR" dirty="0"/>
+          </a:p>
+        </p:txBody>
+      </p:sp>
+      <p:sp>
+        <p:nvSpPr>
+          <p:cNvPr id="6" name="Espace réservé du numéro de diapositive 5"/>
+          <p:cNvSpPr>
+            <a:spLocks noGrp="1"/>
+          </p:cNvSpPr>
+          <p:nvPr>
+            <p:ph type="sldNum" sz="quarter" idx="4"/>
+          </p:nvPr>
+        </p:nvSpPr>
+        <p:spPr/>
+        <p:txBody>
+          <a:bodyPr/>
+          <a:lstStyle/>
+          <a:p>
+            <a:fld id="{3518BF5C-C123-4F19-9E08-E05DAD340467}" type="slidenum">
+              <a:rPr lang="fr-FR" smtClean="0"/>
+              <a:pPr/>
+              <a:t>16</a:t>
+            </a:fld>
+            <a:endParaRPr lang="fr-FR" dirty="0"/>
+          </a:p>
+        </p:txBody>
+      </p:sp>
+      <p:pic>
+        <p:nvPicPr>
+          <p:cNvPr id="7" name="Image 6"/>
+          <p:cNvPicPr>
+            <a:picLocks noChangeAspect="1"/>
+          </p:cNvPicPr>
+          <p:nvPr/>
+        </p:nvPicPr>
+        <p:blipFill>
+          <a:blip r:embed="rId2"/>
+          <a:stretch>
+            <a:fillRect/>
+          </a:stretch>
+        </p:blipFill>
+        <p:spPr>
+          <a:xfrm>
+            <a:off x="611561" y="1619238"/>
+            <a:ext cx="2056586" cy="2056586"/>
+          </a:xfrm>
+          <a:prstGeom prst="rect">
+            <a:avLst/>
+          </a:prstGeom>
+        </p:spPr>
+      </p:pic>
+    </p:spTree>
+    <p:extLst>
+      <p:ext uri="{BB962C8B-B14F-4D97-AF65-F5344CB8AC3E}">
+        <p14:creationId xmlns:p14="http://schemas.microsoft.com/office/powerpoint/2010/main" val="1010285649"/>
+      </p:ext>
+    </p:extLst>
+  </p:cSld>
+  <p:clrMapOvr>
+    <a:masterClrMapping/>
+  </p:clrMapOvr>
+  <mc:AlternateContent xmlns:mc="http://schemas.openxmlformats.org/markup-compatibility/2006" xmlns:p14="http://schemas.microsoft.com/office/powerpoint/2010/main">
+    <mc:Choice Requires="p14">
+      <p:transition p14:dur="10"/>
+    </mc:Choice>
+    <mc:Fallback xmlns="">
+      <p:transition/>
+    </mc:Fallback>
+  </mc:AlternateContent>
+</p:sld>
+</file>
+
+<file path=ppt/slides/slide17.xml><?xml version="1.0" encoding="utf-8"?>
+<p:sld xmlns:a="http://schemas.openxmlformats.org/drawingml/2006/main" xmlns:r="http://schemas.openxmlformats.org/officeDocument/2006/relationships" xmlns:p="http://schemas.openxmlformats.org/presentationml/2006/main">
+  <p:cSld>
+    <p:spTree>
+      <p:nvGrpSpPr>
+        <p:cNvPr id="1" name=""/>
+        <p:cNvGrpSpPr/>
+        <p:nvPr/>
+      </p:nvGrpSpPr>
+      <p:grpSpPr>
+        <a:xfrm>
+          <a:off x="0" y="0"/>
+          <a:ext cx="0" cy="0"/>
+          <a:chOff x="0" y="0"/>
+          <a:chExt cx="0" cy="0"/>
+        </a:xfrm>
+      </p:grpSpPr>
+      <p:sp>
+        <p:nvSpPr>
+          <p:cNvPr id="2" name="Titre 1"/>
+          <p:cNvSpPr>
+            <a:spLocks noGrp="1"/>
+          </p:cNvSpPr>
+          <p:nvPr>
+            <p:ph type="title"/>
+          </p:nvPr>
+        </p:nvSpPr>
+        <p:spPr/>
+        <p:txBody>
+          <a:bodyPr/>
+          <a:lstStyle/>
+          <a:p>
+            <a:r>
+              <a:rPr lang="fr-FR" dirty="0"/>
+              <a:t>Application </a:t>
+            </a:r>
+            <a:r>
+              <a:rPr lang="fr-FR" dirty="0" err="1"/>
+              <a:t>android</a:t>
+            </a:r>
+            <a:endParaRPr lang="fr-FR" dirty="0"/>
+          </a:p>
+        </p:txBody>
+      </p:sp>
+      <p:sp>
+        <p:nvSpPr>
+          <p:cNvPr id="3" name="Espace réservé du contenu 2"/>
+          <p:cNvSpPr>
+            <a:spLocks noGrp="1"/>
+          </p:cNvSpPr>
+          <p:nvPr>
+            <p:ph idx="13"/>
+          </p:nvPr>
+        </p:nvSpPr>
+        <p:spPr/>
+        <p:txBody>
+          <a:bodyPr/>
+          <a:lstStyle/>
+          <a:p>
+            <a:pPr marL="0" indent="0">
+              <a:buNone/>
+            </a:pPr>
+            <a:r>
+              <a:rPr lang="fr-FR" dirty="0"/>
+              <a:t>Image de l’appli + </a:t>
+            </a:r>
+            <a:r>
+              <a:rPr lang="fr-FR" dirty="0" err="1"/>
+              <a:t>android</a:t>
+            </a:r>
+            <a:r>
+              <a:rPr lang="fr-FR" dirty="0"/>
+              <a:t> studio</a:t>
+            </a:r>
+          </a:p>
+        </p:txBody>
+      </p:sp>
+      <p:sp>
+        <p:nvSpPr>
+          <p:cNvPr id="4" name="Espace réservé de la date 3"/>
+          <p:cNvSpPr>
+            <a:spLocks noGrp="1"/>
+          </p:cNvSpPr>
+          <p:nvPr>
+            <p:ph type="dt" sz="half" idx="2"/>
+          </p:nvPr>
+        </p:nvSpPr>
+        <p:spPr/>
+        <p:txBody>
+          <a:bodyPr/>
+          <a:lstStyle/>
+          <a:p>
+            <a:fld id="{F52375F6-F57F-4D87-9DE9-B294442EBB55}" type="datetime1">
+              <a:rPr lang="fr-FR" smtClean="0"/>
+              <a:t>19/04/2017</a:t>
+            </a:fld>
+            <a:endParaRPr lang="fr-FR" dirty="0"/>
+          </a:p>
+        </p:txBody>
+      </p:sp>
+      <p:sp>
+        <p:nvSpPr>
+          <p:cNvPr id="5" name="Espace réservé du pied de page 4"/>
+          <p:cNvSpPr>
+            <a:spLocks noGrp="1"/>
+          </p:cNvSpPr>
+          <p:nvPr>
+            <p:ph type="ftr" sz="quarter" idx="3"/>
+          </p:nvPr>
+        </p:nvSpPr>
+        <p:spPr/>
+        <p:txBody>
+          <a:bodyPr/>
+          <a:lstStyle/>
+          <a:p>
+            <a:r>
+              <a:rPr lang="fr-FR"/>
+              <a:t>www.infotel.com</a:t>
+            </a:r>
+            <a:endParaRPr lang="fr-FR" dirty="0"/>
+          </a:p>
+        </p:txBody>
+      </p:sp>
+      <p:sp>
+        <p:nvSpPr>
+          <p:cNvPr id="6" name="Espace réservé du numéro de diapositive 5"/>
+          <p:cNvSpPr>
+            <a:spLocks noGrp="1"/>
+          </p:cNvSpPr>
+          <p:nvPr>
+            <p:ph type="sldNum" sz="quarter" idx="4"/>
+          </p:nvPr>
+        </p:nvSpPr>
+        <p:spPr/>
+        <p:txBody>
+          <a:bodyPr/>
+          <a:lstStyle/>
+          <a:p>
+            <a:fld id="{3518BF5C-C123-4F19-9E08-E05DAD340467}" type="slidenum">
+              <a:rPr lang="fr-FR" smtClean="0"/>
+              <a:pPr/>
+              <a:t>17</a:t>
+            </a:fld>
+            <a:endParaRPr lang="fr-FR" dirty="0"/>
+          </a:p>
+        </p:txBody>
+      </p:sp>
+    </p:spTree>
+    <p:extLst>
+      <p:ext uri="{BB962C8B-B14F-4D97-AF65-F5344CB8AC3E}">
+        <p14:creationId xmlns:p14="http://schemas.microsoft.com/office/powerpoint/2010/main" val="220867067"/>
+      </p:ext>
+    </p:extLst>
+  </p:cSld>
+  <p:clrMapOvr>
+    <a:masterClrMapping/>
+  </p:clrMapOvr>
+  <mc:AlternateContent xmlns:mc="http://schemas.openxmlformats.org/markup-compatibility/2006" xmlns:p14="http://schemas.microsoft.com/office/powerpoint/2010/main">
+    <mc:Choice Requires="p14">
+      <p:transition p14:dur="10"/>
+    </mc:Choice>
+    <mc:Fallback xmlns="">
+      <p:transition/>
+    </mc:Fallback>
+  </mc:AlternateContent>
+</p:sld>
+</file>
+
+<file path=ppt/slides/slide18.xml><?xml version="1.0" encoding="utf-8"?>
+<p:sld xmlns:a="http://schemas.openxmlformats.org/drawingml/2006/main" xmlns:r="http://schemas.openxmlformats.org/officeDocument/2006/relationships" xmlns:p="http://schemas.openxmlformats.org/presentationml/2006/main">
+  <p:cSld>
+    <p:spTree>
+      <p:nvGrpSpPr>
+        <p:cNvPr id="1" name=""/>
+        <p:cNvGrpSpPr/>
+        <p:nvPr/>
+      </p:nvGrpSpPr>
+      <p:grpSpPr>
+        <a:xfrm>
+          <a:off x="0" y="0"/>
+          <a:ext cx="0" cy="0"/>
+          <a:chOff x="0" y="0"/>
+          <a:chExt cx="0" cy="0"/>
+        </a:xfrm>
+      </p:grpSpPr>
+      <p:sp>
+        <p:nvSpPr>
+          <p:cNvPr id="2" name="Titre 1"/>
+          <p:cNvSpPr>
+            <a:spLocks noGrp="1"/>
+          </p:cNvSpPr>
+          <p:nvPr>
+            <p:ph type="title"/>
+          </p:nvPr>
+        </p:nvSpPr>
+        <p:spPr>
+          <a:xfrm>
+            <a:off x="2690662" y="1705778"/>
+            <a:ext cx="5707360" cy="1970046"/>
+          </a:xfrm>
+        </p:spPr>
+        <p:txBody>
+          <a:bodyPr/>
+          <a:lstStyle/>
+          <a:p>
+            <a:pPr algn="ctr"/>
+            <a:r>
+              <a:rPr lang="fr-FR" dirty="0">
+                <a:solidFill>
+                  <a:srgbClr val="92D050"/>
+                </a:solidFill>
+              </a:rPr>
+              <a:t>Démonstration  Android</a:t>
+            </a:r>
+          </a:p>
+        </p:txBody>
+      </p:sp>
+      <p:sp>
+        <p:nvSpPr>
+          <p:cNvPr id="3" name="Espace réservé du texte 2"/>
+          <p:cNvSpPr>
+            <a:spLocks noGrp="1"/>
+          </p:cNvSpPr>
+          <p:nvPr>
+            <p:ph type="body" idx="1"/>
+          </p:nvPr>
+        </p:nvSpPr>
+        <p:spPr/>
+        <p:txBody>
+          <a:bodyPr/>
+          <a:lstStyle/>
+          <a:p>
+            <a:r>
+              <a:rPr lang="fr-FR" dirty="0"/>
+              <a:t>Interface utilisateur pour support mobile</a:t>
+            </a:r>
+          </a:p>
+        </p:txBody>
+      </p:sp>
+      <p:sp>
+        <p:nvSpPr>
+          <p:cNvPr id="4" name="Espace réservé de la date 3"/>
+          <p:cNvSpPr>
+            <a:spLocks noGrp="1"/>
+          </p:cNvSpPr>
+          <p:nvPr>
+            <p:ph type="dt" sz="half" idx="2"/>
+          </p:nvPr>
+        </p:nvSpPr>
+        <p:spPr/>
+        <p:txBody>
+          <a:bodyPr/>
+          <a:lstStyle/>
+          <a:p>
+            <a:fld id="{36FB04EA-70E2-4264-A28E-FA7178E4CC52}" type="datetime1">
+              <a:rPr lang="fr-FR" smtClean="0"/>
+              <a:t>19/04/2017</a:t>
+            </a:fld>
+            <a:endParaRPr lang="fr-FR" dirty="0"/>
+          </a:p>
+        </p:txBody>
+      </p:sp>
+      <p:sp>
+        <p:nvSpPr>
+          <p:cNvPr id="5" name="Espace réservé du pied de page 4"/>
+          <p:cNvSpPr>
+            <a:spLocks noGrp="1"/>
+          </p:cNvSpPr>
+          <p:nvPr>
+            <p:ph type="ftr" sz="quarter" idx="3"/>
+          </p:nvPr>
+        </p:nvSpPr>
+        <p:spPr/>
+        <p:txBody>
+          <a:bodyPr/>
+          <a:lstStyle/>
+          <a:p>
+            <a:r>
+              <a:rPr lang="fr-FR"/>
+              <a:t>www.infotel.com</a:t>
+            </a:r>
+            <a:endParaRPr lang="fr-FR" dirty="0"/>
+          </a:p>
+        </p:txBody>
+      </p:sp>
+      <p:sp>
+        <p:nvSpPr>
+          <p:cNvPr id="6" name="Espace réservé du numéro de diapositive 5"/>
+          <p:cNvSpPr>
+            <a:spLocks noGrp="1"/>
+          </p:cNvSpPr>
+          <p:nvPr>
+            <p:ph type="sldNum" sz="quarter" idx="4"/>
+          </p:nvPr>
+        </p:nvSpPr>
+        <p:spPr/>
+        <p:txBody>
+          <a:bodyPr/>
+          <a:lstStyle/>
+          <a:p>
+            <a:fld id="{3518BF5C-C123-4F19-9E08-E05DAD340467}" type="slidenum">
+              <a:rPr lang="fr-FR" smtClean="0"/>
+              <a:pPr/>
+              <a:t>18</a:t>
+            </a:fld>
+            <a:endParaRPr lang="fr-FR" dirty="0"/>
+          </a:p>
+        </p:txBody>
+      </p:sp>
+      <p:pic>
+        <p:nvPicPr>
+          <p:cNvPr id="7" name="Image 6"/>
+          <p:cNvPicPr>
+            <a:picLocks noChangeAspect="1"/>
+          </p:cNvPicPr>
+          <p:nvPr/>
+        </p:nvPicPr>
+        <p:blipFill>
+          <a:blip r:embed="rId2"/>
+          <a:stretch>
+            <a:fillRect/>
+          </a:stretch>
+        </p:blipFill>
+        <p:spPr>
+          <a:xfrm>
+            <a:off x="611561" y="1619238"/>
+            <a:ext cx="2056586" cy="2056586"/>
+          </a:xfrm>
+          <a:prstGeom prst="rect">
+            <a:avLst/>
+          </a:prstGeom>
+        </p:spPr>
+      </p:pic>
+    </p:spTree>
+    <p:extLst>
+      <p:ext uri="{BB962C8B-B14F-4D97-AF65-F5344CB8AC3E}">
+        <p14:creationId xmlns:p14="http://schemas.microsoft.com/office/powerpoint/2010/main" val="2115917488"/>
+      </p:ext>
+    </p:extLst>
+  </p:cSld>
+  <p:clrMapOvr>
+    <a:masterClrMapping/>
+  </p:clrMapOvr>
+  <mc:AlternateContent xmlns:mc="http://schemas.openxmlformats.org/markup-compatibility/2006" xmlns:p14="http://schemas.microsoft.com/office/powerpoint/2010/main">
+    <mc:Choice Requires="p14">
+      <p:transition p14:dur="10"/>
+    </mc:Choice>
+    <mc:Fallback xmlns="">
+      <p:transition/>
+    </mc:Fallback>
+  </mc:AlternateContent>
+</p:sld>
+</file>
+
+<file path=ppt/slides/slide19.xml><?xml version="1.0" encoding="utf-8"?>
+<p:sld xmlns:a="http://schemas.openxmlformats.org/drawingml/2006/main" xmlns:r="http://schemas.openxmlformats.org/officeDocument/2006/relationships" xmlns:p="http://schemas.openxmlformats.org/presentationml/2006/main">
+  <p:cSld>
+    <p:spTree>
+      <p:nvGrpSpPr>
+        <p:cNvPr id="1" name=""/>
+        <p:cNvGrpSpPr/>
+        <p:nvPr/>
+      </p:nvGrpSpPr>
+      <p:grpSpPr>
+        <a:xfrm>
+          <a:off x="0" y="0"/>
+          <a:ext cx="0" cy="0"/>
+          <a:chOff x="0" y="0"/>
+          <a:chExt cx="0" cy="0"/>
+        </a:xfrm>
+      </p:grpSpPr>
+      <p:sp>
+        <p:nvSpPr>
+          <p:cNvPr id="2" name="Titre 1"/>
+          <p:cNvSpPr>
+            <a:spLocks noGrp="1"/>
+          </p:cNvSpPr>
+          <p:nvPr>
+            <p:ph type="title"/>
+          </p:nvPr>
+        </p:nvSpPr>
+        <p:spPr>
+          <a:xfrm>
+            <a:off x="2267744" y="30087"/>
+            <a:ext cx="6660232" cy="908720"/>
+          </a:xfrm>
+        </p:spPr>
+        <p:txBody>
+          <a:bodyPr/>
+          <a:lstStyle/>
+          <a:p>
+            <a:r>
+              <a:rPr lang="fr-FR" sz="3200" dirty="0"/>
+              <a:t>Fonctionnalités restaurateur</a:t>
+            </a:r>
+          </a:p>
+        </p:txBody>
+      </p:sp>
+      <p:sp>
+        <p:nvSpPr>
+          <p:cNvPr id="3" name="Espace réservé du contenu 2"/>
+          <p:cNvSpPr>
+            <a:spLocks noGrp="1"/>
+          </p:cNvSpPr>
+          <p:nvPr>
+            <p:ph idx="13"/>
+          </p:nvPr>
+        </p:nvSpPr>
+        <p:spPr/>
+        <p:txBody>
+          <a:bodyPr>
+            <a:normAutofit/>
+          </a:bodyPr>
+          <a:lstStyle/>
+          <a:p>
+            <a:pPr>
+              <a:lnSpc>
+                <a:spcPct val="150000"/>
+              </a:lnSpc>
+            </a:pPr>
+            <a:r>
+              <a:rPr lang="fr-FR" sz="2800" dirty="0">
+                <a:solidFill>
+                  <a:schemeClr val="accent1">
+                    <a:lumMod val="50000"/>
+                  </a:schemeClr>
+                </a:solidFill>
+              </a:rPr>
+              <a:t> Consulter les réservations</a:t>
+            </a:r>
+          </a:p>
+          <a:p>
+            <a:pPr marL="0" indent="0">
+              <a:lnSpc>
+                <a:spcPct val="150000"/>
+              </a:lnSpc>
+              <a:buNone/>
+            </a:pPr>
+            <a:endParaRPr lang="fr-FR" sz="2800" dirty="0">
+              <a:solidFill>
+                <a:schemeClr val="accent1">
+                  <a:lumMod val="50000"/>
+                </a:schemeClr>
+              </a:solidFill>
+            </a:endParaRPr>
+          </a:p>
+          <a:p>
+            <a:pPr>
+              <a:lnSpc>
+                <a:spcPct val="150000"/>
+              </a:lnSpc>
+            </a:pPr>
+            <a:r>
+              <a:rPr lang="fr-FR" sz="2800" dirty="0">
+                <a:solidFill>
+                  <a:schemeClr val="accent1">
+                    <a:lumMod val="50000"/>
+                  </a:schemeClr>
+                </a:solidFill>
+              </a:rPr>
+              <a:t> Valider les réservations</a:t>
+            </a:r>
+          </a:p>
+          <a:p>
+            <a:pPr marL="0" indent="0">
+              <a:lnSpc>
+                <a:spcPct val="150000"/>
+              </a:lnSpc>
+              <a:buNone/>
+            </a:pPr>
+            <a:endParaRPr lang="fr-FR" sz="2800" dirty="0">
+              <a:solidFill>
+                <a:schemeClr val="accent1">
+                  <a:lumMod val="50000"/>
+                </a:schemeClr>
+              </a:solidFill>
+            </a:endParaRPr>
+          </a:p>
+          <a:p>
+            <a:pPr>
+              <a:lnSpc>
+                <a:spcPct val="150000"/>
+              </a:lnSpc>
+            </a:pPr>
+            <a:r>
+              <a:rPr lang="fr-FR" sz="2800" dirty="0">
+                <a:solidFill>
+                  <a:schemeClr val="accent1">
+                    <a:lumMod val="50000"/>
+                  </a:schemeClr>
+                </a:solidFill>
+              </a:rPr>
+              <a:t> Laisser un commentaire</a:t>
+            </a:r>
+          </a:p>
+          <a:p>
+            <a:pPr marL="0" indent="0">
+              <a:buNone/>
+            </a:pPr>
+            <a:endParaRPr lang="fr-FR" dirty="0"/>
+          </a:p>
+        </p:txBody>
+      </p:sp>
+      <p:sp>
+        <p:nvSpPr>
+          <p:cNvPr id="4" name="Espace réservé de la date 3"/>
+          <p:cNvSpPr>
+            <a:spLocks noGrp="1"/>
+          </p:cNvSpPr>
+          <p:nvPr>
+            <p:ph type="dt" sz="half" idx="2"/>
+          </p:nvPr>
+        </p:nvSpPr>
+        <p:spPr/>
+        <p:txBody>
+          <a:bodyPr/>
+          <a:lstStyle/>
+          <a:p>
+            <a:fld id="{F52375F6-F57F-4D87-9DE9-B294442EBB55}" type="datetime1">
+              <a:rPr lang="fr-FR" smtClean="0"/>
+              <a:t>19/04/2017</a:t>
+            </a:fld>
+            <a:endParaRPr lang="fr-FR" dirty="0"/>
+          </a:p>
+        </p:txBody>
+      </p:sp>
+      <p:sp>
+        <p:nvSpPr>
+          <p:cNvPr id="5" name="Espace réservé du pied de page 4"/>
+          <p:cNvSpPr>
+            <a:spLocks noGrp="1"/>
+          </p:cNvSpPr>
+          <p:nvPr>
+            <p:ph type="ftr" sz="quarter" idx="3"/>
+          </p:nvPr>
+        </p:nvSpPr>
+        <p:spPr/>
+        <p:txBody>
+          <a:bodyPr/>
+          <a:lstStyle/>
+          <a:p>
+            <a:r>
+              <a:rPr lang="fr-FR"/>
+              <a:t>www.infotel.com</a:t>
+            </a:r>
+            <a:endParaRPr lang="fr-FR" dirty="0"/>
+          </a:p>
+        </p:txBody>
+      </p:sp>
+      <p:sp>
+        <p:nvSpPr>
+          <p:cNvPr id="6" name="Espace réservé du numéro de diapositive 5"/>
+          <p:cNvSpPr>
+            <a:spLocks noGrp="1"/>
+          </p:cNvSpPr>
+          <p:nvPr>
+            <p:ph type="sldNum" sz="quarter" idx="4"/>
+          </p:nvPr>
+        </p:nvSpPr>
+        <p:spPr/>
+        <p:txBody>
+          <a:bodyPr/>
+          <a:lstStyle/>
+          <a:p>
+            <a:fld id="{3518BF5C-C123-4F19-9E08-E05DAD340467}" type="slidenum">
+              <a:rPr lang="fr-FR" smtClean="0"/>
+              <a:pPr/>
+              <a:t>19</a:t>
+            </a:fld>
+            <a:endParaRPr lang="fr-FR" dirty="0"/>
+          </a:p>
+        </p:txBody>
+      </p:sp>
+      <p:pic>
+        <p:nvPicPr>
+          <p:cNvPr id="8" name="Image 7"/>
+          <p:cNvPicPr>
+            <a:picLocks noChangeAspect="1"/>
+          </p:cNvPicPr>
+          <p:nvPr/>
+        </p:nvPicPr>
+        <p:blipFill>
+          <a:blip r:embed="rId2"/>
+          <a:stretch>
+            <a:fillRect/>
+          </a:stretch>
+        </p:blipFill>
+        <p:spPr>
+          <a:xfrm>
+            <a:off x="5868144" y="2348880"/>
+            <a:ext cx="2699860" cy="2232248"/>
+          </a:xfrm>
+          <a:prstGeom prst="rect">
+            <a:avLst/>
+          </a:prstGeom>
+        </p:spPr>
+      </p:pic>
+    </p:spTree>
+    <p:extLst>
+      <p:ext uri="{BB962C8B-B14F-4D97-AF65-F5344CB8AC3E}">
+        <p14:creationId xmlns:p14="http://schemas.microsoft.com/office/powerpoint/2010/main" val="198079598"/>
       </p:ext>
     </p:extLst>
   </p:cSld>
@@ -6017,6 +7290,756 @@
 </p:sld>
 </file>
 
+<file path=ppt/slides/slide20.xml><?xml version="1.0" encoding="utf-8"?>
+<p:sld xmlns:a="http://schemas.openxmlformats.org/drawingml/2006/main" xmlns:r="http://schemas.openxmlformats.org/officeDocument/2006/relationships" xmlns:p="http://schemas.openxmlformats.org/presentationml/2006/main">
+  <p:cSld>
+    <p:spTree>
+      <p:nvGrpSpPr>
+        <p:cNvPr id="1" name=""/>
+        <p:cNvGrpSpPr/>
+        <p:nvPr/>
+      </p:nvGrpSpPr>
+      <p:grpSpPr>
+        <a:xfrm>
+          <a:off x="0" y="0"/>
+          <a:ext cx="0" cy="0"/>
+          <a:chOff x="0" y="0"/>
+          <a:chExt cx="0" cy="0"/>
+        </a:xfrm>
+      </p:grpSpPr>
+      <p:sp>
+        <p:nvSpPr>
+          <p:cNvPr id="2" name="Titre 1"/>
+          <p:cNvSpPr>
+            <a:spLocks noGrp="1"/>
+          </p:cNvSpPr>
+          <p:nvPr>
+            <p:ph type="title"/>
+          </p:nvPr>
+        </p:nvSpPr>
+        <p:spPr/>
+        <p:txBody>
+          <a:bodyPr/>
+          <a:lstStyle/>
+          <a:p>
+            <a:r>
+              <a:rPr lang="fr-FR" dirty="0">
+                <a:solidFill>
+                  <a:srgbClr val="00B0F0"/>
+                </a:solidFill>
+              </a:rPr>
+              <a:t>Démonstration</a:t>
+            </a:r>
+          </a:p>
+        </p:txBody>
+      </p:sp>
+      <p:sp>
+        <p:nvSpPr>
+          <p:cNvPr id="3" name="Espace réservé du texte 2"/>
+          <p:cNvSpPr>
+            <a:spLocks noGrp="1"/>
+          </p:cNvSpPr>
+          <p:nvPr>
+            <p:ph type="body" idx="1"/>
+          </p:nvPr>
+        </p:nvSpPr>
+        <p:spPr/>
+        <p:txBody>
+          <a:bodyPr/>
+          <a:lstStyle/>
+          <a:p>
+            <a:r>
+              <a:rPr lang="fr-FR" dirty="0"/>
+              <a:t>Interface restaurateur</a:t>
+            </a:r>
+          </a:p>
+        </p:txBody>
+      </p:sp>
+      <p:sp>
+        <p:nvSpPr>
+          <p:cNvPr id="4" name="Espace réservé de la date 3"/>
+          <p:cNvSpPr>
+            <a:spLocks noGrp="1"/>
+          </p:cNvSpPr>
+          <p:nvPr>
+            <p:ph type="dt" sz="half" idx="2"/>
+          </p:nvPr>
+        </p:nvSpPr>
+        <p:spPr/>
+        <p:txBody>
+          <a:bodyPr/>
+          <a:lstStyle/>
+          <a:p>
+            <a:fld id="{36FB04EA-70E2-4264-A28E-FA7178E4CC52}" type="datetime1">
+              <a:rPr lang="fr-FR" smtClean="0"/>
+              <a:t>19/04/2017</a:t>
+            </a:fld>
+            <a:endParaRPr lang="fr-FR" dirty="0"/>
+          </a:p>
+        </p:txBody>
+      </p:sp>
+      <p:sp>
+        <p:nvSpPr>
+          <p:cNvPr id="5" name="Espace réservé du pied de page 4"/>
+          <p:cNvSpPr>
+            <a:spLocks noGrp="1"/>
+          </p:cNvSpPr>
+          <p:nvPr>
+            <p:ph type="ftr" sz="quarter" idx="3"/>
+          </p:nvPr>
+        </p:nvSpPr>
+        <p:spPr/>
+        <p:txBody>
+          <a:bodyPr/>
+          <a:lstStyle/>
+          <a:p>
+            <a:r>
+              <a:rPr lang="fr-FR"/>
+              <a:t>www.infotel.com</a:t>
+            </a:r>
+            <a:endParaRPr lang="fr-FR" dirty="0"/>
+          </a:p>
+        </p:txBody>
+      </p:sp>
+      <p:sp>
+        <p:nvSpPr>
+          <p:cNvPr id="6" name="Espace réservé du numéro de diapositive 5"/>
+          <p:cNvSpPr>
+            <a:spLocks noGrp="1"/>
+          </p:cNvSpPr>
+          <p:nvPr>
+            <p:ph type="sldNum" sz="quarter" idx="4"/>
+          </p:nvPr>
+        </p:nvSpPr>
+        <p:spPr/>
+        <p:txBody>
+          <a:bodyPr/>
+          <a:lstStyle/>
+          <a:p>
+            <a:fld id="{3518BF5C-C123-4F19-9E08-E05DAD340467}" type="slidenum">
+              <a:rPr lang="fr-FR" smtClean="0"/>
+              <a:pPr/>
+              <a:t>20</a:t>
+            </a:fld>
+            <a:endParaRPr lang="fr-FR" dirty="0"/>
+          </a:p>
+        </p:txBody>
+      </p:sp>
+      <p:pic>
+        <p:nvPicPr>
+          <p:cNvPr id="7" name="Image 6"/>
+          <p:cNvPicPr>
+            <a:picLocks noChangeAspect="1"/>
+          </p:cNvPicPr>
+          <p:nvPr/>
+        </p:nvPicPr>
+        <p:blipFill>
+          <a:blip r:embed="rId2"/>
+          <a:stretch>
+            <a:fillRect/>
+          </a:stretch>
+        </p:blipFill>
+        <p:spPr>
+          <a:xfrm>
+            <a:off x="611560" y="1624000"/>
+            <a:ext cx="2143125" cy="2133600"/>
+          </a:xfrm>
+          <a:prstGeom prst="rect">
+            <a:avLst/>
+          </a:prstGeom>
+        </p:spPr>
+      </p:pic>
+    </p:spTree>
+    <p:extLst>
+      <p:ext uri="{BB962C8B-B14F-4D97-AF65-F5344CB8AC3E}">
+        <p14:creationId xmlns:p14="http://schemas.microsoft.com/office/powerpoint/2010/main" val="1271754077"/>
+      </p:ext>
+    </p:extLst>
+  </p:cSld>
+  <p:clrMapOvr>
+    <a:masterClrMapping/>
+  </p:clrMapOvr>
+  <mc:AlternateContent xmlns:mc="http://schemas.openxmlformats.org/markup-compatibility/2006" xmlns:p14="http://schemas.microsoft.com/office/powerpoint/2010/main">
+    <mc:Choice Requires="p14">
+      <p:transition p14:dur="10"/>
+    </mc:Choice>
+    <mc:Fallback xmlns="">
+      <p:transition/>
+    </mc:Fallback>
+  </mc:AlternateContent>
+</p:sld>
+</file>
+
+<file path=ppt/slides/slide21.xml><?xml version="1.0" encoding="utf-8"?>
+<p:sld xmlns:a="http://schemas.openxmlformats.org/drawingml/2006/main" xmlns:r="http://schemas.openxmlformats.org/officeDocument/2006/relationships" xmlns:p="http://schemas.openxmlformats.org/presentationml/2006/main">
+  <p:cSld>
+    <p:spTree>
+      <p:nvGrpSpPr>
+        <p:cNvPr id="1" name=""/>
+        <p:cNvGrpSpPr/>
+        <p:nvPr/>
+      </p:nvGrpSpPr>
+      <p:grpSpPr>
+        <a:xfrm>
+          <a:off x="0" y="0"/>
+          <a:ext cx="0" cy="0"/>
+          <a:chOff x="0" y="0"/>
+          <a:chExt cx="0" cy="0"/>
+        </a:xfrm>
+      </p:grpSpPr>
+      <p:sp>
+        <p:nvSpPr>
+          <p:cNvPr id="2" name="Titre 1"/>
+          <p:cNvSpPr>
+            <a:spLocks noGrp="1"/>
+          </p:cNvSpPr>
+          <p:nvPr>
+            <p:ph type="title"/>
+          </p:nvPr>
+        </p:nvSpPr>
+        <p:spPr/>
+        <p:txBody>
+          <a:bodyPr/>
+          <a:lstStyle/>
+          <a:p>
+            <a:r>
+              <a:rPr lang="fr-FR" dirty="0"/>
+              <a:t>évolutions</a:t>
+            </a:r>
+          </a:p>
+        </p:txBody>
+      </p:sp>
+      <p:sp>
+        <p:nvSpPr>
+          <p:cNvPr id="3" name="Espace réservé du texte 2"/>
+          <p:cNvSpPr>
+            <a:spLocks noGrp="1"/>
+          </p:cNvSpPr>
+          <p:nvPr>
+            <p:ph type="body" idx="1"/>
+          </p:nvPr>
+        </p:nvSpPr>
+        <p:spPr/>
+        <p:txBody>
+          <a:bodyPr/>
+          <a:lstStyle/>
+          <a:p>
+            <a:r>
+              <a:rPr lang="fr-FR" dirty="0"/>
+              <a:t>Gastronome Gourmand dans le futur</a:t>
+            </a:r>
+          </a:p>
+        </p:txBody>
+      </p:sp>
+      <p:sp>
+        <p:nvSpPr>
+          <p:cNvPr id="4" name="Espace réservé de la date 3"/>
+          <p:cNvSpPr>
+            <a:spLocks noGrp="1"/>
+          </p:cNvSpPr>
+          <p:nvPr>
+            <p:ph type="dt" sz="half" idx="2"/>
+          </p:nvPr>
+        </p:nvSpPr>
+        <p:spPr/>
+        <p:txBody>
+          <a:bodyPr/>
+          <a:lstStyle/>
+          <a:p>
+            <a:fld id="{132604DE-B258-4617-AC8A-645893754986}" type="datetime1">
+              <a:rPr lang="fr-FR" smtClean="0"/>
+              <a:t>19/04/2017</a:t>
+            </a:fld>
+            <a:endParaRPr lang="fr-FR" dirty="0"/>
+          </a:p>
+        </p:txBody>
+      </p:sp>
+      <p:sp>
+        <p:nvSpPr>
+          <p:cNvPr id="5" name="Espace réservé du pied de page 4"/>
+          <p:cNvSpPr>
+            <a:spLocks noGrp="1"/>
+          </p:cNvSpPr>
+          <p:nvPr>
+            <p:ph type="ftr" sz="quarter" idx="3"/>
+          </p:nvPr>
+        </p:nvSpPr>
+        <p:spPr/>
+        <p:txBody>
+          <a:bodyPr/>
+          <a:lstStyle/>
+          <a:p>
+            <a:r>
+              <a:rPr lang="fr-FR"/>
+              <a:t>www.infotel.com</a:t>
+            </a:r>
+            <a:endParaRPr lang="fr-FR" dirty="0"/>
+          </a:p>
+        </p:txBody>
+      </p:sp>
+      <p:sp>
+        <p:nvSpPr>
+          <p:cNvPr id="6" name="Espace réservé du numéro de diapositive 5"/>
+          <p:cNvSpPr>
+            <a:spLocks noGrp="1"/>
+          </p:cNvSpPr>
+          <p:nvPr>
+            <p:ph type="sldNum" sz="quarter" idx="4"/>
+          </p:nvPr>
+        </p:nvSpPr>
+        <p:spPr/>
+        <p:txBody>
+          <a:bodyPr/>
+          <a:lstStyle/>
+          <a:p>
+            <a:fld id="{3518BF5C-C123-4F19-9E08-E05DAD340467}" type="slidenum">
+              <a:rPr lang="fr-FR" smtClean="0"/>
+              <a:pPr/>
+              <a:t>21</a:t>
+            </a:fld>
+            <a:endParaRPr lang="fr-FR" dirty="0"/>
+          </a:p>
+        </p:txBody>
+      </p:sp>
+    </p:spTree>
+    <p:extLst>
+      <p:ext uri="{BB962C8B-B14F-4D97-AF65-F5344CB8AC3E}">
+        <p14:creationId xmlns:p14="http://schemas.microsoft.com/office/powerpoint/2010/main" val="1908868247"/>
+      </p:ext>
+    </p:extLst>
+  </p:cSld>
+  <p:clrMapOvr>
+    <a:masterClrMapping/>
+  </p:clrMapOvr>
+  <mc:AlternateContent xmlns:mc="http://schemas.openxmlformats.org/markup-compatibility/2006" xmlns:p14="http://schemas.microsoft.com/office/powerpoint/2010/main">
+    <mc:Choice Requires="p14">
+      <p:transition p14:dur="10"/>
+    </mc:Choice>
+    <mc:Fallback xmlns="">
+      <p:transition/>
+    </mc:Fallback>
+  </mc:AlternateContent>
+</p:sld>
+</file>
+
+<file path=ppt/slides/slide22.xml><?xml version="1.0" encoding="utf-8"?>
+<p:sld xmlns:a="http://schemas.openxmlformats.org/drawingml/2006/main" xmlns:r="http://schemas.openxmlformats.org/officeDocument/2006/relationships" xmlns:p="http://schemas.openxmlformats.org/presentationml/2006/main">
+  <p:cSld>
+    <p:spTree>
+      <p:nvGrpSpPr>
+        <p:cNvPr id="1" name=""/>
+        <p:cNvGrpSpPr/>
+        <p:nvPr/>
+      </p:nvGrpSpPr>
+      <p:grpSpPr>
+        <a:xfrm>
+          <a:off x="0" y="0"/>
+          <a:ext cx="0" cy="0"/>
+          <a:chOff x="0" y="0"/>
+          <a:chExt cx="0" cy="0"/>
+        </a:xfrm>
+      </p:grpSpPr>
+      <p:sp>
+        <p:nvSpPr>
+          <p:cNvPr id="2" name="Titre 1"/>
+          <p:cNvSpPr>
+            <a:spLocks noGrp="1"/>
+          </p:cNvSpPr>
+          <p:nvPr>
+            <p:ph type="title"/>
+          </p:nvPr>
+        </p:nvSpPr>
+        <p:spPr/>
+        <p:txBody>
+          <a:bodyPr/>
+          <a:lstStyle/>
+          <a:p>
+            <a:r>
+              <a:rPr lang="fr-FR" dirty="0"/>
+              <a:t>Perspectives</a:t>
+            </a:r>
+          </a:p>
+        </p:txBody>
+      </p:sp>
+      <p:sp>
+        <p:nvSpPr>
+          <p:cNvPr id="4" name="Espace réservé de la date 3"/>
+          <p:cNvSpPr>
+            <a:spLocks noGrp="1"/>
+          </p:cNvSpPr>
+          <p:nvPr>
+            <p:ph type="dt" sz="half" idx="2"/>
+          </p:nvPr>
+        </p:nvSpPr>
+        <p:spPr/>
+        <p:txBody>
+          <a:bodyPr/>
+          <a:lstStyle/>
+          <a:p>
+            <a:fld id="{F52375F6-F57F-4D87-9DE9-B294442EBB55}" type="datetime1">
+              <a:rPr lang="fr-FR" smtClean="0"/>
+              <a:t>19/04/2017</a:t>
+            </a:fld>
+            <a:endParaRPr lang="fr-FR" dirty="0"/>
+          </a:p>
+        </p:txBody>
+      </p:sp>
+      <p:sp>
+        <p:nvSpPr>
+          <p:cNvPr id="5" name="Espace réservé du pied de page 4"/>
+          <p:cNvSpPr>
+            <a:spLocks noGrp="1"/>
+          </p:cNvSpPr>
+          <p:nvPr>
+            <p:ph type="ftr" sz="quarter" idx="3"/>
+          </p:nvPr>
+        </p:nvSpPr>
+        <p:spPr/>
+        <p:txBody>
+          <a:bodyPr/>
+          <a:lstStyle/>
+          <a:p>
+            <a:r>
+              <a:rPr lang="fr-FR"/>
+              <a:t>www.infotel.com</a:t>
+            </a:r>
+            <a:endParaRPr lang="fr-FR" dirty="0"/>
+          </a:p>
+        </p:txBody>
+      </p:sp>
+      <p:sp>
+        <p:nvSpPr>
+          <p:cNvPr id="6" name="Espace réservé du numéro de diapositive 5"/>
+          <p:cNvSpPr>
+            <a:spLocks noGrp="1"/>
+          </p:cNvSpPr>
+          <p:nvPr>
+            <p:ph type="sldNum" sz="quarter" idx="4"/>
+          </p:nvPr>
+        </p:nvSpPr>
+        <p:spPr/>
+        <p:txBody>
+          <a:bodyPr/>
+          <a:lstStyle/>
+          <a:p>
+            <a:fld id="{3518BF5C-C123-4F19-9E08-E05DAD340467}" type="slidenum">
+              <a:rPr lang="fr-FR" smtClean="0"/>
+              <a:pPr/>
+              <a:t>22</a:t>
+            </a:fld>
+            <a:endParaRPr lang="fr-FR" dirty="0"/>
+          </a:p>
+        </p:txBody>
+      </p:sp>
+      <p:sp>
+        <p:nvSpPr>
+          <p:cNvPr id="13" name="Espace réservé du contenu 12"/>
+          <p:cNvSpPr>
+            <a:spLocks noGrp="1"/>
+          </p:cNvSpPr>
+          <p:nvPr>
+            <p:ph idx="13"/>
+          </p:nvPr>
+        </p:nvSpPr>
+        <p:spPr/>
+        <p:txBody>
+          <a:bodyPr/>
+          <a:lstStyle/>
+          <a:p>
+            <a:pPr marL="0" indent="0">
+              <a:buNone/>
+            </a:pPr>
+            <a:endParaRPr lang="fr-FR" dirty="0"/>
+          </a:p>
+          <a:p>
+            <a:r>
+              <a:rPr lang="fr-FR" dirty="0"/>
+              <a:t>Intégration de Google Maps</a:t>
+            </a:r>
+          </a:p>
+          <a:p>
+            <a:r>
+              <a:rPr lang="fr-FR" dirty="0"/>
+              <a:t>Recherche par géolocalisation</a:t>
+            </a:r>
+          </a:p>
+          <a:p>
+            <a:endParaRPr lang="fr-FR" dirty="0"/>
+          </a:p>
+          <a:p>
+            <a:r>
+              <a:rPr lang="fr-FR" dirty="0"/>
+              <a:t>Système de fidélité</a:t>
+            </a:r>
+          </a:p>
+          <a:p>
+            <a:pPr marL="0" indent="0">
+              <a:buNone/>
+            </a:pPr>
+            <a:endParaRPr lang="fr-FR" dirty="0"/>
+          </a:p>
+          <a:p>
+            <a:endParaRPr lang="fr-FR" dirty="0"/>
+          </a:p>
+        </p:txBody>
+      </p:sp>
+      <p:pic>
+        <p:nvPicPr>
+          <p:cNvPr id="14" name="Image 13"/>
+          <p:cNvPicPr>
+            <a:picLocks noChangeAspect="1"/>
+          </p:cNvPicPr>
+          <p:nvPr/>
+        </p:nvPicPr>
+        <p:blipFill>
+          <a:blip r:embed="rId2"/>
+          <a:stretch>
+            <a:fillRect/>
+          </a:stretch>
+        </p:blipFill>
+        <p:spPr>
+          <a:xfrm>
+            <a:off x="6540557" y="2731869"/>
+            <a:ext cx="2101776" cy="1398636"/>
+          </a:xfrm>
+          <a:prstGeom prst="ellipse">
+            <a:avLst/>
+          </a:prstGeom>
+          <a:ln>
+            <a:noFill/>
+          </a:ln>
+          <a:effectLst>
+            <a:softEdge rad="112500"/>
+          </a:effectLst>
+        </p:spPr>
+      </p:pic>
+      <p:pic>
+        <p:nvPicPr>
+          <p:cNvPr id="15" name="Image 14"/>
+          <p:cNvPicPr>
+            <a:picLocks noChangeAspect="1"/>
+          </p:cNvPicPr>
+          <p:nvPr/>
+        </p:nvPicPr>
+        <p:blipFill>
+          <a:blip r:embed="rId3"/>
+          <a:stretch>
+            <a:fillRect/>
+          </a:stretch>
+        </p:blipFill>
+        <p:spPr>
+          <a:xfrm>
+            <a:off x="6228184" y="1735611"/>
+            <a:ext cx="865443" cy="865443"/>
+          </a:xfrm>
+          <a:prstGeom prst="rect">
+            <a:avLst/>
+          </a:prstGeom>
+        </p:spPr>
+      </p:pic>
+      <p:pic>
+        <p:nvPicPr>
+          <p:cNvPr id="16" name="Image 15"/>
+          <p:cNvPicPr>
+            <a:picLocks noChangeAspect="1"/>
+          </p:cNvPicPr>
+          <p:nvPr/>
+        </p:nvPicPr>
+        <p:blipFill>
+          <a:blip r:embed="rId4"/>
+          <a:stretch>
+            <a:fillRect/>
+          </a:stretch>
+        </p:blipFill>
+        <p:spPr>
+          <a:xfrm>
+            <a:off x="2267744" y="4373688"/>
+            <a:ext cx="4105129" cy="1982662"/>
+          </a:xfrm>
+          <a:prstGeom prst="ellipse">
+            <a:avLst/>
+          </a:prstGeom>
+          <a:ln>
+            <a:noFill/>
+          </a:ln>
+          <a:effectLst>
+            <a:softEdge rad="112500"/>
+          </a:effectLst>
+        </p:spPr>
+      </p:pic>
+    </p:spTree>
+    <p:extLst>
+      <p:ext uri="{BB962C8B-B14F-4D97-AF65-F5344CB8AC3E}">
+        <p14:creationId xmlns:p14="http://schemas.microsoft.com/office/powerpoint/2010/main" val="1254137497"/>
+      </p:ext>
+    </p:extLst>
+  </p:cSld>
+  <p:clrMapOvr>
+    <a:masterClrMapping/>
+  </p:clrMapOvr>
+  <mc:AlternateContent xmlns:mc="http://schemas.openxmlformats.org/markup-compatibility/2006" xmlns:p14="http://schemas.microsoft.com/office/powerpoint/2010/main">
+    <mc:Choice Requires="p14">
+      <p:transition p14:dur="10"/>
+    </mc:Choice>
+    <mc:Fallback xmlns="">
+      <p:transition/>
+    </mc:Fallback>
+  </mc:AlternateContent>
+</p:sld>
+</file>
+
+<file path=ppt/slides/slide23.xml><?xml version="1.0" encoding="utf-8"?>
+<p:sld xmlns:a="http://schemas.openxmlformats.org/drawingml/2006/main" xmlns:r="http://schemas.openxmlformats.org/officeDocument/2006/relationships" xmlns:p="http://schemas.openxmlformats.org/presentationml/2006/main">
+  <p:cSld>
+    <p:spTree>
+      <p:nvGrpSpPr>
+        <p:cNvPr id="1" name=""/>
+        <p:cNvGrpSpPr/>
+        <p:nvPr/>
+      </p:nvGrpSpPr>
+      <p:grpSpPr>
+        <a:xfrm>
+          <a:off x="0" y="0"/>
+          <a:ext cx="0" cy="0"/>
+          <a:chOff x="0" y="0"/>
+          <a:chExt cx="0" cy="0"/>
+        </a:xfrm>
+      </p:grpSpPr>
+      <p:sp>
+        <p:nvSpPr>
+          <p:cNvPr id="2" name="Titre 1"/>
+          <p:cNvSpPr>
+            <a:spLocks noGrp="1"/>
+          </p:cNvSpPr>
+          <p:nvPr>
+            <p:ph type="title"/>
+          </p:nvPr>
+        </p:nvSpPr>
+        <p:spPr/>
+        <p:txBody>
+          <a:bodyPr/>
+          <a:lstStyle/>
+          <a:p>
+            <a:r>
+              <a:rPr lang="fr-FR" dirty="0"/>
+              <a:t>Des Questions</a:t>
+            </a:r>
+          </a:p>
+        </p:txBody>
+      </p:sp>
+      <p:sp>
+        <p:nvSpPr>
+          <p:cNvPr id="3" name="Espace réservé du texte 2"/>
+          <p:cNvSpPr>
+            <a:spLocks noGrp="1"/>
+          </p:cNvSpPr>
+          <p:nvPr>
+            <p:ph type="body" idx="1"/>
+          </p:nvPr>
+        </p:nvSpPr>
+        <p:spPr/>
+        <p:txBody>
+          <a:bodyPr/>
+          <a:lstStyle/>
+          <a:p>
+            <a:r>
+              <a:rPr lang="fr-FR" dirty="0"/>
+              <a:t>Merci pour votre attention !</a:t>
+            </a:r>
+          </a:p>
+        </p:txBody>
+      </p:sp>
+      <p:sp>
+        <p:nvSpPr>
+          <p:cNvPr id="4" name="Espace réservé de la date 3"/>
+          <p:cNvSpPr>
+            <a:spLocks noGrp="1"/>
+          </p:cNvSpPr>
+          <p:nvPr>
+            <p:ph type="dt" sz="half" idx="2"/>
+          </p:nvPr>
+        </p:nvSpPr>
+        <p:spPr/>
+        <p:txBody>
+          <a:bodyPr/>
+          <a:lstStyle/>
+          <a:p>
+            <a:fld id="{9DFBD193-1B61-48CF-8ED5-5E82A813EB31}" type="datetime1">
+              <a:rPr lang="fr-FR" smtClean="0"/>
+              <a:t>19/04/2017</a:t>
+            </a:fld>
+            <a:endParaRPr lang="fr-FR" dirty="0"/>
+          </a:p>
+        </p:txBody>
+      </p:sp>
+      <p:sp>
+        <p:nvSpPr>
+          <p:cNvPr id="5" name="Espace réservé du pied de page 4"/>
+          <p:cNvSpPr>
+            <a:spLocks noGrp="1"/>
+          </p:cNvSpPr>
+          <p:nvPr>
+            <p:ph type="ftr" sz="quarter" idx="3"/>
+          </p:nvPr>
+        </p:nvSpPr>
+        <p:spPr/>
+        <p:txBody>
+          <a:bodyPr/>
+          <a:lstStyle/>
+          <a:p>
+            <a:r>
+              <a:rPr lang="fr-FR"/>
+              <a:t>www.infotel.com</a:t>
+            </a:r>
+            <a:endParaRPr lang="fr-FR" dirty="0"/>
+          </a:p>
+        </p:txBody>
+      </p:sp>
+      <p:sp>
+        <p:nvSpPr>
+          <p:cNvPr id="6" name="Espace réservé du numéro de diapositive 5"/>
+          <p:cNvSpPr>
+            <a:spLocks noGrp="1"/>
+          </p:cNvSpPr>
+          <p:nvPr>
+            <p:ph type="sldNum" sz="quarter" idx="4"/>
+          </p:nvPr>
+        </p:nvSpPr>
+        <p:spPr/>
+        <p:txBody>
+          <a:bodyPr/>
+          <a:lstStyle/>
+          <a:p>
+            <a:fld id="{3518BF5C-C123-4F19-9E08-E05DAD340467}" type="slidenum">
+              <a:rPr lang="fr-FR" smtClean="0"/>
+              <a:pPr/>
+              <a:t>23</a:t>
+            </a:fld>
+            <a:endParaRPr lang="fr-FR" dirty="0"/>
+          </a:p>
+        </p:txBody>
+      </p:sp>
+    </p:spTree>
+    <p:extLst>
+      <p:ext uri="{BB962C8B-B14F-4D97-AF65-F5344CB8AC3E}">
+        <p14:creationId xmlns:p14="http://schemas.microsoft.com/office/powerpoint/2010/main" val="1144813413"/>
+      </p:ext>
+    </p:extLst>
+  </p:cSld>
+  <p:clrMapOvr>
+    <a:masterClrMapping/>
+  </p:clrMapOvr>
+  <mc:AlternateContent xmlns:mc="http://schemas.openxmlformats.org/markup-compatibility/2006" xmlns:p14="http://schemas.microsoft.com/office/powerpoint/2010/main">
+    <mc:Choice Requires="p14">
+      <p:transition p14:dur="10"/>
+    </mc:Choice>
+    <mc:Fallback xmlns="">
+      <p:transition/>
+    </mc:Fallback>
+  </mc:AlternateContent>
+</p:sld>
+</file>
+
 <file path=ppt/slides/slide3.xml><?xml version="1.0" encoding="utf-8"?>
 <p:sld xmlns:a="http://schemas.openxmlformats.org/drawingml/2006/main" xmlns:r="http://schemas.openxmlformats.org/officeDocument/2006/relationships" xmlns:p="http://schemas.openxmlformats.org/presentationml/2006/main">
   <p:cSld>
@@ -6056,7 +8079,7 @@
           <a:p>
             <a:r>
               <a:rPr lang="fr-FR" dirty="0"/>
-              <a:t>Introduction</a:t>
+              <a:t>Clients</a:t>
             </a:r>
           </a:p>
         </p:txBody>
@@ -6143,41 +8166,132 @@
         </p:nvSpPr>
         <p:spPr>
           <a:xfrm>
-            <a:off x="609228" y="2334128"/>
-            <a:ext cx="8070484" cy="3540884"/>
+            <a:off x="172176" y="3202564"/>
+            <a:ext cx="8799648" cy="3153786"/>
           </a:xfrm>
         </p:spPr>
         <p:txBody>
           <a:bodyPr>
-            <a:normAutofit fontScale="92500" lnSpcReduction="10000"/>
+            <a:normAutofit fontScale="40000" lnSpcReduction="20000"/>
           </a:bodyPr>
           <a:lstStyle/>
           <a:p>
             <a:pPr marL="0" indent="0">
               <a:buNone/>
             </a:pPr>
-            <a:endParaRPr lang="fr-FR" sz="2800" b="1" dirty="0"/>
+            <a:endParaRPr lang="fr-FR" sz="3100" b="1" dirty="0"/>
           </a:p>
           <a:p>
             <a:pPr marL="0" indent="0">
               <a:buNone/>
             </a:pPr>
-            <a:r>
-              <a:rPr lang="fr-FR" sz="2600" b="1" dirty="0"/>
-              <a:t>Gage de confort pour la clientèle</a:t>
+            <a:endParaRPr lang="fr-FR" sz="2400" b="1" dirty="0">
+              <a:solidFill>
+                <a:schemeClr val="accent1">
+                  <a:lumMod val="50000"/>
+                </a:schemeClr>
+              </a:solidFill>
+            </a:endParaRPr>
+          </a:p>
+          <a:p>
+            <a:pPr lvl="4">
+              <a:buFont typeface="Wingdings" panose="05000000000000000000" pitchFamily="2" charset="2"/>
+              <a:buChar char="ü"/>
+            </a:pPr>
+            <a:r>
+              <a:rPr lang="fr-FR" sz="5000" dirty="0">
+                <a:solidFill>
+                  <a:schemeClr val="accent1">
+                    <a:lumMod val="50000"/>
+                  </a:schemeClr>
+                </a:solidFill>
+              </a:rPr>
+              <a:t>Gain de temps</a:t>
+            </a:r>
+          </a:p>
+          <a:p>
+            <a:pPr marL="0" indent="0">
+              <a:buNone/>
+            </a:pPr>
+            <a:endParaRPr lang="fr-FR" sz="5000" dirty="0">
+              <a:solidFill>
+                <a:schemeClr val="accent1">
+                  <a:lumMod val="50000"/>
+                </a:schemeClr>
+              </a:solidFill>
+            </a:endParaRPr>
+          </a:p>
+          <a:p>
+            <a:pPr lvl="4">
+              <a:buFont typeface="Wingdings" panose="05000000000000000000" pitchFamily="2" charset="2"/>
+              <a:buChar char="ü"/>
+            </a:pPr>
+            <a:r>
+              <a:rPr lang="fr-FR" sz="5000" dirty="0">
+                <a:solidFill>
+                  <a:schemeClr val="accent1">
+                    <a:lumMod val="50000"/>
+                  </a:schemeClr>
+                </a:solidFill>
+              </a:rPr>
+              <a:t>Quand on veut ou on veut !</a:t>
             </a:r>
           </a:p>
           <a:p>
             <a:pPr marL="457200" lvl="1" indent="0">
               <a:buNone/>
             </a:pPr>
-            <a:r>
-              <a:rPr lang="fr-FR" sz="2400" dirty="0"/>
-              <a:t>	</a:t>
-            </a:r>
-            <a:r>
-              <a:rPr lang="fr-FR" sz="2200" dirty="0"/>
-              <a:t>Quand on veut ou on veut !</a:t>
+            <a:endParaRPr lang="fr-FR" sz="5000" dirty="0">
+              <a:solidFill>
+                <a:schemeClr val="accent1">
+                  <a:lumMod val="50000"/>
+                </a:schemeClr>
+              </a:solidFill>
+            </a:endParaRPr>
+          </a:p>
+          <a:p>
+            <a:pPr lvl="4">
+              <a:buFont typeface="Wingdings" panose="05000000000000000000" pitchFamily="2" charset="2"/>
+              <a:buChar char="ü"/>
+            </a:pPr>
+            <a:r>
+              <a:rPr lang="fr-FR" sz="5000" dirty="0">
+                <a:solidFill>
+                  <a:schemeClr val="accent1">
+                    <a:lumMod val="50000"/>
+                  </a:schemeClr>
+                </a:solidFill>
+              </a:rPr>
+              <a:t>Bye bye le stress du téléphone</a:t>
+            </a:r>
+          </a:p>
+          <a:p>
+            <a:pPr lvl="4">
+              <a:buFont typeface="Wingdings" panose="05000000000000000000" pitchFamily="2" charset="2"/>
+              <a:buChar char="ü"/>
+            </a:pPr>
+            <a:endParaRPr lang="fr-FR" sz="5000" dirty="0">
+              <a:solidFill>
+                <a:schemeClr val="accent1">
+                  <a:lumMod val="50000"/>
+                </a:schemeClr>
+              </a:solidFill>
+            </a:endParaRPr>
+          </a:p>
+          <a:p>
+            <a:pPr lvl="4">
+              <a:buFont typeface="Wingdings" panose="05000000000000000000" pitchFamily="2" charset="2"/>
+              <a:buChar char="ü"/>
+            </a:pPr>
+            <a:r>
+              <a:rPr lang="fr-FR" sz="5000" dirty="0">
+                <a:solidFill>
+                  <a:schemeClr val="accent1">
+                    <a:lumMod val="50000"/>
+                  </a:schemeClr>
+                </a:solidFill>
+              </a:rPr>
+              <a:t>Limiter le risque d’erreurs</a:t>
             </a:r>
           </a:p>
           <a:p>
@@ -6186,59 +8300,18 @@
             </a:pPr>
             <a:r>
               <a:rPr lang="fr-FR" sz="2200" dirty="0"/>
-              <a:t>	30s VS 1min</a:t>
-            </a:r>
+              <a:t>	</a:t>
+            </a:r>
+            <a:endParaRPr lang="fr-FR" sz="2600" b="1" dirty="0"/>
           </a:p>
           <a:p>
             <a:pPr marL="457200" lvl="1" indent="0">
               <a:buNone/>
             </a:pPr>
-            <a:endParaRPr lang="fr-FR" sz="2600" b="1" dirty="0"/>
-          </a:p>
-          <a:p>
-            <a:pPr marL="457200" lvl="1" indent="0">
-              <a:buNone/>
-            </a:pPr>
             <a:r>
               <a:rPr lang="fr-FR" sz="2600" b="1" dirty="0"/>
-              <a:t>	Gage d’économies pour les restaurateurs</a:t>
-            </a:r>
-          </a:p>
-          <a:p>
-            <a:pPr marL="0" indent="0">
-              <a:buNone/>
-            </a:pPr>
-            <a:r>
-              <a:rPr lang="fr-FR" b="1" dirty="0"/>
-              <a:t>		</a:t>
-            </a:r>
-            <a:r>
-              <a:rPr lang="fr-FR" sz="2200" dirty="0"/>
-              <a:t>      chiffre d’affaires jusqu’à 30%</a:t>
-            </a:r>
-          </a:p>
-          <a:p>
-            <a:pPr marL="457200" lvl="1" indent="0">
-              <a:buNone/>
-            </a:pPr>
-            <a:r>
-              <a:rPr lang="fr-FR" sz="2200" dirty="0"/>
-              <a:t>		Gain de temps et de charge de travail</a:t>
-            </a:r>
-          </a:p>
-          <a:p>
-            <a:pPr marL="457200" lvl="1" indent="0">
-              <a:buNone/>
-            </a:pPr>
-            <a:r>
-              <a:rPr lang="fr-FR" sz="2200" dirty="0"/>
-              <a:t>		Réelle valeur ajoutée</a:t>
-            </a:r>
-          </a:p>
-          <a:p>
-            <a:pPr marL="457200" lvl="1" indent="0">
-              <a:buNone/>
-            </a:pPr>
+              <a:t>	</a:t>
+            </a:r>
             <a:endParaRPr lang="fr-FR" b="1" dirty="0"/>
           </a:p>
           <a:p>
@@ -6253,41 +8326,6 @@
           </a:p>
         </p:txBody>
       </p:sp>
-      <p:cxnSp>
-        <p:nvCxnSpPr>
-          <p:cNvPr id="9" name="Connecteur droit avec flèche 8"/>
-          <p:cNvCxnSpPr>
-            <a:cxnSpLocks/>
-          </p:cNvCxnSpPr>
-          <p:nvPr/>
-        </p:nvCxnSpPr>
-        <p:spPr>
-          <a:xfrm flipV="1">
-            <a:off x="2699792" y="4869160"/>
-            <a:ext cx="108992" cy="216024"/>
-          </a:xfrm>
-          <a:prstGeom prst="straightConnector1">
-            <a:avLst/>
-          </a:prstGeom>
-          <a:ln>
-            <a:tailEnd type="triangle"/>
-          </a:ln>
-        </p:spPr>
-        <p:style>
-          <a:lnRef idx="1">
-            <a:schemeClr val="accent1"/>
-          </a:lnRef>
-          <a:fillRef idx="0">
-            <a:schemeClr val="accent1"/>
-          </a:fillRef>
-          <a:effectRef idx="0">
-            <a:schemeClr val="accent1"/>
-          </a:effectRef>
-          <a:fontRef idx="minor">
-            <a:schemeClr val="tx1"/>
-          </a:fontRef>
-        </p:style>
-      </p:cxnSp>
       <p:pic>
         <p:nvPicPr>
           <p:cNvPr id="10" name="Image 9"/>
@@ -6304,7 +8342,7 @@
         </p:blipFill>
         <p:spPr>
           <a:xfrm>
-            <a:off x="6084168" y="2015892"/>
+            <a:off x="7899822" y="2383272"/>
             <a:ext cx="1219245" cy="1890514"/>
           </a:xfrm>
           <a:prstGeom prst="rect">
@@ -6345,7 +8383,7 @@
         <p:spPr>
           <a:xfrm>
             <a:off x="2339752" y="1391126"/>
-            <a:ext cx="6804248" cy="461665"/>
+            <a:ext cx="6804248" cy="830997"/>
           </a:xfrm>
           <a:prstGeom prst="rect">
             <a:avLst/>
@@ -6361,26 +8399,89 @@
             <a:r>
               <a:rPr lang="fr-FR" sz="2400" b="1" dirty="0">
                 <a:solidFill>
-                  <a:schemeClr val="accent5">
-                    <a:lumMod val="75000"/>
+                  <a:schemeClr val="accent1">
+                    <a:lumMod val="50000"/>
                   </a:schemeClr>
                 </a:solidFill>
               </a:rPr>
               <a:t> Recherche majoritairement sur internet</a:t>
             </a:r>
+          </a:p>
+          <a:p>
+            <a:r>
+              <a:rPr lang="fr-FR" sz="2400" b="1" dirty="0">
+                <a:solidFill>
+                  <a:schemeClr val="accent1">
+                    <a:lumMod val="50000"/>
+                  </a:schemeClr>
+                </a:solidFill>
+              </a:rPr>
+              <a:t>	        Gage de confort</a:t>
+            </a:r>
             <a:endParaRPr lang="fr-FR" sz="2400" dirty="0">
               <a:solidFill>
-                <a:schemeClr val="accent5">
-                  <a:lumMod val="75000"/>
+                <a:schemeClr val="accent1">
+                  <a:lumMod val="50000"/>
                 </a:schemeClr>
               </a:solidFill>
             </a:endParaRPr>
           </a:p>
         </p:txBody>
       </p:sp>
+      <p:sp>
+        <p:nvSpPr>
+          <p:cNvPr id="7" name="Flèche : droite 6"/>
+          <p:cNvSpPr/>
+          <p:nvPr/>
+        </p:nvSpPr>
+        <p:spPr>
+          <a:xfrm>
+            <a:off x="3347864" y="1925164"/>
+            <a:ext cx="504056" cy="131377"/>
+          </a:xfrm>
+          <a:prstGeom prst="rightArrow">
+            <a:avLst/>
+          </a:prstGeom>
+          <a:solidFill>
+            <a:schemeClr val="tx2">
+              <a:lumMod val="50000"/>
+            </a:schemeClr>
+          </a:solidFill>
+        </p:spPr>
+        <p:style>
+          <a:lnRef idx="2">
+            <a:schemeClr val="accent1">
+              <a:shade val="50000"/>
+            </a:schemeClr>
+          </a:lnRef>
+          <a:fillRef idx="1">
+            <a:schemeClr val="accent1"/>
+          </a:fillRef>
+          <a:effectRef idx="0">
+            <a:schemeClr val="accent1"/>
+          </a:effectRef>
+          <a:fontRef idx="minor">
+            <a:schemeClr val="lt1"/>
+          </a:fontRef>
+        </p:style>
+        <p:txBody>
+          <a:bodyPr rtlCol="0" anchor="ctr"/>
+          <a:lstStyle/>
+          <a:p>
+            <a:pPr algn="ctr"/>
+            <a:endParaRPr lang="fr-FR">
+              <a:solidFill>
+                <a:schemeClr val="accent1">
+                  <a:lumMod val="50000"/>
+                </a:schemeClr>
+              </a:solidFill>
+            </a:endParaRPr>
+          </a:p>
+        </p:txBody>
+      </p:sp>
       <p:pic>
         <p:nvPicPr>
-          <p:cNvPr id="13" name="Image 12"/>
+          <p:cNvPr id="8" name="Image 7"/>
           <p:cNvPicPr>
             <a:picLocks noChangeAspect="1"/>
           </p:cNvPicPr>
@@ -6394,14 +8495,76 @@
         </p:blipFill>
         <p:spPr>
           <a:xfrm>
-            <a:off x="251520" y="4581128"/>
-            <a:ext cx="1761660" cy="1677406"/>
+            <a:off x="853159" y="3328348"/>
+            <a:ext cx="948444" cy="1179656"/>
           </a:xfrm>
           <a:prstGeom prst="rect">
             <a:avLst/>
           </a:prstGeom>
         </p:spPr>
       </p:pic>
+      <p:pic>
+        <p:nvPicPr>
+          <p:cNvPr id="14" name="Image 13"/>
+          <p:cNvPicPr>
+            <a:picLocks noChangeAspect="1"/>
+          </p:cNvPicPr>
+          <p:nvPr/>
+        </p:nvPicPr>
+        <p:blipFill>
+          <a:blip r:embed="rId5"/>
+          <a:stretch>
+            <a:fillRect/>
+          </a:stretch>
+        </p:blipFill>
+        <p:spPr>
+          <a:xfrm>
+            <a:off x="765191" y="4610777"/>
+            <a:ext cx="1036412" cy="1158630"/>
+          </a:xfrm>
+          <a:prstGeom prst="rect">
+            <a:avLst/>
+          </a:prstGeom>
+        </p:spPr>
+      </p:pic>
+      <p:sp>
+        <p:nvSpPr>
+          <p:cNvPr id="15" name="ZoneTexte 14"/>
+          <p:cNvSpPr txBox="1"/>
+          <p:nvPr/>
+        </p:nvSpPr>
+        <p:spPr>
+          <a:xfrm>
+            <a:off x="440770" y="2853578"/>
+            <a:ext cx="7947654" cy="738664"/>
+          </a:xfrm>
+          <a:prstGeom prst="rect">
+            <a:avLst/>
+          </a:prstGeom>
+          <a:noFill/>
+        </p:spPr>
+        <p:txBody>
+          <a:bodyPr wrap="square" rtlCol="0">
+            <a:spAutoFit/>
+          </a:bodyPr>
+          <a:lstStyle/>
+          <a:p>
+            <a:r>
+              <a:rPr lang="fr-FR" sz="2400" b="1" dirty="0">
+                <a:solidFill>
+                  <a:schemeClr val="accent1">
+                    <a:lumMod val="50000"/>
+                  </a:schemeClr>
+                </a:solidFill>
+              </a:rPr>
+              <a:t>Besoins : Rechercher / réserver en toute simplicité</a:t>
+            </a:r>
+          </a:p>
+          <a:p>
+            <a:endParaRPr lang="fr-FR" dirty="0"/>
+          </a:p>
+        </p:txBody>
+      </p:sp>
     </p:spTree>
     <p:extLst>
       <p:ext uri="{BB962C8B-B14F-4D97-AF65-F5344CB8AC3E}">
@@ -6450,56 +8613,39 @@
             <p:ph type="title"/>
           </p:nvPr>
         </p:nvSpPr>
+        <p:spPr>
+          <a:xfrm>
+            <a:off x="2013180" y="0"/>
+            <a:ext cx="6660232" cy="908720"/>
+          </a:xfrm>
+        </p:spPr>
+        <p:txBody>
+          <a:bodyPr/>
+          <a:lstStyle/>
+          <a:p>
+            <a:r>
+              <a:rPr lang="fr-FR" dirty="0"/>
+              <a:t>Restaurateurs</a:t>
+            </a:r>
+          </a:p>
+        </p:txBody>
+      </p:sp>
+      <p:sp>
+        <p:nvSpPr>
+          <p:cNvPr id="4" name="Espace réservé de la date 3"/>
+          <p:cNvSpPr>
+            <a:spLocks noGrp="1"/>
+          </p:cNvSpPr>
+          <p:nvPr>
+            <p:ph type="dt" sz="half" idx="2"/>
+          </p:nvPr>
+        </p:nvSpPr>
         <p:spPr/>
         <p:txBody>
           <a:bodyPr/>
           <a:lstStyle/>
           <a:p>
-            <a:r>
-              <a:rPr lang="fr-FR" dirty="0"/>
-              <a:t>Le Service</a:t>
-            </a:r>
-          </a:p>
-        </p:txBody>
-      </p:sp>
-      <p:sp>
-        <p:nvSpPr>
-          <p:cNvPr id="3" name="Espace réservé du texte 2"/>
-          <p:cNvSpPr>
-            <a:spLocks noGrp="1"/>
-          </p:cNvSpPr>
-          <p:nvPr>
-            <p:ph type="body" idx="1"/>
-          </p:nvPr>
-        </p:nvSpPr>
-        <p:spPr/>
-        <p:txBody>
-          <a:bodyPr/>
-          <a:lstStyle/>
-          <a:p>
-            <a:r>
-              <a:rPr lang="fr-FR" dirty="0"/>
-              <a:t>Service de réservation en ligne appliqué à la restauration</a:t>
-            </a:r>
-          </a:p>
-        </p:txBody>
-      </p:sp>
-      <p:sp>
-        <p:nvSpPr>
-          <p:cNvPr id="4" name="Espace réservé de la date 3"/>
-          <p:cNvSpPr>
-            <a:spLocks noGrp="1"/>
-          </p:cNvSpPr>
-          <p:nvPr>
-            <p:ph type="dt" sz="half" idx="2"/>
-          </p:nvPr>
-        </p:nvSpPr>
-        <p:spPr/>
-        <p:txBody>
-          <a:bodyPr/>
-          <a:lstStyle/>
-          <a:p>
-            <a:fld id="{A4AC1F79-6F54-44A5-A036-D1263133F7B9}" type="datetime1">
+            <a:fld id="{F52375F6-F57F-4D87-9DE9-B294442EBB55}" type="datetime1">
               <a:rPr lang="fr-FR" smtClean="0"/>
               <a:t>19/04/2017</a:t>
             </a:fld>
@@ -6554,10 +8700,403 @@
           </a:p>
         </p:txBody>
       </p:sp>
+      <p:pic>
+        <p:nvPicPr>
+          <p:cNvPr id="8" name="Image 7"/>
+          <p:cNvPicPr>
+            <a:picLocks noChangeAspect="1"/>
+          </p:cNvPicPr>
+          <p:nvPr/>
+        </p:nvPicPr>
+        <p:blipFill>
+          <a:blip r:embed="rId2"/>
+          <a:stretch>
+            <a:fillRect/>
+          </a:stretch>
+        </p:blipFill>
+        <p:spPr>
+          <a:xfrm>
+            <a:off x="1006807" y="1006536"/>
+            <a:ext cx="1332945" cy="1332945"/>
+          </a:xfrm>
+          <a:prstGeom prst="rect">
+            <a:avLst/>
+          </a:prstGeom>
+        </p:spPr>
+      </p:pic>
+      <p:sp>
+        <p:nvSpPr>
+          <p:cNvPr id="14" name="ZoneTexte 13"/>
+          <p:cNvSpPr txBox="1"/>
+          <p:nvPr/>
+        </p:nvSpPr>
+        <p:spPr>
+          <a:xfrm>
+            <a:off x="437322" y="2536713"/>
+            <a:ext cx="8527166" cy="738664"/>
+          </a:xfrm>
+          <a:prstGeom prst="rect">
+            <a:avLst/>
+          </a:prstGeom>
+          <a:noFill/>
+        </p:spPr>
+        <p:txBody>
+          <a:bodyPr wrap="square" rtlCol="0">
+            <a:spAutoFit/>
+          </a:bodyPr>
+          <a:lstStyle/>
+          <a:p>
+            <a:r>
+              <a:rPr lang="fr-FR" sz="2400" b="1" dirty="0">
+                <a:solidFill>
+                  <a:schemeClr val="accent1">
+                    <a:lumMod val="50000"/>
+                  </a:schemeClr>
+                </a:solidFill>
+              </a:rPr>
+              <a:t>Besoins : Faire fructifier son restaurant à moindre coût</a:t>
+            </a:r>
+          </a:p>
+          <a:p>
+            <a:endParaRPr lang="fr-FR" dirty="0"/>
+          </a:p>
+        </p:txBody>
+      </p:sp>
+      <p:sp>
+        <p:nvSpPr>
+          <p:cNvPr id="17" name="Espace réservé du contenu 2"/>
+          <p:cNvSpPr>
+            <a:spLocks noGrp="1"/>
+          </p:cNvSpPr>
+          <p:nvPr>
+            <p:ph idx="13"/>
+          </p:nvPr>
+        </p:nvSpPr>
+        <p:spPr>
+          <a:xfrm>
+            <a:off x="172176" y="3051997"/>
+            <a:ext cx="8799648" cy="3153786"/>
+          </a:xfrm>
+        </p:spPr>
+        <p:txBody>
+          <a:bodyPr>
+            <a:normAutofit fontScale="40000" lnSpcReduction="20000"/>
+          </a:bodyPr>
+          <a:lstStyle/>
+          <a:p>
+            <a:pPr marL="0" indent="0">
+              <a:buNone/>
+            </a:pPr>
+            <a:endParaRPr lang="fr-FR" sz="3100" b="1" dirty="0"/>
+          </a:p>
+          <a:p>
+            <a:pPr marL="0" indent="0">
+              <a:buNone/>
+            </a:pPr>
+            <a:endParaRPr lang="fr-FR" sz="2400" b="1" dirty="0">
+              <a:solidFill>
+                <a:schemeClr val="accent1">
+                  <a:lumMod val="50000"/>
+                </a:schemeClr>
+              </a:solidFill>
+            </a:endParaRPr>
+          </a:p>
+          <a:p>
+            <a:pPr lvl="4">
+              <a:buFont typeface="Wingdings" panose="05000000000000000000" pitchFamily="2" charset="2"/>
+              <a:buChar char="ü"/>
+            </a:pPr>
+            <a:r>
+              <a:rPr lang="fr-FR" sz="5000" dirty="0">
+                <a:solidFill>
+                  <a:schemeClr val="accent1">
+                    <a:lumMod val="50000"/>
+                  </a:schemeClr>
+                </a:solidFill>
+              </a:rPr>
+              <a:t>Plus de réservations</a:t>
+            </a:r>
+          </a:p>
+          <a:p>
+            <a:pPr marL="0" indent="0">
+              <a:buNone/>
+            </a:pPr>
+            <a:endParaRPr lang="fr-FR" sz="5000" dirty="0">
+              <a:solidFill>
+                <a:schemeClr val="accent1">
+                  <a:lumMod val="50000"/>
+                </a:schemeClr>
+              </a:solidFill>
+            </a:endParaRPr>
+          </a:p>
+          <a:p>
+            <a:pPr lvl="4">
+              <a:buFont typeface="Wingdings" panose="05000000000000000000" pitchFamily="2" charset="2"/>
+              <a:buChar char="ü"/>
+            </a:pPr>
+            <a:r>
+              <a:rPr lang="fr-FR" sz="5000" dirty="0">
+                <a:solidFill>
+                  <a:schemeClr val="accent1">
+                    <a:lumMod val="50000"/>
+                  </a:schemeClr>
+                </a:solidFill>
+              </a:rPr>
+              <a:t>Augmentation du chiffre d’affaire</a:t>
+            </a:r>
+          </a:p>
+          <a:p>
+            <a:pPr marL="457200" lvl="1" indent="0">
+              <a:buNone/>
+            </a:pPr>
+            <a:endParaRPr lang="fr-FR" sz="5000" dirty="0">
+              <a:solidFill>
+                <a:schemeClr val="accent1">
+                  <a:lumMod val="50000"/>
+                </a:schemeClr>
+              </a:solidFill>
+            </a:endParaRPr>
+          </a:p>
+          <a:p>
+            <a:pPr lvl="4">
+              <a:buFont typeface="Wingdings" panose="05000000000000000000" pitchFamily="2" charset="2"/>
+              <a:buChar char="ü"/>
+            </a:pPr>
+            <a:r>
+              <a:rPr lang="fr-FR" sz="5000" dirty="0">
+                <a:solidFill>
+                  <a:schemeClr val="accent1">
+                    <a:lumMod val="50000"/>
+                  </a:schemeClr>
+                </a:solidFill>
+              </a:rPr>
+              <a:t>Gain de temps et charge de travail</a:t>
+            </a:r>
+          </a:p>
+          <a:p>
+            <a:pPr lvl="4">
+              <a:buFont typeface="Wingdings" panose="05000000000000000000" pitchFamily="2" charset="2"/>
+              <a:buChar char="ü"/>
+            </a:pPr>
+            <a:endParaRPr lang="fr-FR" sz="5000" dirty="0">
+              <a:solidFill>
+                <a:schemeClr val="accent1">
+                  <a:lumMod val="50000"/>
+                </a:schemeClr>
+              </a:solidFill>
+            </a:endParaRPr>
+          </a:p>
+          <a:p>
+            <a:pPr lvl="4">
+              <a:buFont typeface="Wingdings" panose="05000000000000000000" pitchFamily="2" charset="2"/>
+              <a:buChar char="ü"/>
+            </a:pPr>
+            <a:r>
+              <a:rPr lang="fr-FR" sz="5000" dirty="0">
+                <a:solidFill>
+                  <a:schemeClr val="accent1">
+                    <a:lumMod val="50000"/>
+                  </a:schemeClr>
+                </a:solidFill>
+              </a:rPr>
+              <a:t>Réelle valeur ajoutée</a:t>
+            </a:r>
+          </a:p>
+          <a:p>
+            <a:pPr marL="457200" lvl="1" indent="0">
+              <a:buNone/>
+            </a:pPr>
+            <a:r>
+              <a:rPr lang="fr-FR" sz="2200" dirty="0"/>
+              <a:t>	</a:t>
+            </a:r>
+            <a:endParaRPr lang="fr-FR" sz="2600" b="1" dirty="0"/>
+          </a:p>
+          <a:p>
+            <a:pPr marL="457200" lvl="1" indent="0">
+              <a:buNone/>
+            </a:pPr>
+            <a:r>
+              <a:rPr lang="fr-FR" sz="2600" b="1" dirty="0"/>
+              <a:t>	</a:t>
+            </a:r>
+            <a:endParaRPr lang="fr-FR" b="1" dirty="0"/>
+          </a:p>
+          <a:p>
+            <a:pPr lvl="1"/>
+            <a:endParaRPr lang="fr-FR" b="1" dirty="0"/>
+          </a:p>
+          <a:p>
+            <a:endParaRPr lang="fr-FR" b="1" dirty="0"/>
+          </a:p>
+          <a:p>
+            <a:endParaRPr lang="fr-FR" dirty="0"/>
+          </a:p>
+        </p:txBody>
+      </p:sp>
+      <p:pic>
+        <p:nvPicPr>
+          <p:cNvPr id="18" name="Image 17"/>
+          <p:cNvPicPr>
+            <a:picLocks noChangeAspect="1"/>
+          </p:cNvPicPr>
+          <p:nvPr/>
+        </p:nvPicPr>
+        <p:blipFill>
+          <a:blip r:embed="rId3"/>
+          <a:stretch>
+            <a:fillRect/>
+          </a:stretch>
+        </p:blipFill>
+        <p:spPr>
+          <a:xfrm>
+            <a:off x="94367" y="3605781"/>
+            <a:ext cx="1824879" cy="1737603"/>
+          </a:xfrm>
+          <a:prstGeom prst="rect">
+            <a:avLst/>
+          </a:prstGeom>
+        </p:spPr>
+      </p:pic>
+      <p:pic>
+        <p:nvPicPr>
+          <p:cNvPr id="19" name="Image 18"/>
+          <p:cNvPicPr>
+            <a:picLocks noChangeAspect="1"/>
+          </p:cNvPicPr>
+          <p:nvPr/>
+        </p:nvPicPr>
+        <p:blipFill>
+          <a:blip r:embed="rId4"/>
+          <a:stretch>
+            <a:fillRect/>
+          </a:stretch>
+        </p:blipFill>
+        <p:spPr>
+          <a:xfrm>
+            <a:off x="6958608" y="4340696"/>
+            <a:ext cx="1728192" cy="1728192"/>
+          </a:xfrm>
+          <a:prstGeom prst="ellipse">
+            <a:avLst/>
+          </a:prstGeom>
+          <a:ln>
+            <a:noFill/>
+          </a:ln>
+          <a:effectLst>
+            <a:softEdge rad="112500"/>
+          </a:effectLst>
+        </p:spPr>
+      </p:pic>
+      <p:sp>
+        <p:nvSpPr>
+          <p:cNvPr id="20" name="ZoneTexte 19"/>
+          <p:cNvSpPr txBox="1"/>
+          <p:nvPr/>
+        </p:nvSpPr>
+        <p:spPr>
+          <a:xfrm>
+            <a:off x="2367812" y="1307218"/>
+            <a:ext cx="6804248" cy="830997"/>
+          </a:xfrm>
+          <a:prstGeom prst="rect">
+            <a:avLst/>
+          </a:prstGeom>
+          <a:noFill/>
+        </p:spPr>
+        <p:txBody>
+          <a:bodyPr wrap="square" rtlCol="0">
+            <a:spAutoFit/>
+          </a:bodyPr>
+          <a:lstStyle/>
+          <a:p>
+            <a:r>
+              <a:rPr lang="fr-FR" sz="2400" b="1" dirty="0">
+                <a:solidFill>
+                  <a:schemeClr val="accent1">
+                    <a:lumMod val="50000"/>
+                  </a:schemeClr>
+                </a:solidFill>
+              </a:rPr>
+              <a:t>Génération web</a:t>
+            </a:r>
+          </a:p>
+          <a:p>
+            <a:r>
+              <a:rPr lang="fr-FR" sz="2400" b="1" dirty="0">
+                <a:solidFill>
+                  <a:schemeClr val="accent1">
+                    <a:lumMod val="50000"/>
+                  </a:schemeClr>
+                </a:solidFill>
+              </a:rPr>
+              <a:t>	        Visibilité à grande échelle</a:t>
+            </a:r>
+            <a:endParaRPr lang="fr-FR" sz="2400" dirty="0">
+              <a:solidFill>
+                <a:schemeClr val="accent1">
+                  <a:lumMod val="50000"/>
+                </a:schemeClr>
+              </a:solidFill>
+            </a:endParaRPr>
+          </a:p>
+        </p:txBody>
+      </p:sp>
+      <p:sp>
+        <p:nvSpPr>
+          <p:cNvPr id="21" name="Flèche : droite 20"/>
+          <p:cNvSpPr/>
+          <p:nvPr/>
+        </p:nvSpPr>
+        <p:spPr>
+          <a:xfrm>
+            <a:off x="3347864" y="1882757"/>
+            <a:ext cx="504056" cy="131377"/>
+          </a:xfrm>
+          <a:prstGeom prst="rightArrow">
+            <a:avLst/>
+          </a:prstGeom>
+          <a:solidFill>
+            <a:schemeClr val="tx2">
+              <a:lumMod val="50000"/>
+            </a:schemeClr>
+          </a:solidFill>
+        </p:spPr>
+        <p:style>
+          <a:lnRef idx="2">
+            <a:schemeClr val="accent1">
+              <a:shade val="50000"/>
+            </a:schemeClr>
+          </a:lnRef>
+          <a:fillRef idx="1">
+            <a:schemeClr val="accent1"/>
+          </a:fillRef>
+          <a:effectRef idx="0">
+            <a:schemeClr val="accent1"/>
+          </a:effectRef>
+          <a:fontRef idx="minor">
+            <a:schemeClr val="lt1"/>
+          </a:fontRef>
+        </p:style>
+        <p:txBody>
+          <a:bodyPr rtlCol="0" anchor="ctr"/>
+          <a:lstStyle/>
+          <a:p>
+            <a:pPr algn="ctr"/>
+            <a:endParaRPr lang="fr-FR">
+              <a:solidFill>
+                <a:schemeClr val="accent1">
+                  <a:lumMod val="50000"/>
+                </a:schemeClr>
+              </a:solidFill>
+            </a:endParaRPr>
+          </a:p>
+        </p:txBody>
+      </p:sp>
     </p:spTree>
     <p:extLst>
       <p:ext uri="{BB962C8B-B14F-4D97-AF65-F5344CB8AC3E}">
-        <p14:creationId xmlns:p14="http://schemas.microsoft.com/office/powerpoint/2010/main" val="1103269697"/>
+        <p14:creationId xmlns:p14="http://schemas.microsoft.com/office/powerpoint/2010/main" val="1303860653"/>
       </p:ext>
     </p:extLst>
   </p:cSld>
@@ -6594,39 +9133,45 @@
       </p:grpSpPr>
       <p:sp>
         <p:nvSpPr>
-          <p:cNvPr id="3" name="Espace réservé du contenu 2"/>
-          <p:cNvSpPr>
-            <a:spLocks noGrp="1"/>
-          </p:cNvSpPr>
-          <p:nvPr>
-            <p:ph idx="13"/>
-          </p:nvPr>
-        </p:nvSpPr>
-        <p:spPr>
-          <a:xfrm>
-            <a:off x="467544" y="1556793"/>
-            <a:ext cx="7272808" cy="936103"/>
-          </a:xfrm>
-        </p:spPr>
-        <p:txBody>
-          <a:bodyPr>
-            <a:normAutofit/>
-          </a:bodyPr>
-          <a:lstStyle/>
-          <a:p>
-            <a:pPr marL="0" indent="0">
-              <a:buNone/>
-            </a:pPr>
-            <a:r>
-              <a:rPr lang="fr-FR" sz="2400" b="1" dirty="0"/>
-              <a:t>Répond aux habitudes et tendances du marché</a:t>
-            </a:r>
-          </a:p>
-          <a:p>
-            <a:pPr marL="0" indent="0">
-              <a:buNone/>
-            </a:pPr>
-            <a:endParaRPr lang="fr-FR" sz="2400" b="1" dirty="0"/>
+          <p:cNvPr id="2" name="Titre 1"/>
+          <p:cNvSpPr>
+            <a:spLocks noGrp="1"/>
+          </p:cNvSpPr>
+          <p:nvPr>
+            <p:ph type="title"/>
+          </p:nvPr>
+        </p:nvSpPr>
+        <p:spPr/>
+        <p:txBody>
+          <a:bodyPr/>
+          <a:lstStyle/>
+          <a:p>
+            <a:r>
+              <a:rPr lang="fr-FR" dirty="0"/>
+              <a:t>Le Service</a:t>
+            </a:r>
+          </a:p>
+        </p:txBody>
+      </p:sp>
+      <p:sp>
+        <p:nvSpPr>
+          <p:cNvPr id="3" name="Espace réservé du texte 2"/>
+          <p:cNvSpPr>
+            <a:spLocks noGrp="1"/>
+          </p:cNvSpPr>
+          <p:nvPr>
+            <p:ph type="body" idx="1"/>
+          </p:nvPr>
+        </p:nvSpPr>
+        <p:spPr/>
+        <p:txBody>
+          <a:bodyPr/>
+          <a:lstStyle/>
+          <a:p>
+            <a:r>
+              <a:rPr lang="fr-FR" dirty="0"/>
+              <a:t>Service de réservation en ligne appliqué à la restauration</a:t>
+            </a:r>
           </a:p>
         </p:txBody>
       </p:sp>
@@ -6645,7 +9190,7 @@
           <a:bodyPr/>
           <a:lstStyle/>
           <a:p>
-            <a:fld id="{F52375F6-F57F-4D87-9DE9-B294442EBB55}" type="datetime1">
+            <a:fld id="{A4AC1F79-6F54-44A5-A036-D1263133F7B9}" type="datetime1">
               <a:rPr lang="fr-FR" smtClean="0"/>
               <a:t>19/04/2017</a:t>
             </a:fld>
@@ -6700,192 +9245,10 @@
           </a:p>
         </p:txBody>
       </p:sp>
-      <p:pic>
-        <p:nvPicPr>
-          <p:cNvPr id="7" name="Image 6"/>
-          <p:cNvPicPr>
-            <a:picLocks noChangeAspect="1"/>
-          </p:cNvPicPr>
-          <p:nvPr/>
-        </p:nvPicPr>
-        <p:blipFill>
-          <a:blip r:embed="rId2"/>
-          <a:stretch>
-            <a:fillRect/>
-          </a:stretch>
-        </p:blipFill>
-        <p:spPr>
-          <a:xfrm>
-            <a:off x="7524328" y="1115458"/>
-            <a:ext cx="1503611" cy="1503611"/>
-          </a:xfrm>
-          <a:prstGeom prst="ellipse">
-            <a:avLst/>
-          </a:prstGeom>
-          <a:ln>
-            <a:noFill/>
-          </a:ln>
-          <a:effectLst>
-            <a:softEdge rad="112500"/>
-          </a:effectLst>
-        </p:spPr>
-      </p:pic>
-      <p:pic>
-        <p:nvPicPr>
-          <p:cNvPr id="8" name="Image 7"/>
-          <p:cNvPicPr>
-            <a:picLocks noChangeAspect="1"/>
-          </p:cNvPicPr>
-          <p:nvPr/>
-        </p:nvPicPr>
-        <p:blipFill>
-          <a:blip r:embed="rId3"/>
-          <a:stretch>
-            <a:fillRect/>
-          </a:stretch>
-        </p:blipFill>
-        <p:spPr>
-          <a:xfrm>
-            <a:off x="323593" y="2728770"/>
-            <a:ext cx="1590556" cy="1751303"/>
-          </a:xfrm>
-          <a:prstGeom prst="rect">
-            <a:avLst/>
-          </a:prstGeom>
-        </p:spPr>
-      </p:pic>
-      <p:sp>
-        <p:nvSpPr>
-          <p:cNvPr id="9" name="ZoneTexte 8"/>
-          <p:cNvSpPr txBox="1"/>
-          <p:nvPr/>
-        </p:nvSpPr>
-        <p:spPr>
-          <a:xfrm>
-            <a:off x="1979712" y="2728770"/>
-            <a:ext cx="7560840" cy="1107996"/>
-          </a:xfrm>
-          <a:prstGeom prst="rect">
-            <a:avLst/>
-          </a:prstGeom>
-          <a:noFill/>
-        </p:spPr>
-        <p:txBody>
-          <a:bodyPr wrap="square" rtlCol="0">
-            <a:spAutoFit/>
-          </a:bodyPr>
-          <a:lstStyle/>
-          <a:p>
-            <a:endParaRPr lang="fr-FR" sz="2400" b="1" dirty="0">
-              <a:solidFill>
-                <a:schemeClr val="accent5">
-                  <a:lumMod val="75000"/>
-                </a:schemeClr>
-              </a:solidFill>
-            </a:endParaRPr>
-          </a:p>
-          <a:p>
-            <a:r>
-              <a:rPr lang="fr-FR" sz="2400" b="1" dirty="0">
-                <a:solidFill>
-                  <a:schemeClr val="accent5">
-                    <a:lumMod val="75000"/>
-                  </a:schemeClr>
-                </a:solidFill>
-              </a:rPr>
-              <a:t>Permet l’utilisation sur différents supports</a:t>
-            </a:r>
-          </a:p>
-          <a:p>
-            <a:endParaRPr lang="fr-FR" dirty="0"/>
-          </a:p>
-        </p:txBody>
-      </p:sp>
-      <p:sp>
-        <p:nvSpPr>
-          <p:cNvPr id="10" name="ZoneTexte 9"/>
-          <p:cNvSpPr txBox="1"/>
-          <p:nvPr/>
-        </p:nvSpPr>
-        <p:spPr>
-          <a:xfrm>
-            <a:off x="389091" y="4480073"/>
-            <a:ext cx="7560840" cy="1107996"/>
-          </a:xfrm>
-          <a:prstGeom prst="rect">
-            <a:avLst/>
-          </a:prstGeom>
-          <a:noFill/>
-        </p:spPr>
-        <p:txBody>
-          <a:bodyPr wrap="square" rtlCol="0">
-            <a:spAutoFit/>
-          </a:bodyPr>
-          <a:lstStyle/>
-          <a:p>
-            <a:endParaRPr lang="fr-FR" sz="2400" b="1" dirty="0">
-              <a:solidFill>
-                <a:schemeClr val="accent5">
-                  <a:lumMod val="75000"/>
-                </a:schemeClr>
-              </a:solidFill>
-            </a:endParaRPr>
-          </a:p>
-          <a:p>
-            <a:r>
-              <a:rPr lang="fr-FR" sz="2400" b="1" dirty="0">
-                <a:solidFill>
-                  <a:schemeClr val="accent5">
-                    <a:lumMod val="75000"/>
-                  </a:schemeClr>
-                </a:solidFill>
-              </a:rPr>
-              <a:t>Développements réalisé et hébergé en France</a:t>
-            </a:r>
-            <a:r>
-              <a:rPr lang="fr-FR" b="1" dirty="0"/>
-              <a:t> </a:t>
-            </a:r>
-          </a:p>
-          <a:p>
-            <a:endParaRPr lang="fr-FR" dirty="0"/>
-          </a:p>
-        </p:txBody>
-      </p:sp>
-      <p:pic>
-        <p:nvPicPr>
-          <p:cNvPr id="11" name="Image 10"/>
-          <p:cNvPicPr>
-            <a:picLocks noChangeAspect="1"/>
-          </p:cNvPicPr>
-          <p:nvPr/>
-        </p:nvPicPr>
-        <p:blipFill>
-          <a:blip r:embed="rId4"/>
-          <a:stretch>
-            <a:fillRect/>
-          </a:stretch>
-        </p:blipFill>
-        <p:spPr>
-          <a:xfrm>
-            <a:off x="7218298" y="3946467"/>
-            <a:ext cx="1777593" cy="1777593"/>
-          </a:xfrm>
-          <a:prstGeom prst="ellipse">
-            <a:avLst/>
-          </a:prstGeom>
-          <a:ln>
-            <a:noFill/>
-          </a:ln>
-          <a:effectLst>
-            <a:softEdge rad="112500"/>
-          </a:effectLst>
-        </p:spPr>
-      </p:pic>
     </p:spTree>
     <p:extLst>
       <p:ext uri="{BB962C8B-B14F-4D97-AF65-F5344CB8AC3E}">
-        <p14:creationId xmlns:p14="http://schemas.microsoft.com/office/powerpoint/2010/main" val="2358847806"/>
+        <p14:creationId xmlns:p14="http://schemas.microsoft.com/office/powerpoint/2010/main" val="1103269697"/>
       </p:ext>
     </p:extLst>
   </p:cSld>
@@ -6930,45 +9293,37 @@
             <p:ph idx="13"/>
           </p:nvPr>
         </p:nvSpPr>
-        <p:spPr/>
-        <p:txBody>
-          <a:bodyPr/>
-          <a:lstStyle/>
-          <a:p>
-            <a:pPr marL="0" indent="0" algn="ctr">
+        <p:spPr>
+          <a:xfrm>
+            <a:off x="467544" y="1556793"/>
+            <a:ext cx="7272808" cy="936103"/>
+          </a:xfrm>
+        </p:spPr>
+        <p:txBody>
+          <a:bodyPr>
+            <a:normAutofit/>
+          </a:bodyPr>
+          <a:lstStyle/>
+          <a:p>
+            <a:pPr marL="0" indent="0">
               <a:buNone/>
             </a:pPr>
             <a:r>
-              <a:rPr lang="fr-FR" b="1" i="1" dirty="0">
-                <a:solidFill>
-                  <a:srgbClr val="D60037"/>
+              <a:rPr lang="fr-FR" sz="2400" b="1" dirty="0">
+                <a:solidFill>
+                  <a:schemeClr val="accent1">
+                    <a:lumMod val="50000"/>
+                  </a:schemeClr>
                 </a:solidFill>
               </a:rPr>
-              <a:t>Une envie, une adresse…</a:t>
-            </a:r>
-          </a:p>
-          <a:p>
-            <a:pPr marL="0" indent="0" algn="ctr">
+              <a:t>Répond aux habitudes et tendances du marché</a:t>
+            </a:r>
+          </a:p>
+          <a:p>
+            <a:pPr marL="0" indent="0">
               <a:buNone/>
             </a:pPr>
-            <a:endParaRPr lang="fr-FR" b="1" i="1" dirty="0">
-              <a:solidFill>
-                <a:srgbClr val="D60037"/>
-              </a:solidFill>
-            </a:endParaRPr>
-          </a:p>
-          <a:p>
-            <a:pPr marL="0" indent="0" algn="ctr">
-              <a:buNone/>
-            </a:pPr>
-            <a:r>
-              <a:rPr lang="fr-FR" b="1" i="1" dirty="0">
-                <a:solidFill>
-                  <a:srgbClr val="D60037"/>
-                </a:solidFill>
-              </a:rPr>
-              <a:t>Gastronome Gourmand est la solution !</a:t>
-            </a:r>
+            <a:endParaRPr lang="fr-FR" sz="2400" b="1" dirty="0"/>
           </a:p>
         </p:txBody>
       </p:sp>
@@ -7058,18 +9413,203 @@
         </p:blipFill>
         <p:spPr>
           <a:xfrm>
-            <a:off x="318887" y="4005064"/>
-            <a:ext cx="4286250" cy="1066800"/>
+            <a:off x="7524328" y="1115458"/>
+            <a:ext cx="1503611" cy="1503611"/>
+          </a:xfrm>
+          <a:prstGeom prst="ellipse">
+            <a:avLst/>
+          </a:prstGeom>
+          <a:ln>
+            <a:noFill/>
+          </a:ln>
+          <a:effectLst>
+            <a:softEdge rad="112500"/>
+          </a:effectLst>
+        </p:spPr>
+      </p:pic>
+      <p:pic>
+        <p:nvPicPr>
+          <p:cNvPr id="8" name="Image 7"/>
+          <p:cNvPicPr>
+            <a:picLocks noChangeAspect="1"/>
+          </p:cNvPicPr>
+          <p:nvPr/>
+        </p:nvPicPr>
+        <p:blipFill>
+          <a:blip r:embed="rId3"/>
+          <a:stretch>
+            <a:fillRect/>
+          </a:stretch>
+        </p:blipFill>
+        <p:spPr>
+          <a:xfrm>
+            <a:off x="323593" y="2728770"/>
+            <a:ext cx="1590556" cy="1751303"/>
           </a:xfrm>
           <a:prstGeom prst="rect">
             <a:avLst/>
           </a:prstGeom>
         </p:spPr>
       </p:pic>
+      <p:sp>
+        <p:nvSpPr>
+          <p:cNvPr id="9" name="ZoneTexte 8"/>
+          <p:cNvSpPr txBox="1"/>
+          <p:nvPr/>
+        </p:nvSpPr>
+        <p:spPr>
+          <a:xfrm>
+            <a:off x="1979712" y="2728770"/>
+            <a:ext cx="7560840" cy="1107996"/>
+          </a:xfrm>
+          <a:prstGeom prst="rect">
+            <a:avLst/>
+          </a:prstGeom>
+          <a:noFill/>
+        </p:spPr>
+        <p:txBody>
+          <a:bodyPr wrap="square" rtlCol="0">
+            <a:spAutoFit/>
+          </a:bodyPr>
+          <a:lstStyle/>
+          <a:p>
+            <a:endParaRPr lang="fr-FR" sz="2400" b="1" dirty="0">
+              <a:solidFill>
+                <a:schemeClr val="accent5">
+                  <a:lumMod val="75000"/>
+                </a:schemeClr>
+              </a:solidFill>
+            </a:endParaRPr>
+          </a:p>
+          <a:p>
+            <a:r>
+              <a:rPr lang="fr-FR" sz="2400" b="1" dirty="0">
+                <a:solidFill>
+                  <a:schemeClr val="accent1">
+                    <a:lumMod val="50000"/>
+                  </a:schemeClr>
+                </a:solidFill>
+              </a:rPr>
+              <a:t>Permet l’utilisation sur différents supports</a:t>
+            </a:r>
+          </a:p>
+          <a:p>
+            <a:endParaRPr lang="fr-FR" dirty="0"/>
+          </a:p>
+        </p:txBody>
+      </p:sp>
+      <p:sp>
+        <p:nvSpPr>
+          <p:cNvPr id="10" name="ZoneTexte 9"/>
+          <p:cNvSpPr txBox="1"/>
+          <p:nvPr/>
+        </p:nvSpPr>
+        <p:spPr>
+          <a:xfrm>
+            <a:off x="389091" y="4480073"/>
+            <a:ext cx="7560840" cy="1107996"/>
+          </a:xfrm>
+          <a:prstGeom prst="rect">
+            <a:avLst/>
+          </a:prstGeom>
+          <a:noFill/>
+        </p:spPr>
+        <p:txBody>
+          <a:bodyPr wrap="square" rtlCol="0">
+            <a:spAutoFit/>
+          </a:bodyPr>
+          <a:lstStyle/>
+          <a:p>
+            <a:endParaRPr lang="fr-FR" sz="2400" b="1" dirty="0">
+              <a:solidFill>
+                <a:schemeClr val="accent5">
+                  <a:lumMod val="75000"/>
+                </a:schemeClr>
+              </a:solidFill>
+            </a:endParaRPr>
+          </a:p>
+          <a:p>
+            <a:r>
+              <a:rPr lang="fr-FR" sz="2400" b="1" dirty="0">
+                <a:solidFill>
+                  <a:schemeClr val="accent1">
+                    <a:lumMod val="50000"/>
+                  </a:schemeClr>
+                </a:solidFill>
+              </a:rPr>
+              <a:t>Développements réalisé et hébergé en France</a:t>
+            </a:r>
+            <a:r>
+              <a:rPr lang="fr-FR" b="1" dirty="0"/>
+              <a:t> </a:t>
+            </a:r>
+          </a:p>
+          <a:p>
+            <a:endParaRPr lang="fr-FR" dirty="0"/>
+          </a:p>
+        </p:txBody>
+      </p:sp>
+      <p:pic>
+        <p:nvPicPr>
+          <p:cNvPr id="11" name="Image 10"/>
+          <p:cNvPicPr>
+            <a:picLocks noChangeAspect="1"/>
+          </p:cNvPicPr>
+          <p:nvPr/>
+        </p:nvPicPr>
+        <p:blipFill>
+          <a:blip r:embed="rId4"/>
+          <a:stretch>
+            <a:fillRect/>
+          </a:stretch>
+        </p:blipFill>
+        <p:spPr>
+          <a:xfrm>
+            <a:off x="7218298" y="3946467"/>
+            <a:ext cx="1777593" cy="1777593"/>
+          </a:xfrm>
+          <a:prstGeom prst="ellipse">
+            <a:avLst/>
+          </a:prstGeom>
+          <a:ln>
+            <a:noFill/>
+          </a:ln>
+          <a:effectLst>
+            <a:softEdge rad="112500"/>
+          </a:effectLst>
+        </p:spPr>
+      </p:pic>
+      <p:sp>
+        <p:nvSpPr>
+          <p:cNvPr id="12" name="Titre 1"/>
+          <p:cNvSpPr>
+            <a:spLocks noGrp="1"/>
+          </p:cNvSpPr>
+          <p:nvPr>
+            <p:ph type="title"/>
+          </p:nvPr>
+        </p:nvSpPr>
+        <p:spPr>
+          <a:xfrm>
+            <a:off x="2013180" y="0"/>
+            <a:ext cx="6660232" cy="908720"/>
+          </a:xfrm>
+        </p:spPr>
+        <p:txBody>
+          <a:bodyPr/>
+          <a:lstStyle/>
+          <a:p>
+            <a:r>
+              <a:rPr lang="fr-FR" dirty="0"/>
+              <a:t>Notre service</a:t>
+            </a:r>
+          </a:p>
+        </p:txBody>
+      </p:sp>
     </p:spTree>
     <p:extLst>
       <p:ext uri="{BB962C8B-B14F-4D97-AF65-F5344CB8AC3E}">
-        <p14:creationId xmlns:p14="http://schemas.microsoft.com/office/powerpoint/2010/main" val="56147762"/>
+        <p14:creationId xmlns:p14="http://schemas.microsoft.com/office/powerpoint/2010/main" val="2358847806"/>
       </p:ext>
     </p:extLst>
   </p:cSld>
@@ -7106,22 +9646,59 @@
       </p:grpSpPr>
       <p:sp>
         <p:nvSpPr>
-          <p:cNvPr id="2" name="Titre 1"/>
-          <p:cNvSpPr>
-            <a:spLocks noGrp="1"/>
-          </p:cNvSpPr>
-          <p:nvPr>
-            <p:ph type="title"/>
-          </p:nvPr>
-        </p:nvSpPr>
-        <p:spPr/>
-        <p:txBody>
-          <a:bodyPr/>
-          <a:lstStyle/>
-          <a:p>
-            <a:r>
-              <a:rPr lang="fr-FR" dirty="0"/>
-              <a:t>Fonctionnement</a:t>
+          <p:cNvPr id="3" name="Espace réservé du contenu 2"/>
+          <p:cNvSpPr>
+            <a:spLocks noGrp="1"/>
+          </p:cNvSpPr>
+          <p:nvPr>
+            <p:ph idx="13"/>
+          </p:nvPr>
+        </p:nvSpPr>
+        <p:spPr>
+          <a:xfrm>
+            <a:off x="2123728" y="1294057"/>
+            <a:ext cx="5349280" cy="2062935"/>
+          </a:xfrm>
+        </p:spPr>
+        <p:txBody>
+          <a:bodyPr>
+            <a:normAutofit lnSpcReduction="10000"/>
+          </a:bodyPr>
+          <a:lstStyle/>
+          <a:p>
+            <a:pPr marL="0" indent="0" algn="ctr">
+              <a:buNone/>
+            </a:pPr>
+            <a:r>
+              <a:rPr lang="fr-FR" b="1" i="1" dirty="0">
+                <a:solidFill>
+                  <a:srgbClr val="D60037"/>
+                </a:solidFill>
+              </a:rPr>
+              <a:t>Une envie, une adresse…</a:t>
+            </a:r>
+          </a:p>
+          <a:p>
+            <a:pPr marL="0" indent="0" algn="ctr">
+              <a:buNone/>
+            </a:pPr>
+            <a:endParaRPr lang="fr-FR" b="1" i="1" dirty="0">
+              <a:solidFill>
+                <a:srgbClr val="D60037"/>
+              </a:solidFill>
+            </a:endParaRPr>
+          </a:p>
+          <a:p>
+            <a:pPr marL="0" indent="0" algn="ctr">
+              <a:buNone/>
+            </a:pPr>
+            <a:r>
+              <a:rPr lang="fr-FR" b="1" i="1" dirty="0">
+                <a:solidFill>
+                  <a:srgbClr val="D60037"/>
+                </a:solidFill>
+              </a:rPr>
+              <a:t>Gastronome Gourmand est la solution !</a:t>
             </a:r>
           </a:p>
         </p:txBody>
@@ -7196,30 +9773,33 @@
           </a:p>
         </p:txBody>
       </p:sp>
-      <p:pic>
-        <p:nvPicPr>
-          <p:cNvPr id="8" name="Image 7"/>
-          <p:cNvPicPr>
-            <a:picLocks noChangeAspect="1"/>
-          </p:cNvPicPr>
-          <p:nvPr/>
-        </p:nvPicPr>
-        <p:blipFill>
-          <a:blip r:embed="rId2"/>
-          <a:stretch>
-            <a:fillRect/>
-          </a:stretch>
-        </p:blipFill>
-        <p:spPr>
-          <a:xfrm>
-            <a:off x="475402" y="1145079"/>
-            <a:ext cx="2220888" cy="1272644"/>
-          </a:xfrm>
-          <a:prstGeom prst="rect">
-            <a:avLst/>
-          </a:prstGeom>
-        </p:spPr>
-      </p:pic>
+      <p:sp>
+        <p:nvSpPr>
+          <p:cNvPr id="8" name="Titre 1"/>
+          <p:cNvSpPr>
+            <a:spLocks noGrp="1"/>
+          </p:cNvSpPr>
+          <p:nvPr>
+            <p:ph type="title"/>
+          </p:nvPr>
+        </p:nvSpPr>
+        <p:spPr>
+          <a:xfrm>
+            <a:off x="2013180" y="0"/>
+            <a:ext cx="6660232" cy="908720"/>
+          </a:xfrm>
+        </p:spPr>
+        <p:txBody>
+          <a:bodyPr/>
+          <a:lstStyle/>
+          <a:p>
+            <a:r>
+              <a:rPr lang="fr-FR" dirty="0"/>
+              <a:t>Notre service</a:t>
+            </a:r>
+          </a:p>
+        </p:txBody>
+      </p:sp>
       <p:pic>
         <p:nvPicPr>
           <p:cNvPr id="9" name="Image 8"/>
@@ -7229,460 +9809,7 @@
           <p:nvPr/>
         </p:nvPicPr>
         <p:blipFill>
-          <a:blip r:embed="rId3"/>
-          <a:stretch>
-            <a:fillRect/>
-          </a:stretch>
-        </p:blipFill>
-        <p:spPr>
-          <a:xfrm>
-            <a:off x="6516214" y="1092287"/>
-            <a:ext cx="1952625" cy="1325436"/>
-          </a:xfrm>
-          <a:prstGeom prst="rect">
-            <a:avLst/>
-          </a:prstGeom>
-        </p:spPr>
-      </p:pic>
-      <p:sp>
-        <p:nvSpPr>
-          <p:cNvPr id="10" name="ZoneTexte 9"/>
-          <p:cNvSpPr txBox="1"/>
-          <p:nvPr/>
-        </p:nvSpPr>
-        <p:spPr>
-          <a:xfrm>
-            <a:off x="0" y="2499563"/>
-            <a:ext cx="3312368" cy="3539430"/>
-          </a:xfrm>
-          <a:prstGeom prst="rect">
-            <a:avLst/>
-          </a:prstGeom>
-          <a:noFill/>
-        </p:spPr>
-        <p:txBody>
-          <a:bodyPr wrap="square" rtlCol="0">
-            <a:spAutoFit/>
-          </a:bodyPr>
-          <a:lstStyle/>
-          <a:p>
-            <a:pPr algn="ctr"/>
-            <a:r>
-              <a:rPr lang="fr-FR" sz="1600" b="1" dirty="0">
-                <a:solidFill>
-                  <a:schemeClr val="accent5">
-                    <a:lumMod val="75000"/>
-                  </a:schemeClr>
-                </a:solidFill>
-              </a:rPr>
-              <a:t>Le client</a:t>
-            </a:r>
-          </a:p>
-          <a:p>
-            <a:pPr algn="ctr"/>
-            <a:r>
-              <a:rPr lang="fr-FR" sz="1600" dirty="0">
-                <a:solidFill>
-                  <a:schemeClr val="accent5">
-                    <a:lumMod val="75000"/>
-                  </a:schemeClr>
-                </a:solidFill>
-              </a:rPr>
-              <a:t>1. Rechercher un restaurant</a:t>
-            </a:r>
-          </a:p>
-          <a:p>
-            <a:pPr algn="ctr"/>
-            <a:r>
-              <a:rPr lang="fr-FR" sz="1600" dirty="0">
-                <a:solidFill>
-                  <a:schemeClr val="accent5">
-                    <a:lumMod val="75000"/>
-                  </a:schemeClr>
-                </a:solidFill>
-              </a:rPr>
-              <a:t>2. Trouver son bonheur</a:t>
-            </a:r>
-          </a:p>
-          <a:p>
-            <a:pPr algn="ctr"/>
-            <a:r>
-              <a:rPr lang="fr-FR" sz="1600" dirty="0">
-                <a:solidFill>
-                  <a:schemeClr val="accent5">
-                    <a:lumMod val="75000"/>
-                  </a:schemeClr>
-                </a:solidFill>
-              </a:rPr>
-              <a:t>3. Réserver en 1 clic !</a:t>
-            </a:r>
-          </a:p>
-          <a:p>
-            <a:pPr algn="ctr"/>
-            <a:endParaRPr lang="fr-FR" sz="1600" dirty="0">
-              <a:solidFill>
-                <a:schemeClr val="accent5">
-                  <a:lumMod val="75000"/>
-                </a:schemeClr>
-              </a:solidFill>
-            </a:endParaRPr>
-          </a:p>
-          <a:p>
-            <a:pPr algn="ctr"/>
-            <a:endParaRPr lang="fr-FR" sz="1600" dirty="0">
-              <a:solidFill>
-                <a:schemeClr val="accent5">
-                  <a:lumMod val="75000"/>
-                </a:schemeClr>
-              </a:solidFill>
-            </a:endParaRPr>
-          </a:p>
-          <a:p>
-            <a:pPr algn="ctr"/>
-            <a:endParaRPr lang="fr-FR" sz="1600" dirty="0">
-              <a:solidFill>
-                <a:schemeClr val="accent5">
-                  <a:lumMod val="75000"/>
-                </a:schemeClr>
-              </a:solidFill>
-            </a:endParaRPr>
-          </a:p>
-          <a:p>
-            <a:pPr algn="ctr"/>
-            <a:r>
-              <a:rPr lang="fr-FR" sz="1600" dirty="0">
-                <a:solidFill>
-                  <a:schemeClr val="accent5">
-                    <a:lumMod val="75000"/>
-                  </a:schemeClr>
-                </a:solidFill>
-              </a:rPr>
-              <a:t>4. Consulter ses réservations à tout moment</a:t>
-            </a:r>
-          </a:p>
-          <a:p>
-            <a:pPr algn="ctr"/>
-            <a:endParaRPr lang="fr-FR" sz="1600" dirty="0">
-              <a:solidFill>
-                <a:schemeClr val="accent5">
-                  <a:lumMod val="75000"/>
-                </a:schemeClr>
-              </a:solidFill>
-            </a:endParaRPr>
-          </a:p>
-          <a:p>
-            <a:pPr algn="ctr"/>
-            <a:endParaRPr lang="fr-FR" sz="1600" dirty="0">
-              <a:solidFill>
-                <a:schemeClr val="accent5">
-                  <a:lumMod val="75000"/>
-                </a:schemeClr>
-              </a:solidFill>
-            </a:endParaRPr>
-          </a:p>
-          <a:p>
-            <a:pPr algn="ctr"/>
-            <a:endParaRPr lang="fr-FR" sz="1600" dirty="0">
-              <a:solidFill>
-                <a:schemeClr val="accent5">
-                  <a:lumMod val="75000"/>
-                </a:schemeClr>
-              </a:solidFill>
-            </a:endParaRPr>
-          </a:p>
-          <a:p>
-            <a:pPr algn="ctr"/>
-            <a:endParaRPr lang="fr-FR" sz="1600" dirty="0">
-              <a:solidFill>
-                <a:schemeClr val="accent5">
-                  <a:lumMod val="75000"/>
-                </a:schemeClr>
-              </a:solidFill>
-            </a:endParaRPr>
-          </a:p>
-          <a:p>
-            <a:pPr algn="ctr"/>
-            <a:r>
-              <a:rPr lang="fr-FR" sz="1600" dirty="0">
-                <a:solidFill>
-                  <a:schemeClr val="accent5">
-                    <a:lumMod val="75000"/>
-                  </a:schemeClr>
-                </a:solidFill>
-              </a:rPr>
-              <a:t>5. Donner une note</a:t>
-            </a:r>
-          </a:p>
-        </p:txBody>
-      </p:sp>
-      <p:sp>
-        <p:nvSpPr>
-          <p:cNvPr id="16" name="ZoneTexte 15"/>
-          <p:cNvSpPr txBox="1"/>
-          <p:nvPr/>
-        </p:nvSpPr>
-        <p:spPr>
-          <a:xfrm>
-            <a:off x="6007807" y="2428427"/>
-            <a:ext cx="2969441" cy="3293209"/>
-          </a:xfrm>
-          <a:prstGeom prst="rect">
-            <a:avLst/>
-          </a:prstGeom>
-          <a:noFill/>
-        </p:spPr>
-        <p:txBody>
-          <a:bodyPr wrap="square" rtlCol="0">
-            <a:spAutoFit/>
-          </a:bodyPr>
-          <a:lstStyle/>
-          <a:p>
-            <a:pPr algn="ctr"/>
-            <a:r>
-              <a:rPr lang="fr-FR" sz="1600" dirty="0">
-                <a:solidFill>
-                  <a:schemeClr val="bg2"/>
-                </a:solidFill>
-              </a:rPr>
-              <a:t>     </a:t>
-            </a:r>
-            <a:r>
-              <a:rPr lang="fr-FR" sz="1600" b="1" dirty="0">
-                <a:solidFill>
-                  <a:schemeClr val="bg2"/>
-                </a:solidFill>
-              </a:rPr>
-              <a:t>Le restaurateur</a:t>
-            </a:r>
-          </a:p>
-          <a:p>
-            <a:pPr algn="ctr"/>
-            <a:r>
-              <a:rPr lang="fr-FR" sz="1600" dirty="0">
-                <a:solidFill>
-                  <a:schemeClr val="bg2"/>
-                </a:solidFill>
-              </a:rPr>
-              <a:t>Gérer les réservations :</a:t>
-            </a:r>
-          </a:p>
-          <a:p>
-            <a:pPr algn="ctr"/>
-            <a:r>
-              <a:rPr lang="fr-FR" sz="1600" dirty="0">
-                <a:solidFill>
-                  <a:schemeClr val="bg2"/>
-                </a:solidFill>
-              </a:rPr>
-              <a:t>1. Consulter</a:t>
-            </a:r>
-          </a:p>
-          <a:p>
-            <a:pPr marL="342900" indent="-342900" algn="ctr">
-              <a:buAutoNum type="arabicPeriod"/>
-            </a:pPr>
-            <a:endParaRPr lang="fr-FR" sz="1600" dirty="0">
-              <a:solidFill>
-                <a:schemeClr val="bg2"/>
-              </a:solidFill>
-            </a:endParaRPr>
-          </a:p>
-          <a:p>
-            <a:pPr marL="342900" indent="-342900" algn="ctr">
-              <a:buAutoNum type="arabicPeriod"/>
-            </a:pPr>
-            <a:endParaRPr lang="fr-FR" sz="1600" dirty="0">
-              <a:solidFill>
-                <a:schemeClr val="bg2"/>
-              </a:solidFill>
-            </a:endParaRPr>
-          </a:p>
-          <a:p>
-            <a:pPr marL="342900" indent="-342900" algn="ctr">
-              <a:buAutoNum type="arabicPeriod"/>
-            </a:pPr>
-            <a:endParaRPr lang="fr-FR" sz="1600" dirty="0">
-              <a:solidFill>
-                <a:schemeClr val="bg2"/>
-              </a:solidFill>
-            </a:endParaRPr>
-          </a:p>
-          <a:p>
-            <a:pPr marL="342900" indent="-342900" algn="ctr">
-              <a:buAutoNum type="arabicPeriod"/>
-            </a:pPr>
-            <a:endParaRPr lang="fr-FR" sz="1600" dirty="0">
-              <a:solidFill>
-                <a:schemeClr val="bg2"/>
-              </a:solidFill>
-            </a:endParaRPr>
-          </a:p>
-          <a:p>
-            <a:pPr marL="342900" indent="-342900" algn="ctr">
-              <a:buAutoNum type="arabicPeriod"/>
-            </a:pPr>
-            <a:endParaRPr lang="fr-FR" sz="1600" dirty="0">
-              <a:solidFill>
-                <a:schemeClr val="bg2"/>
-              </a:solidFill>
-            </a:endParaRPr>
-          </a:p>
-          <a:p>
-            <a:pPr marL="342900" indent="-342900" algn="ctr">
-              <a:buAutoNum type="arabicPeriod"/>
-            </a:pPr>
-            <a:endParaRPr lang="fr-FR" sz="1600" dirty="0">
-              <a:solidFill>
-                <a:schemeClr val="bg2"/>
-              </a:solidFill>
-            </a:endParaRPr>
-          </a:p>
-          <a:p>
-            <a:pPr marL="342900" indent="-342900" algn="ctr">
-              <a:buAutoNum type="arabicPeriod"/>
-            </a:pPr>
-            <a:endParaRPr lang="fr-FR" sz="1600" dirty="0">
-              <a:solidFill>
-                <a:schemeClr val="bg2"/>
-              </a:solidFill>
-            </a:endParaRPr>
-          </a:p>
-          <a:p>
-            <a:pPr algn="ctr"/>
-            <a:endParaRPr lang="fr-FR" sz="1600" dirty="0">
-              <a:solidFill>
-                <a:schemeClr val="bg2"/>
-              </a:solidFill>
-            </a:endParaRPr>
-          </a:p>
-          <a:p>
-            <a:pPr algn="ctr"/>
-            <a:r>
-              <a:rPr lang="fr-FR" sz="1600" dirty="0">
-                <a:solidFill>
-                  <a:schemeClr val="bg2"/>
-                </a:solidFill>
-              </a:rPr>
-              <a:t>2. Valider la venue du client</a:t>
-            </a:r>
-          </a:p>
-          <a:p>
-            <a:pPr algn="ctr"/>
-            <a:r>
-              <a:rPr lang="fr-FR" sz="1600" dirty="0">
-                <a:solidFill>
-                  <a:schemeClr val="bg2"/>
-                </a:solidFill>
-              </a:rPr>
-              <a:t>3. Laisser un commentaire</a:t>
-            </a:r>
-          </a:p>
-        </p:txBody>
-      </p:sp>
-      <p:sp>
-        <p:nvSpPr>
-          <p:cNvPr id="24" name="Flèche : courbe vers la droite 23"/>
-          <p:cNvSpPr/>
-          <p:nvPr/>
-        </p:nvSpPr>
-        <p:spPr>
-          <a:xfrm>
-            <a:off x="3394175" y="3018910"/>
-            <a:ext cx="576064" cy="2013389"/>
-          </a:xfrm>
-          <a:prstGeom prst="curvedRightArrow">
-            <a:avLst/>
-          </a:prstGeom>
-          <a:solidFill>
-            <a:srgbClr val="C00000"/>
-          </a:solidFill>
-        </p:spPr>
-        <p:style>
-          <a:lnRef idx="2">
-            <a:schemeClr val="accent1">
-              <a:shade val="50000"/>
-            </a:schemeClr>
-          </a:lnRef>
-          <a:fillRef idx="1">
-            <a:schemeClr val="accent1"/>
-          </a:fillRef>
-          <a:effectRef idx="0">
-            <a:schemeClr val="accent1"/>
-          </a:effectRef>
-          <a:fontRef idx="minor">
-            <a:schemeClr val="lt1"/>
-          </a:fontRef>
-        </p:style>
-        <p:txBody>
-          <a:bodyPr rtlCol="0" anchor="ctr"/>
-          <a:lstStyle/>
-          <a:p>
-            <a:pPr algn="ctr"/>
-            <a:endParaRPr lang="fr-FR" dirty="0">
-              <a:solidFill>
-                <a:srgbClr val="C00000"/>
-              </a:solidFill>
-            </a:endParaRPr>
-          </a:p>
-        </p:txBody>
-      </p:sp>
-      <p:sp>
-        <p:nvSpPr>
-          <p:cNvPr id="25" name="Flèche : courbe vers la gauche 24"/>
-          <p:cNvSpPr/>
-          <p:nvPr/>
-        </p:nvSpPr>
-        <p:spPr>
-          <a:xfrm>
-            <a:off x="5580112" y="3001718"/>
-            <a:ext cx="648072" cy="2016224"/>
-          </a:xfrm>
-          <a:prstGeom prst="curvedLeftArrow">
-            <a:avLst/>
-          </a:prstGeom>
-          <a:solidFill>
-            <a:srgbClr val="C00000"/>
-          </a:solidFill>
-        </p:spPr>
-        <p:style>
-          <a:lnRef idx="2">
-            <a:schemeClr val="accent1">
-              <a:shade val="50000"/>
-            </a:schemeClr>
-          </a:lnRef>
-          <a:fillRef idx="1">
-            <a:schemeClr val="accent1"/>
-          </a:fillRef>
-          <a:effectRef idx="0">
-            <a:schemeClr val="accent1"/>
-          </a:effectRef>
-          <a:fontRef idx="minor">
-            <a:schemeClr val="lt1"/>
-          </a:fontRef>
-        </p:style>
-        <p:txBody>
-          <a:bodyPr rtlCol="0" anchor="ctr"/>
-          <a:lstStyle/>
-          <a:p>
-            <a:pPr algn="ctr"/>
-            <a:endParaRPr lang="fr-FR">
-              <a:solidFill>
-                <a:schemeClr val="tx1"/>
-              </a:solidFill>
-            </a:endParaRPr>
-          </a:p>
-        </p:txBody>
-      </p:sp>
-      <p:pic>
-        <p:nvPicPr>
-          <p:cNvPr id="3" name="Image 2"/>
-          <p:cNvPicPr>
-            <a:picLocks noChangeAspect="1"/>
-          </p:cNvPicPr>
-          <p:nvPr/>
-        </p:nvPicPr>
-        <p:blipFill>
-          <a:blip r:embed="rId4" cstate="email">
+          <a:blip r:embed="rId2" cstate="email">
             <a:extLst>
               <a:ext uri="{28A0092B-C50C-407E-A947-70E740481C1C}">
                 <a14:useLocalDpi xmlns:a14="http://schemas.microsoft.com/office/drawing/2010/main" val="0"/>
@@ -7695,8 +9822,8 @@
         </p:blipFill>
         <p:spPr>
           <a:xfrm>
-            <a:off x="3855885" y="3277858"/>
-            <a:ext cx="1724227" cy="1408119"/>
+            <a:off x="3149420" y="3742329"/>
+            <a:ext cx="2918436" cy="2383390"/>
           </a:xfrm>
           <a:prstGeom prst="rect">
             <a:avLst/>
@@ -7706,7 +9833,7 @@
     </p:spTree>
     <p:extLst>
       <p:ext uri="{BB962C8B-B14F-4D97-AF65-F5344CB8AC3E}">
-        <p14:creationId xmlns:p14="http://schemas.microsoft.com/office/powerpoint/2010/main" val="1866321437"/>
+        <p14:creationId xmlns:p14="http://schemas.microsoft.com/office/powerpoint/2010/main" val="56147762"/>
       </p:ext>
     </p:extLst>
   </p:cSld>
@@ -7741,9 +9868,101 @@
           <a:chExt cx="0" cy="0"/>
         </a:xfrm>
       </p:grpSpPr>
+      <p:sp>
+        <p:nvSpPr>
+          <p:cNvPr id="2" name="Titre 1"/>
+          <p:cNvSpPr>
+            <a:spLocks noGrp="1"/>
+          </p:cNvSpPr>
+          <p:nvPr>
+            <p:ph type="title"/>
+          </p:nvPr>
+        </p:nvSpPr>
+        <p:spPr/>
+        <p:txBody>
+          <a:bodyPr/>
+          <a:lstStyle/>
+          <a:p>
+            <a:r>
+              <a:rPr lang="fr-FR" dirty="0"/>
+              <a:t>Fonctionnement</a:t>
+            </a:r>
+          </a:p>
+        </p:txBody>
+      </p:sp>
+      <p:sp>
+        <p:nvSpPr>
+          <p:cNvPr id="4" name="Espace réservé de la date 3"/>
+          <p:cNvSpPr>
+            <a:spLocks noGrp="1"/>
+          </p:cNvSpPr>
+          <p:nvPr>
+            <p:ph type="dt" sz="half" idx="2"/>
+          </p:nvPr>
+        </p:nvSpPr>
+        <p:spPr/>
+        <p:txBody>
+          <a:bodyPr/>
+          <a:lstStyle/>
+          <a:p>
+            <a:fld id="{F52375F6-F57F-4D87-9DE9-B294442EBB55}" type="datetime1">
+              <a:rPr lang="fr-FR" smtClean="0"/>
+              <a:t>19/04/2017</a:t>
+            </a:fld>
+            <a:endParaRPr lang="fr-FR" dirty="0"/>
+          </a:p>
+        </p:txBody>
+      </p:sp>
+      <p:sp>
+        <p:nvSpPr>
+          <p:cNvPr id="5" name="Espace réservé du pied de page 4"/>
+          <p:cNvSpPr>
+            <a:spLocks noGrp="1"/>
+          </p:cNvSpPr>
+          <p:nvPr>
+            <p:ph type="ftr" sz="quarter" idx="3"/>
+          </p:nvPr>
+        </p:nvSpPr>
+        <p:spPr/>
+        <p:txBody>
+          <a:bodyPr/>
+          <a:lstStyle/>
+          <a:p>
+            <a:r>
+              <a:rPr lang="fr-FR"/>
+              <a:t>www.infotel.com</a:t>
+            </a:r>
+            <a:endParaRPr lang="fr-FR" dirty="0"/>
+          </a:p>
+        </p:txBody>
+      </p:sp>
+      <p:sp>
+        <p:nvSpPr>
+          <p:cNvPr id="6" name="Espace réservé du numéro de diapositive 5"/>
+          <p:cNvSpPr>
+            <a:spLocks noGrp="1"/>
+          </p:cNvSpPr>
+          <p:nvPr>
+            <p:ph type="sldNum" sz="quarter" idx="4"/>
+          </p:nvPr>
+        </p:nvSpPr>
+        <p:spPr/>
+        <p:txBody>
+          <a:bodyPr/>
+          <a:lstStyle/>
+          <a:p>
+            <a:fld id="{3518BF5C-C123-4F19-9E08-E05DAD340467}" type="slidenum">
+              <a:rPr lang="fr-FR" smtClean="0"/>
+              <a:pPr/>
+              <a:t>8</a:t>
+            </a:fld>
+            <a:endParaRPr lang="fr-FR" dirty="0"/>
+          </a:p>
+        </p:txBody>
+      </p:sp>
       <p:pic>
         <p:nvPicPr>
-          <p:cNvPr id="9" name="Image 8"/>
+          <p:cNvPr id="8" name="Image 7"/>
           <p:cNvPicPr>
             <a:picLocks noChangeAspect="1"/>
           </p:cNvPicPr>
@@ -7757,45 +9976,21 @@
         </p:blipFill>
         <p:spPr>
           <a:xfrm>
-            <a:off x="1325938" y="1016517"/>
-            <a:ext cx="2143125" cy="1585372"/>
+            <a:off x="475402" y="1145079"/>
+            <a:ext cx="2220888" cy="1272644"/>
           </a:xfrm>
           <a:prstGeom prst="rect">
             <a:avLst/>
           </a:prstGeom>
         </p:spPr>
       </p:pic>
-      <p:sp>
-        <p:nvSpPr>
-          <p:cNvPr id="2" name="Titre 1"/>
-          <p:cNvSpPr>
-            <a:spLocks noGrp="1"/>
-          </p:cNvSpPr>
-          <p:nvPr>
-            <p:ph type="title"/>
-          </p:nvPr>
-        </p:nvSpPr>
-        <p:spPr/>
-        <p:txBody>
-          <a:bodyPr/>
-          <a:lstStyle/>
-          <a:p>
-            <a:r>
-              <a:rPr lang="fr-FR" dirty="0"/>
-              <a:t>Qualité - Test</a:t>
-            </a:r>
-          </a:p>
-        </p:txBody>
-      </p:sp>
       <p:pic>
         <p:nvPicPr>
-          <p:cNvPr id="7" name="Espace réservé du contenu 6"/>
+          <p:cNvPr id="9" name="Image 8"/>
           <p:cNvPicPr>
-            <a:picLocks noGrp="1" noChangeAspect="1"/>
+            <a:picLocks noChangeAspect="1"/>
           </p:cNvPicPr>
-          <p:nvPr>
-            <p:ph idx="13"/>
-          </p:nvPr>
+          <p:nvPr/>
         </p:nvPicPr>
         <p:blipFill>
           <a:blip r:embed="rId3"/>
@@ -7805,8 +10000,8 @@
         </p:blipFill>
         <p:spPr>
           <a:xfrm>
-            <a:off x="5514042" y="1464563"/>
-            <a:ext cx="2573631" cy="985495"/>
+            <a:off x="6516214" y="1092287"/>
+            <a:ext cx="1952625" cy="1325436"/>
           </a:xfrm>
           <a:prstGeom prst="rect">
             <a:avLst/>
@@ -7815,84 +10010,14 @@
       </p:pic>
       <p:sp>
         <p:nvSpPr>
-          <p:cNvPr id="4" name="Espace réservé de la date 3"/>
-          <p:cNvSpPr>
-            <a:spLocks noGrp="1"/>
-          </p:cNvSpPr>
-          <p:nvPr>
-            <p:ph type="dt" sz="half" idx="2"/>
-          </p:nvPr>
-        </p:nvSpPr>
-        <p:spPr/>
-        <p:txBody>
-          <a:bodyPr/>
-          <a:lstStyle/>
-          <a:p>
-            <a:fld id="{F52375F6-F57F-4D87-9DE9-B294442EBB55}" type="datetime1">
-              <a:rPr lang="fr-FR" smtClean="0"/>
-              <a:t>19/04/2017</a:t>
-            </a:fld>
-            <a:endParaRPr lang="fr-FR" dirty="0"/>
-          </a:p>
-        </p:txBody>
-      </p:sp>
-      <p:sp>
-        <p:nvSpPr>
-          <p:cNvPr id="5" name="Espace réservé du pied de page 4"/>
-          <p:cNvSpPr>
-            <a:spLocks noGrp="1"/>
-          </p:cNvSpPr>
-          <p:nvPr>
-            <p:ph type="ftr" sz="quarter" idx="3"/>
-          </p:nvPr>
-        </p:nvSpPr>
-        <p:spPr/>
-        <p:txBody>
-          <a:bodyPr/>
-          <a:lstStyle/>
-          <a:p>
-            <a:r>
-              <a:rPr lang="fr-FR"/>
-              <a:t>www.infotel.com</a:t>
-            </a:r>
-            <a:endParaRPr lang="fr-FR" dirty="0"/>
-          </a:p>
-        </p:txBody>
-      </p:sp>
-      <p:sp>
-        <p:nvSpPr>
-          <p:cNvPr id="6" name="Espace réservé du numéro de diapositive 5"/>
-          <p:cNvSpPr>
-            <a:spLocks noGrp="1"/>
-          </p:cNvSpPr>
-          <p:nvPr>
-            <p:ph type="sldNum" sz="quarter" idx="4"/>
-          </p:nvPr>
-        </p:nvSpPr>
-        <p:spPr/>
-        <p:txBody>
-          <a:bodyPr/>
-          <a:lstStyle/>
-          <a:p>
-            <a:fld id="{3518BF5C-C123-4F19-9E08-E05DAD340467}" type="slidenum">
-              <a:rPr lang="fr-FR" smtClean="0"/>
-              <a:pPr/>
-              <a:t>8</a:t>
-            </a:fld>
-            <a:endParaRPr lang="fr-FR" dirty="0"/>
-          </a:p>
-        </p:txBody>
-      </p:sp>
-      <p:sp>
-        <p:nvSpPr>
           <p:cNvPr id="10" name="ZoneTexte 9"/>
           <p:cNvSpPr txBox="1"/>
           <p:nvPr/>
         </p:nvSpPr>
         <p:spPr>
           <a:xfrm>
-            <a:off x="1657573" y="4541571"/>
-            <a:ext cx="2579037" cy="523220"/>
+            <a:off x="0" y="2499563"/>
+            <a:ext cx="3312368" cy="3539430"/>
           </a:xfrm>
           <a:prstGeom prst="rect">
             <a:avLst/>
@@ -7905,239 +10030,437 @@
           </a:bodyPr>
           <a:lstStyle/>
           <a:p>
-            <a:r>
-              <a:rPr lang="fr-FR" sz="2800" dirty="0">
-                <a:solidFill>
-                  <a:srgbClr val="00147A"/>
+            <a:pPr algn="ctr"/>
+            <a:r>
+              <a:rPr lang="fr-FR" sz="1600" b="1" dirty="0">
+                <a:solidFill>
+                  <a:schemeClr val="accent5">
+                    <a:lumMod val="75000"/>
+                  </a:schemeClr>
                 </a:solidFill>
               </a:rPr>
-              <a:t>Robustesse</a:t>
-            </a:r>
+              <a:t>Le client</a:t>
+            </a:r>
+          </a:p>
+          <a:p>
+            <a:pPr algn="ctr"/>
+            <a:r>
+              <a:rPr lang="fr-FR" sz="1600" dirty="0">
+                <a:solidFill>
+                  <a:schemeClr val="accent5">
+                    <a:lumMod val="75000"/>
+                  </a:schemeClr>
+                </a:solidFill>
+              </a:rPr>
+              <a:t>1. Rechercher un restaurant</a:t>
+            </a:r>
+          </a:p>
+          <a:p>
+            <a:pPr algn="ctr"/>
+            <a:r>
+              <a:rPr lang="fr-FR" sz="1600" dirty="0">
+                <a:solidFill>
+                  <a:schemeClr val="accent5">
+                    <a:lumMod val="75000"/>
+                  </a:schemeClr>
+                </a:solidFill>
+              </a:rPr>
+              <a:t>2. Trouver son bonheur</a:t>
+            </a:r>
+          </a:p>
+          <a:p>
+            <a:pPr algn="ctr"/>
+            <a:r>
+              <a:rPr lang="fr-FR" sz="1600" dirty="0">
+                <a:solidFill>
+                  <a:schemeClr val="accent5">
+                    <a:lumMod val="75000"/>
+                  </a:schemeClr>
+                </a:solidFill>
+              </a:rPr>
+              <a:t>3. Réserver en 1 clic !</a:t>
+            </a:r>
+          </a:p>
+          <a:p>
+            <a:pPr algn="ctr"/>
+            <a:endParaRPr lang="fr-FR" sz="1600" dirty="0">
+              <a:solidFill>
+                <a:schemeClr val="accent5">
+                  <a:lumMod val="75000"/>
+                </a:schemeClr>
+              </a:solidFill>
+            </a:endParaRPr>
+          </a:p>
+          <a:p>
+            <a:pPr algn="ctr"/>
+            <a:endParaRPr lang="fr-FR" sz="1600" dirty="0">
+              <a:solidFill>
+                <a:schemeClr val="accent5">
+                  <a:lumMod val="75000"/>
+                </a:schemeClr>
+              </a:solidFill>
+            </a:endParaRPr>
+          </a:p>
+          <a:p>
+            <a:pPr algn="ctr"/>
+            <a:endParaRPr lang="fr-FR" sz="1600" dirty="0">
+              <a:solidFill>
+                <a:schemeClr val="accent5">
+                  <a:lumMod val="75000"/>
+                </a:schemeClr>
+              </a:solidFill>
+            </a:endParaRPr>
+          </a:p>
+          <a:p>
+            <a:pPr algn="ctr"/>
+            <a:r>
+              <a:rPr lang="fr-FR" sz="1600" dirty="0">
+                <a:solidFill>
+                  <a:schemeClr val="accent5">
+                    <a:lumMod val="75000"/>
+                  </a:schemeClr>
+                </a:solidFill>
+              </a:rPr>
+              <a:t>4. Consulter ses réservations à tout moment</a:t>
+            </a:r>
+          </a:p>
+          <a:p>
+            <a:pPr algn="ctr"/>
+            <a:endParaRPr lang="fr-FR" sz="1600" dirty="0">
+              <a:solidFill>
+                <a:schemeClr val="accent5">
+                  <a:lumMod val="75000"/>
+                </a:schemeClr>
+              </a:solidFill>
+            </a:endParaRPr>
+          </a:p>
+          <a:p>
+            <a:pPr algn="ctr"/>
+            <a:endParaRPr lang="fr-FR" sz="1600" dirty="0">
+              <a:solidFill>
+                <a:schemeClr val="accent5">
+                  <a:lumMod val="75000"/>
+                </a:schemeClr>
+              </a:solidFill>
+            </a:endParaRPr>
+          </a:p>
+          <a:p>
+            <a:pPr algn="ctr"/>
+            <a:endParaRPr lang="fr-FR" sz="1600" dirty="0">
+              <a:solidFill>
+                <a:schemeClr val="accent5">
+                  <a:lumMod val="75000"/>
+                </a:schemeClr>
+              </a:solidFill>
+            </a:endParaRPr>
+          </a:p>
+          <a:p>
+            <a:pPr algn="ctr"/>
+            <a:endParaRPr lang="fr-FR" sz="1600" dirty="0">
+              <a:solidFill>
+                <a:schemeClr val="accent5">
+                  <a:lumMod val="75000"/>
+                </a:schemeClr>
+              </a:solidFill>
+            </a:endParaRPr>
+          </a:p>
+          <a:p>
+            <a:pPr algn="ctr"/>
+            <a:r>
+              <a:rPr lang="fr-FR" sz="1600" dirty="0">
+                <a:solidFill>
+                  <a:schemeClr val="accent5">
+                    <a:lumMod val="75000"/>
+                  </a:schemeClr>
+                </a:solidFill>
+              </a:rPr>
+              <a:t>5. Donner une note</a:t>
+            </a:r>
+          </a:p>
+        </p:txBody>
+      </p:sp>
+      <p:sp>
+        <p:nvSpPr>
+          <p:cNvPr id="16" name="ZoneTexte 15"/>
+          <p:cNvSpPr txBox="1"/>
+          <p:nvPr/>
+        </p:nvSpPr>
+        <p:spPr>
+          <a:xfrm>
+            <a:off x="6007807" y="2428427"/>
+            <a:ext cx="2969441" cy="3293209"/>
+          </a:xfrm>
+          <a:prstGeom prst="rect">
+            <a:avLst/>
+          </a:prstGeom>
+          <a:noFill/>
+        </p:spPr>
+        <p:txBody>
+          <a:bodyPr wrap="square" rtlCol="0">
+            <a:spAutoFit/>
+          </a:bodyPr>
+          <a:lstStyle/>
+          <a:p>
+            <a:pPr algn="ctr"/>
+            <a:r>
+              <a:rPr lang="fr-FR" sz="1600" dirty="0">
+                <a:solidFill>
+                  <a:schemeClr val="bg2"/>
+                </a:solidFill>
+              </a:rPr>
+              <a:t>     </a:t>
+            </a:r>
+            <a:r>
+              <a:rPr lang="fr-FR" sz="1600" b="1" dirty="0">
+                <a:solidFill>
+                  <a:schemeClr val="bg2"/>
+                </a:solidFill>
+              </a:rPr>
+              <a:t>Le restaurateur</a:t>
+            </a:r>
+          </a:p>
+          <a:p>
+            <a:pPr algn="ctr"/>
+            <a:r>
+              <a:rPr lang="fr-FR" sz="1600" dirty="0">
+                <a:solidFill>
+                  <a:schemeClr val="bg2"/>
+                </a:solidFill>
+              </a:rPr>
+              <a:t>Gérer les réservations :</a:t>
+            </a:r>
+          </a:p>
+          <a:p>
+            <a:pPr algn="ctr"/>
+            <a:r>
+              <a:rPr lang="fr-FR" sz="1600" dirty="0">
+                <a:solidFill>
+                  <a:schemeClr val="bg2"/>
+                </a:solidFill>
+              </a:rPr>
+              <a:t>1. Consulter</a:t>
+            </a:r>
+          </a:p>
+          <a:p>
+            <a:pPr marL="342900" indent="-342900" algn="ctr">
+              <a:buAutoNum type="arabicPeriod"/>
+            </a:pPr>
+            <a:endParaRPr lang="fr-FR" sz="1600" dirty="0">
+              <a:solidFill>
+                <a:schemeClr val="bg2"/>
+              </a:solidFill>
+            </a:endParaRPr>
+          </a:p>
+          <a:p>
+            <a:pPr marL="342900" indent="-342900" algn="ctr">
+              <a:buAutoNum type="arabicPeriod"/>
+            </a:pPr>
+            <a:endParaRPr lang="fr-FR" sz="1600" dirty="0">
+              <a:solidFill>
+                <a:schemeClr val="bg2"/>
+              </a:solidFill>
+            </a:endParaRPr>
+          </a:p>
+          <a:p>
+            <a:pPr marL="342900" indent="-342900" algn="ctr">
+              <a:buAutoNum type="arabicPeriod"/>
+            </a:pPr>
+            <a:endParaRPr lang="fr-FR" sz="1600" dirty="0">
+              <a:solidFill>
+                <a:schemeClr val="bg2"/>
+              </a:solidFill>
+            </a:endParaRPr>
+          </a:p>
+          <a:p>
+            <a:pPr marL="342900" indent="-342900" algn="ctr">
+              <a:buAutoNum type="arabicPeriod"/>
+            </a:pPr>
+            <a:endParaRPr lang="fr-FR" sz="1600" dirty="0">
+              <a:solidFill>
+                <a:schemeClr val="bg2"/>
+              </a:solidFill>
+            </a:endParaRPr>
+          </a:p>
+          <a:p>
+            <a:pPr marL="342900" indent="-342900" algn="ctr">
+              <a:buAutoNum type="arabicPeriod"/>
+            </a:pPr>
+            <a:endParaRPr lang="fr-FR" sz="1600" dirty="0">
+              <a:solidFill>
+                <a:schemeClr val="bg2"/>
+              </a:solidFill>
+            </a:endParaRPr>
+          </a:p>
+          <a:p>
+            <a:pPr marL="342900" indent="-342900" algn="ctr">
+              <a:buAutoNum type="arabicPeriod"/>
+            </a:pPr>
+            <a:endParaRPr lang="fr-FR" sz="1600" dirty="0">
+              <a:solidFill>
+                <a:schemeClr val="bg2"/>
+              </a:solidFill>
+            </a:endParaRPr>
+          </a:p>
+          <a:p>
+            <a:pPr marL="342900" indent="-342900" algn="ctr">
+              <a:buAutoNum type="arabicPeriod"/>
+            </a:pPr>
+            <a:endParaRPr lang="fr-FR" sz="1600" dirty="0">
+              <a:solidFill>
+                <a:schemeClr val="bg2"/>
+              </a:solidFill>
+            </a:endParaRPr>
+          </a:p>
+          <a:p>
+            <a:pPr algn="ctr"/>
+            <a:endParaRPr lang="fr-FR" sz="1600" dirty="0">
+              <a:solidFill>
+                <a:schemeClr val="bg2"/>
+              </a:solidFill>
+            </a:endParaRPr>
+          </a:p>
+          <a:p>
+            <a:pPr algn="ctr"/>
+            <a:r>
+              <a:rPr lang="fr-FR" sz="1600" dirty="0">
+                <a:solidFill>
+                  <a:schemeClr val="bg2"/>
+                </a:solidFill>
+              </a:rPr>
+              <a:t>2. Valider la venue du client</a:t>
+            </a:r>
+          </a:p>
+          <a:p>
+            <a:pPr algn="ctr"/>
+            <a:r>
+              <a:rPr lang="fr-FR" sz="1600" dirty="0">
+                <a:solidFill>
+                  <a:schemeClr val="bg2"/>
+                </a:solidFill>
+              </a:rPr>
+              <a:t>3. Laisser un commentaire</a:t>
+            </a:r>
+          </a:p>
+        </p:txBody>
+      </p:sp>
+      <p:sp>
+        <p:nvSpPr>
+          <p:cNvPr id="24" name="Flèche : courbe vers la droite 23"/>
+          <p:cNvSpPr/>
+          <p:nvPr/>
+        </p:nvSpPr>
+        <p:spPr>
+          <a:xfrm>
+            <a:off x="3394175" y="3018910"/>
+            <a:ext cx="576064" cy="2013389"/>
+          </a:xfrm>
+          <a:prstGeom prst="curvedRightArrow">
+            <a:avLst/>
+          </a:prstGeom>
+          <a:solidFill>
+            <a:srgbClr val="C00000"/>
+          </a:solidFill>
+        </p:spPr>
+        <p:style>
+          <a:lnRef idx="2">
+            <a:schemeClr val="accent1">
+              <a:shade val="50000"/>
+            </a:schemeClr>
+          </a:lnRef>
+          <a:fillRef idx="1">
+            <a:schemeClr val="accent1"/>
+          </a:fillRef>
+          <a:effectRef idx="0">
+            <a:schemeClr val="accent1"/>
+          </a:effectRef>
+          <a:fontRef idx="minor">
+            <a:schemeClr val="lt1"/>
+          </a:fontRef>
+        </p:style>
+        <p:txBody>
+          <a:bodyPr rtlCol="0" anchor="ctr"/>
+          <a:lstStyle/>
+          <a:p>
+            <a:pPr algn="ctr"/>
+            <a:endParaRPr lang="fr-FR" dirty="0">
+              <a:solidFill>
+                <a:srgbClr val="C00000"/>
+              </a:solidFill>
+            </a:endParaRPr>
+          </a:p>
+        </p:txBody>
+      </p:sp>
+      <p:sp>
+        <p:nvSpPr>
+          <p:cNvPr id="25" name="Flèche : courbe vers la gauche 24"/>
+          <p:cNvSpPr/>
+          <p:nvPr/>
+        </p:nvSpPr>
+        <p:spPr>
+          <a:xfrm>
+            <a:off x="5580112" y="3001718"/>
+            <a:ext cx="648072" cy="2016224"/>
+          </a:xfrm>
+          <a:prstGeom prst="curvedLeftArrow">
+            <a:avLst/>
+          </a:prstGeom>
+          <a:solidFill>
+            <a:srgbClr val="C00000"/>
+          </a:solidFill>
+        </p:spPr>
+        <p:style>
+          <a:lnRef idx="2">
+            <a:schemeClr val="accent1">
+              <a:shade val="50000"/>
+            </a:schemeClr>
+          </a:lnRef>
+          <a:fillRef idx="1">
+            <a:schemeClr val="accent1"/>
+          </a:fillRef>
+          <a:effectRef idx="0">
+            <a:schemeClr val="accent1"/>
+          </a:effectRef>
+          <a:fontRef idx="minor">
+            <a:schemeClr val="lt1"/>
+          </a:fontRef>
+        </p:style>
+        <p:txBody>
+          <a:bodyPr rtlCol="0" anchor="ctr"/>
+          <a:lstStyle/>
+          <a:p>
+            <a:pPr algn="ctr"/>
+            <a:endParaRPr lang="fr-FR">
+              <a:solidFill>
+                <a:schemeClr val="tx1"/>
+              </a:solidFill>
+            </a:endParaRPr>
           </a:p>
         </p:txBody>
       </p:sp>
       <p:pic>
         <p:nvPicPr>
-          <p:cNvPr id="11" name="Image 10"/>
+          <p:cNvPr id="3" name="Image 2"/>
           <p:cNvPicPr>
             <a:picLocks noChangeAspect="1"/>
           </p:cNvPicPr>
           <p:nvPr/>
         </p:nvPicPr>
         <p:blipFill>
-          <a:blip r:embed="rId4"/>
+          <a:blip r:embed="rId4" cstate="email">
+            <a:extLst>
+              <a:ext uri="{28A0092B-C50C-407E-A947-70E740481C1C}">
+                <a14:useLocalDpi xmlns:a14="http://schemas.microsoft.com/office/drawing/2010/main" val="0"/>
+              </a:ext>
+            </a:extLst>
+          </a:blip>
           <a:stretch>
             <a:fillRect/>
           </a:stretch>
         </p:blipFill>
         <p:spPr>
           <a:xfrm>
-            <a:off x="3549510" y="1999217"/>
-            <a:ext cx="1884085" cy="753634"/>
-          </a:xfrm>
-          <a:prstGeom prst="rect">
-            <a:avLst/>
-          </a:prstGeom>
-        </p:spPr>
-      </p:pic>
-      <p:sp>
-        <p:nvSpPr>
-          <p:cNvPr id="12" name="ZoneTexte 11"/>
-          <p:cNvSpPr txBox="1"/>
-          <p:nvPr/>
-        </p:nvSpPr>
-        <p:spPr>
-          <a:xfrm>
-            <a:off x="3923928" y="4547162"/>
-            <a:ext cx="2737318" cy="523220"/>
-          </a:xfrm>
-          <a:prstGeom prst="rect">
-            <a:avLst/>
-          </a:prstGeom>
-          <a:noFill/>
-        </p:spPr>
-        <p:txBody>
-          <a:bodyPr wrap="square" rtlCol="0">
-            <a:spAutoFit/>
-          </a:bodyPr>
-          <a:lstStyle/>
-          <a:p>
-            <a:r>
-              <a:rPr lang="fr-FR" sz="2800" dirty="0">
-                <a:solidFill>
-                  <a:srgbClr val="00147A"/>
-                </a:solidFill>
-              </a:rPr>
-              <a:t>Performances</a:t>
-            </a:r>
-          </a:p>
-        </p:txBody>
-      </p:sp>
-      <p:sp>
-        <p:nvSpPr>
-          <p:cNvPr id="13" name="ZoneTexte 12"/>
-          <p:cNvSpPr txBox="1"/>
-          <p:nvPr/>
-        </p:nvSpPr>
-        <p:spPr>
-          <a:xfrm>
-            <a:off x="6553200" y="4553402"/>
-            <a:ext cx="2746649" cy="523220"/>
-          </a:xfrm>
-          <a:prstGeom prst="rect">
-            <a:avLst/>
-          </a:prstGeom>
-          <a:noFill/>
-        </p:spPr>
-        <p:txBody>
-          <a:bodyPr wrap="square" rtlCol="0">
-            <a:spAutoFit/>
-          </a:bodyPr>
-          <a:lstStyle/>
-          <a:p>
-            <a:r>
-              <a:rPr lang="fr-FR" sz="2800" dirty="0">
-                <a:solidFill>
-                  <a:srgbClr val="00147A"/>
-                </a:solidFill>
-              </a:rPr>
-              <a:t>Maintenabilité</a:t>
-            </a:r>
-          </a:p>
-        </p:txBody>
-      </p:sp>
-      <p:cxnSp>
-        <p:nvCxnSpPr>
-          <p:cNvPr id="15" name="Connecteur droit avec flèche 14"/>
-          <p:cNvCxnSpPr>
-            <a:cxnSpLocks/>
-          </p:cNvCxnSpPr>
-          <p:nvPr/>
-        </p:nvCxnSpPr>
-        <p:spPr>
-          <a:xfrm flipH="1">
-            <a:off x="2265794" y="3005824"/>
-            <a:ext cx="1955871" cy="1336805"/>
-          </a:xfrm>
-          <a:prstGeom prst="straightConnector1">
-            <a:avLst/>
-          </a:prstGeom>
-          <a:ln w="38100">
-            <a:solidFill>
-              <a:schemeClr val="bg1"/>
-            </a:solidFill>
-            <a:tailEnd type="triangle"/>
-          </a:ln>
-        </p:spPr>
-        <p:style>
-          <a:lnRef idx="1">
-            <a:schemeClr val="accent1"/>
-          </a:lnRef>
-          <a:fillRef idx="0">
-            <a:schemeClr val="accent1"/>
-          </a:fillRef>
-          <a:effectRef idx="0">
-            <a:schemeClr val="accent1"/>
-          </a:effectRef>
-          <a:fontRef idx="minor">
-            <a:schemeClr val="tx1"/>
-          </a:fontRef>
-        </p:style>
-      </p:cxnSp>
-      <p:cxnSp>
-        <p:nvCxnSpPr>
-          <p:cNvPr id="18" name="Connecteur droit avec flèche 17"/>
-          <p:cNvCxnSpPr>
-            <a:cxnSpLocks/>
-          </p:cNvCxnSpPr>
-          <p:nvPr/>
-        </p:nvCxnSpPr>
-        <p:spPr>
-          <a:xfrm>
-            <a:off x="5514203" y="2994227"/>
-            <a:ext cx="1703834" cy="1356970"/>
-          </a:xfrm>
-          <a:prstGeom prst="straightConnector1">
-            <a:avLst/>
-          </a:prstGeom>
-          <a:ln w="38100">
-            <a:solidFill>
-              <a:schemeClr val="bg1"/>
-            </a:solidFill>
-            <a:tailEnd type="triangle"/>
-          </a:ln>
-        </p:spPr>
-        <p:style>
-          <a:lnRef idx="1">
-            <a:schemeClr val="accent1"/>
-          </a:lnRef>
-          <a:fillRef idx="0">
-            <a:schemeClr val="accent1"/>
-          </a:fillRef>
-          <a:effectRef idx="0">
-            <a:schemeClr val="accent1"/>
-          </a:effectRef>
-          <a:fontRef idx="minor">
-            <a:schemeClr val="tx1"/>
-          </a:fontRef>
-        </p:style>
-      </p:cxnSp>
-      <p:cxnSp>
-        <p:nvCxnSpPr>
-          <p:cNvPr id="20" name="Connecteur droit avec flèche 19"/>
-          <p:cNvCxnSpPr>
-            <a:cxnSpLocks/>
-          </p:cNvCxnSpPr>
-          <p:nvPr/>
-        </p:nvCxnSpPr>
-        <p:spPr>
-          <a:xfrm flipH="1">
-            <a:off x="4788024" y="3005824"/>
-            <a:ext cx="32290" cy="1606500"/>
-          </a:xfrm>
-          <a:prstGeom prst="straightConnector1">
-            <a:avLst/>
-          </a:prstGeom>
-          <a:ln w="38100">
-            <a:solidFill>
-              <a:schemeClr val="bg1"/>
-            </a:solidFill>
-            <a:tailEnd type="triangle"/>
-          </a:ln>
-        </p:spPr>
-        <p:style>
-          <a:lnRef idx="1">
-            <a:schemeClr val="accent1"/>
-          </a:lnRef>
-          <a:fillRef idx="0">
-            <a:schemeClr val="accent1"/>
-          </a:fillRef>
-          <a:effectRef idx="0">
-            <a:schemeClr val="accent1"/>
-          </a:effectRef>
-          <a:fontRef idx="minor">
-            <a:schemeClr val="tx1"/>
-          </a:fontRef>
-        </p:style>
-      </p:cxnSp>
-      <p:pic>
-        <p:nvPicPr>
-          <p:cNvPr id="26" name="Image 25"/>
-          <p:cNvPicPr>
-            <a:picLocks noChangeAspect="1"/>
-          </p:cNvPicPr>
-          <p:nvPr/>
-        </p:nvPicPr>
-        <p:blipFill>
-          <a:blip r:embed="rId5"/>
-          <a:stretch>
-            <a:fillRect/>
-          </a:stretch>
-        </p:blipFill>
-        <p:spPr>
-          <a:xfrm>
-            <a:off x="52210" y="3198115"/>
-            <a:ext cx="1711478" cy="2520801"/>
+            <a:off x="3913062" y="3305770"/>
+            <a:ext cx="1724227" cy="1408119"/>
           </a:xfrm>
           <a:prstGeom prst="rect">
             <a:avLst/>
@@ -8147,7 +10470,7 @@
     </p:spTree>
     <p:extLst>
       <p:ext uri="{BB962C8B-B14F-4D97-AF65-F5344CB8AC3E}">
-        <p14:creationId xmlns:p14="http://schemas.microsoft.com/office/powerpoint/2010/main" val="3462178629"/>
+        <p14:creationId xmlns:p14="http://schemas.microsoft.com/office/powerpoint/2010/main" val="1866321437"/>
       </p:ext>
     </p:extLst>
   </p:cSld>
@@ -8184,12 +10507,48 @@
       </p:grpSpPr>
       <p:sp>
         <p:nvSpPr>
-          <p:cNvPr id="2" name="Titre 1"/>
-          <p:cNvSpPr>
-            <a:spLocks noGrp="1"/>
-          </p:cNvSpPr>
-          <p:nvPr>
-            <p:ph type="title"/>
+          <p:cNvPr id="3" name="Espace réservé du contenu 2"/>
+          <p:cNvSpPr>
+            <a:spLocks noGrp="1"/>
+          </p:cNvSpPr>
+          <p:nvPr>
+            <p:ph idx="13"/>
+          </p:nvPr>
+        </p:nvSpPr>
+        <p:spPr>
+          <a:xfrm>
+            <a:off x="1763688" y="1844824"/>
+            <a:ext cx="5349280" cy="2062935"/>
+          </a:xfrm>
+        </p:spPr>
+        <p:txBody>
+          <a:bodyPr>
+            <a:normAutofit/>
+          </a:bodyPr>
+          <a:lstStyle/>
+          <a:p>
+            <a:pPr marL="0" indent="0" algn="ctr">
+              <a:buNone/>
+            </a:pPr>
+            <a:r>
+              <a:rPr lang="fr-FR" b="1" i="1" dirty="0">
+                <a:solidFill>
+                  <a:srgbClr val="D60037"/>
+                </a:solidFill>
+              </a:rPr>
+              <a:t>Schéma dispositif</a:t>
+            </a:r>
+          </a:p>
+        </p:txBody>
+      </p:sp>
+      <p:sp>
+        <p:nvSpPr>
+          <p:cNvPr id="4" name="Espace réservé de la date 3"/>
+          <p:cNvSpPr>
+            <a:spLocks noGrp="1"/>
+          </p:cNvSpPr>
+          <p:nvPr>
+            <p:ph type="dt" sz="half" idx="2"/>
           </p:nvPr>
         </p:nvSpPr>
         <p:spPr/>
@@ -8197,55 +10556,7 @@
           <a:bodyPr/>
           <a:lstStyle/>
           <a:p>
-            <a:r>
-              <a:rPr lang="fr-FR" dirty="0">
-                <a:solidFill>
-                  <a:srgbClr val="00B0F0"/>
-                </a:solidFill>
-              </a:rPr>
-              <a:t>Démonstration</a:t>
-            </a:r>
-          </a:p>
-        </p:txBody>
-      </p:sp>
-      <p:sp>
-        <p:nvSpPr>
-          <p:cNvPr id="3" name="Espace réservé du texte 2"/>
-          <p:cNvSpPr>
-            <a:spLocks noGrp="1"/>
-          </p:cNvSpPr>
-          <p:nvPr>
-            <p:ph type="body" idx="1"/>
-          </p:nvPr>
-        </p:nvSpPr>
-        <p:spPr/>
-        <p:txBody>
-          <a:bodyPr/>
-          <a:lstStyle/>
-          <a:p>
-            <a:r>
-              <a:rPr lang="fr-FR" dirty="0"/>
-              <a:t>Interface utilisateur pour le site web de réservation</a:t>
-            </a:r>
-          </a:p>
-        </p:txBody>
-      </p:sp>
-      <p:sp>
-        <p:nvSpPr>
-          <p:cNvPr id="4" name="Espace réservé de la date 3"/>
-          <p:cNvSpPr>
-            <a:spLocks noGrp="1"/>
-          </p:cNvSpPr>
-          <p:nvPr>
-            <p:ph type="dt" sz="half" idx="2"/>
-          </p:nvPr>
-        </p:nvSpPr>
-        <p:spPr/>
-        <p:txBody>
-          <a:bodyPr/>
-          <a:lstStyle/>
-          <a:p>
-            <a:fld id="{36FB04EA-70E2-4264-A28E-FA7178E4CC52}" type="datetime1">
+            <a:fld id="{F52375F6-F57F-4D87-9DE9-B294442EBB55}" type="datetime1">
               <a:rPr lang="fr-FR" smtClean="0"/>
               <a:t>19/04/2017</a:t>
             </a:fld>
@@ -8300,34 +10611,37 @@
           </a:p>
         </p:txBody>
       </p:sp>
-      <p:pic>
-        <p:nvPicPr>
-          <p:cNvPr id="7" name="Image 6"/>
-          <p:cNvPicPr>
-            <a:picLocks noChangeAspect="1"/>
-          </p:cNvPicPr>
-          <p:nvPr/>
-        </p:nvPicPr>
-        <p:blipFill>
-          <a:blip r:embed="rId2"/>
-          <a:stretch>
-            <a:fillRect/>
-          </a:stretch>
-        </p:blipFill>
-        <p:spPr>
-          <a:xfrm>
-            <a:off x="611560" y="1624000"/>
-            <a:ext cx="2143125" cy="2133600"/>
-          </a:xfrm>
-          <a:prstGeom prst="rect">
-            <a:avLst/>
-          </a:prstGeom>
-        </p:spPr>
-      </p:pic>
+      <p:sp>
+        <p:nvSpPr>
+          <p:cNvPr id="8" name="Titre 1"/>
+          <p:cNvSpPr>
+            <a:spLocks noGrp="1"/>
+          </p:cNvSpPr>
+          <p:nvPr>
+            <p:ph type="title"/>
+          </p:nvPr>
+        </p:nvSpPr>
+        <p:spPr>
+          <a:xfrm>
+            <a:off x="2013180" y="0"/>
+            <a:ext cx="7130820" cy="908720"/>
+          </a:xfrm>
+        </p:spPr>
+        <p:txBody>
+          <a:bodyPr/>
+          <a:lstStyle/>
+          <a:p>
+            <a:r>
+              <a:rPr lang="fr-FR" sz="3600" dirty="0"/>
+              <a:t>Architecture / technologies</a:t>
+            </a:r>
+          </a:p>
+        </p:txBody>
+      </p:sp>
     </p:spTree>
     <p:extLst>
       <p:ext uri="{BB962C8B-B14F-4D97-AF65-F5344CB8AC3E}">
-        <p14:creationId xmlns:p14="http://schemas.microsoft.com/office/powerpoint/2010/main" val="2969700045"/>
+        <p14:creationId xmlns:p14="http://schemas.microsoft.com/office/powerpoint/2010/main" val="3149319640"/>
       </p:ext>
     </p:extLst>
   </p:cSld>

--- a/PPT Gastronome Gourmand.pptx
+++ b/PPT Gastronome Gourmand.pptx
@@ -288,7 +288,7 @@
           <a:p>
             <a:fld id="{25E63C35-1585-4383-8B1E-7A2086C666E0}" type="datetimeFigureOut">
               <a:rPr lang="fr-FR" smtClean="0"/>
-              <a:t>19/04/2017</a:t>
+              <a:t>20/04/2017</a:t>
             </a:fld>
             <a:endParaRPr lang="fr-FR" dirty="0"/>
           </a:p>
@@ -454,7 +454,7 @@
           <a:p>
             <a:fld id="{00F830A1-3891-4B82-A120-081866556DA0}" type="datetimeFigureOut">
               <a:pPr/>
-              <a:t>19/04/2017</a:t>
+              <a:t>20/04/2017</a:t>
             </a:fld>
             <a:endParaRPr lang="fr-FR" dirty="0"/>
           </a:p>
@@ -930,7 +930,7 @@
           <a:p>
             <a:fld id="{699F75A7-9A10-420C-A4A0-8D4CAA8AFFB6}" type="datetime1">
               <a:rPr lang="fr-FR" smtClean="0"/>
-              <a:t>19/04/2017</a:t>
+              <a:t>20/04/2017</a:t>
             </a:fld>
             <a:endParaRPr lang="fr-FR" dirty="0"/>
           </a:p>
@@ -1298,7 +1298,7 @@
           <a:p>
             <a:fld id="{BA0A8D93-40B8-428C-ADC4-92D20CB4B794}" type="datetime1">
               <a:rPr lang="fr-FR" smtClean="0"/>
-              <a:t>19/04/2017</a:t>
+              <a:t>20/04/2017</a:t>
             </a:fld>
             <a:endParaRPr lang="fr-FR" dirty="0"/>
           </a:p>
@@ -1726,7 +1726,7 @@
           <a:p>
             <a:fld id="{A4AC1F79-6F54-44A5-A036-D1263133F7B9}" type="datetime1">
               <a:rPr lang="fr-FR" smtClean="0"/>
-              <a:t>19/04/2017</a:t>
+              <a:t>20/04/2017</a:t>
             </a:fld>
             <a:endParaRPr lang="fr-FR" dirty="0"/>
           </a:p>
@@ -2159,7 +2159,7 @@
           <a:p>
             <a:fld id="{36FB04EA-70E2-4264-A28E-FA7178E4CC52}" type="datetime1">
               <a:rPr lang="fr-FR" smtClean="0"/>
-              <a:t>19/04/2017</a:t>
+              <a:t>20/04/2017</a:t>
             </a:fld>
             <a:endParaRPr lang="fr-FR" dirty="0"/>
           </a:p>
@@ -2592,7 +2592,7 @@
           <a:p>
             <a:fld id="{132604DE-B258-4617-AC8A-645893754986}" type="datetime1">
               <a:rPr lang="fr-FR" smtClean="0"/>
-              <a:t>19/04/2017</a:t>
+              <a:t>20/04/2017</a:t>
             </a:fld>
             <a:endParaRPr lang="fr-FR" dirty="0"/>
           </a:p>
@@ -3025,7 +3025,7 @@
           <a:p>
             <a:fld id="{9DFBD193-1B61-48CF-8ED5-5E82A813EB31}" type="datetime1">
               <a:rPr lang="fr-FR" smtClean="0"/>
-              <a:t>19/04/2017</a:t>
+              <a:t>20/04/2017</a:t>
             </a:fld>
             <a:endParaRPr lang="fr-FR" dirty="0"/>
           </a:p>
@@ -3345,7 +3345,7 @@
           <a:p>
             <a:fld id="{A1DAD381-B766-40A1-B5A3-E3977323E85E}" type="datetime1">
               <a:rPr lang="fr-FR" smtClean="0"/>
-              <a:t>19/04/2017</a:t>
+              <a:t>20/04/2017</a:t>
             </a:fld>
             <a:endParaRPr lang="fr-FR" dirty="0"/>
           </a:p>
@@ -3655,7 +3655,7 @@
           <a:p>
             <a:fld id="{F52375F6-F57F-4D87-9DE9-B294442EBB55}" type="datetime1">
               <a:rPr lang="fr-FR" smtClean="0"/>
-              <a:t>19/04/2017</a:t>
+              <a:t>20/04/2017</a:t>
             </a:fld>
             <a:endParaRPr lang="fr-FR" dirty="0"/>
           </a:p>
@@ -4078,7 +4078,7 @@
           <a:p>
             <a:fld id="{847D4179-2891-453C-A011-32B8C13949EB}" type="datetime1">
               <a:rPr lang="fr-FR" smtClean="0"/>
-              <a:t>19/04/2017</a:t>
+              <a:t>20/04/2017</a:t>
             </a:fld>
             <a:endParaRPr lang="fr-FR" dirty="0"/>
           </a:p>
@@ -4384,7 +4384,7 @@
           <a:p>
             <a:fld id="{ED1E5CCE-493E-430C-835B-1FCEEBBB3978}" type="datetime1">
               <a:rPr lang="fr-FR" smtClean="0"/>
-              <a:t>19/04/2017</a:t>
+              <a:t>20/04/2017</a:t>
             </a:fld>
             <a:endParaRPr lang="fr-FR" dirty="0"/>
           </a:p>
@@ -5059,7 +5059,7 @@
           <a:p>
             <a:fld id="{F52375F6-F57F-4D87-9DE9-B294442EBB55}" type="datetime1">
               <a:rPr lang="fr-FR" smtClean="0"/>
-              <a:t>19/04/2017</a:t>
+              <a:t>20/04/2017</a:t>
             </a:fld>
             <a:endParaRPr lang="fr-FR" dirty="0"/>
           </a:p>
@@ -5482,7 +5482,7 @@
           <a:p>
             <a:fld id="{36FB04EA-70E2-4264-A28E-FA7178E4CC52}" type="datetime1">
               <a:rPr lang="fr-FR" smtClean="0"/>
-              <a:t>19/04/2017</a:t>
+              <a:t>20/04/2017</a:t>
             </a:fld>
             <a:endParaRPr lang="fr-FR" dirty="0"/>
           </a:p>
@@ -5716,7 +5716,7 @@
           <a:p>
             <a:fld id="{F52375F6-F57F-4D87-9DE9-B294442EBB55}" type="datetime1">
               <a:rPr lang="fr-FR" smtClean="0"/>
-              <a:t>19/04/2017</a:t>
+              <a:t>20/04/2017</a:t>
             </a:fld>
             <a:endParaRPr lang="fr-FR" dirty="0"/>
           </a:p>
@@ -5902,7 +5902,7 @@
           <a:p>
             <a:fld id="{36FB04EA-70E2-4264-A28E-FA7178E4CC52}" type="datetime1">
               <a:rPr lang="fr-FR" smtClean="0"/>
-              <a:t>19/04/2017</a:t>
+              <a:t>20/04/2017</a:t>
             </a:fld>
             <a:endParaRPr lang="fr-FR" dirty="0"/>
           </a:p>
@@ -6086,7 +6086,7 @@
           <a:p>
             <a:fld id="{F52375F6-F57F-4D87-9DE9-B294442EBB55}" type="datetime1">
               <a:rPr lang="fr-FR" smtClean="0"/>
-              <a:t>19/04/2017</a:t>
+              <a:t>20/04/2017</a:t>
             </a:fld>
             <a:endParaRPr lang="fr-FR" dirty="0"/>
           </a:p>
@@ -6242,7 +6242,7 @@
           <a:p>
             <a:fld id="{36FB04EA-70E2-4264-A28E-FA7178E4CC52}" type="datetime1">
               <a:rPr lang="fr-FR" smtClean="0"/>
-              <a:t>19/04/2017</a:t>
+              <a:t>20/04/2017</a:t>
             </a:fld>
             <a:endParaRPr lang="fr-FR" dirty="0"/>
           </a:p>
@@ -6422,7 +6422,7 @@
           <a:p>
             <a:fld id="{36FB04EA-70E2-4264-A28E-FA7178E4CC52}" type="datetime1">
               <a:rPr lang="fr-FR" smtClean="0"/>
-              <a:t>19/04/2017</a:t>
+              <a:t>20/04/2017</a:t>
             </a:fld>
             <a:endParaRPr lang="fr-FR" dirty="0"/>
           </a:p>
@@ -6614,7 +6614,7 @@
           <a:p>
             <a:fld id="{F52375F6-F57F-4D87-9DE9-B294442EBB55}" type="datetime1">
               <a:rPr lang="fr-FR" smtClean="0"/>
-              <a:t>19/04/2017</a:t>
+              <a:t>20/04/2017</a:t>
             </a:fld>
             <a:endParaRPr lang="fr-FR" dirty="0"/>
           </a:p>
@@ -6776,7 +6776,7 @@
           <a:p>
             <a:fld id="{36FB04EA-70E2-4264-A28E-FA7178E4CC52}" type="datetime1">
               <a:rPr lang="fr-FR" smtClean="0"/>
-              <a:t>19/04/2017</a:t>
+              <a:t>20/04/2017</a:t>
             </a:fld>
             <a:endParaRPr lang="fr-FR" dirty="0"/>
           </a:p>
@@ -7040,7 +7040,7 @@
           <a:p>
             <a:fld id="{F52375F6-F57F-4D87-9DE9-B294442EBB55}" type="datetime1">
               <a:rPr lang="fr-FR" smtClean="0"/>
-              <a:t>19/04/2017</a:t>
+              <a:t>20/04/2017</a:t>
             </a:fld>
             <a:endParaRPr lang="fr-FR" dirty="0"/>
           </a:p>
@@ -7110,7 +7110,7 @@
         <p:spPr>
           <a:xfrm>
             <a:off x="5868144" y="2348880"/>
-            <a:ext cx="2699860" cy="2232248"/>
+            <a:ext cx="2232248" cy="2232248"/>
           </a:xfrm>
           <a:prstGeom prst="rect">
             <a:avLst/>
@@ -7216,7 +7216,7 @@
           <a:p>
             <a:fld id="{BA0A8D93-40B8-428C-ADC4-92D20CB4B794}" type="datetime1">
               <a:rPr lang="fr-FR" smtClean="0"/>
-              <a:t>19/04/2017</a:t>
+              <a:t>20/04/2017</a:t>
             </a:fld>
             <a:endParaRPr lang="fr-FR" dirty="0"/>
           </a:p>
@@ -7372,7 +7372,7 @@
           <a:p>
             <a:fld id="{36FB04EA-70E2-4264-A28E-FA7178E4CC52}" type="datetime1">
               <a:rPr lang="fr-FR" smtClean="0"/>
-              <a:t>19/04/2017</a:t>
+              <a:t>20/04/2017</a:t>
             </a:fld>
             <a:endParaRPr lang="fr-FR" dirty="0"/>
           </a:p>
@@ -7548,7 +7548,7 @@
           <a:p>
             <a:fld id="{132604DE-B258-4617-AC8A-645893754986}" type="datetime1">
               <a:rPr lang="fr-FR" smtClean="0"/>
-              <a:t>19/04/2017</a:t>
+              <a:t>20/04/2017</a:t>
             </a:fld>
             <a:endParaRPr lang="fr-FR" dirty="0"/>
           </a:p>
@@ -7678,7 +7678,7 @@
           <a:p>
             <a:fld id="{F52375F6-F57F-4D87-9DE9-B294442EBB55}" type="datetime1">
               <a:rPr lang="fr-FR" smtClean="0"/>
-              <a:t>19/04/2017</a:t>
+              <a:t>20/04/2017</a:t>
             </a:fld>
             <a:endParaRPr lang="fr-FR" dirty="0"/>
           </a:p>
@@ -7966,7 +7966,7 @@
           <a:p>
             <a:fld id="{9DFBD193-1B61-48CF-8ED5-5E82A813EB31}" type="datetime1">
               <a:rPr lang="fr-FR" smtClean="0"/>
-              <a:t>19/04/2017</a:t>
+              <a:t>20/04/2017</a:t>
             </a:fld>
             <a:endParaRPr lang="fr-FR" dirty="0"/>
           </a:p>
@@ -8101,7 +8101,7 @@
           <a:p>
             <a:fld id="{F52375F6-F57F-4D87-9DE9-B294442EBB55}" type="datetime1">
               <a:rPr lang="fr-FR" smtClean="0"/>
-              <a:t>19/04/2017</a:t>
+              <a:t>20/04/2017</a:t>
             </a:fld>
             <a:endParaRPr lang="fr-FR" dirty="0"/>
           </a:p>
@@ -8647,7 +8647,7 @@
           <a:p>
             <a:fld id="{F52375F6-F57F-4D87-9DE9-B294442EBB55}" type="datetime1">
               <a:rPr lang="fr-FR" smtClean="0"/>
-              <a:t>19/04/2017</a:t>
+              <a:t>20/04/2017</a:t>
             </a:fld>
             <a:endParaRPr lang="fr-FR" dirty="0"/>
           </a:p>
@@ -9192,7 +9192,7 @@
           <a:p>
             <a:fld id="{A4AC1F79-6F54-44A5-A036-D1263133F7B9}" type="datetime1">
               <a:rPr lang="fr-FR" smtClean="0"/>
-              <a:t>19/04/2017</a:t>
+              <a:t>20/04/2017</a:t>
             </a:fld>
             <a:endParaRPr lang="fr-FR" dirty="0"/>
           </a:p>
@@ -9344,7 +9344,7 @@
           <a:p>
             <a:fld id="{F52375F6-F57F-4D87-9DE9-B294442EBB55}" type="datetime1">
               <a:rPr lang="fr-FR" smtClean="0"/>
-              <a:t>19/04/2017</a:t>
+              <a:t>20/04/2017</a:t>
             </a:fld>
             <a:endParaRPr lang="fr-FR" dirty="0"/>
           </a:p>
@@ -9672,7 +9672,7 @@
             <a:r>
               <a:rPr lang="fr-FR" b="1" i="1" dirty="0">
                 <a:solidFill>
-                  <a:srgbClr val="D60037"/>
+                  <a:srgbClr val="FF0000"/>
                 </a:solidFill>
               </a:rPr>
               <a:t>Une envie, une adresse…</a:t>
@@ -9684,7 +9684,7 @@
             </a:pPr>
             <a:endParaRPr lang="fr-FR" b="1" i="1" dirty="0">
               <a:solidFill>
-                <a:srgbClr val="D60037"/>
+                <a:srgbClr val="FF0000"/>
               </a:solidFill>
             </a:endParaRPr>
           </a:p>
@@ -9695,7 +9695,7 @@
             <a:r>
               <a:rPr lang="fr-FR" b="1" i="1" dirty="0">
                 <a:solidFill>
-                  <a:srgbClr val="D60037"/>
+                  <a:srgbClr val="FF0000"/>
                 </a:solidFill>
               </a:rPr>
               <a:t>Gastronome Gourmand est la solution !</a:t>
@@ -9720,7 +9720,7 @@
           <a:p>
             <a:fld id="{F52375F6-F57F-4D87-9DE9-B294442EBB55}" type="datetime1">
               <a:rPr lang="fr-FR" smtClean="0"/>
-              <a:t>19/04/2017</a:t>
+              <a:t>20/04/2017</a:t>
             </a:fld>
             <a:endParaRPr lang="fr-FR" dirty="0"/>
           </a:p>
@@ -9907,7 +9907,7 @@
           <a:p>
             <a:fld id="{F52375F6-F57F-4D87-9DE9-B294442EBB55}" type="datetime1">
               <a:rPr lang="fr-FR" smtClean="0"/>
-              <a:t>19/04/2017</a:t>
+              <a:t>20/04/2017</a:t>
             </a:fld>
             <a:endParaRPr lang="fr-FR" dirty="0"/>
           </a:p>
@@ -10000,8 +10000,8 @@
         </p:blipFill>
         <p:spPr>
           <a:xfrm>
-            <a:off x="6516214" y="1092287"/>
-            <a:ext cx="1952625" cy="1325436"/>
+            <a:off x="6732241" y="1092287"/>
+            <a:ext cx="1656184" cy="1325436"/>
           </a:xfrm>
           <a:prstGeom prst="rect">
             <a:avLst/>
@@ -10558,7 +10558,7 @@
           <a:p>
             <a:fld id="{F52375F6-F57F-4D87-9DE9-B294442EBB55}" type="datetime1">
               <a:rPr lang="fr-FR" smtClean="0"/>
-              <a:t>19/04/2017</a:t>
+              <a:t>20/04/2017</a:t>
             </a:fld>
             <a:endParaRPr lang="fr-FR" dirty="0"/>
           </a:p>

--- a/PPT Gastronome Gourmand.pptx
+++ b/PPT Gastronome Gourmand.pptx
@@ -288,7 +288,7 @@
           <a:p>
             <a:fld id="{25E63C35-1585-4383-8B1E-7A2086C666E0}" type="datetimeFigureOut">
               <a:rPr lang="fr-FR" smtClean="0"/>
-              <a:t>20/04/2017</a:t>
+              <a:t>21/04/2017</a:t>
             </a:fld>
             <a:endParaRPr lang="fr-FR" dirty="0"/>
           </a:p>
@@ -454,7 +454,7 @@
           <a:p>
             <a:fld id="{00F830A1-3891-4B82-A120-081866556DA0}" type="datetimeFigureOut">
               <a:pPr/>
-              <a:t>20/04/2017</a:t>
+              <a:t>21/04/2017</a:t>
             </a:fld>
             <a:endParaRPr lang="fr-FR" dirty="0"/>
           </a:p>
@@ -930,7 +930,7 @@
           <a:p>
             <a:fld id="{699F75A7-9A10-420C-A4A0-8D4CAA8AFFB6}" type="datetime1">
               <a:rPr lang="fr-FR" smtClean="0"/>
-              <a:t>20/04/2017</a:t>
+              <a:t>21/04/2017</a:t>
             </a:fld>
             <a:endParaRPr lang="fr-FR" dirty="0"/>
           </a:p>
@@ -1298,7 +1298,7 @@
           <a:p>
             <a:fld id="{BA0A8D93-40B8-428C-ADC4-92D20CB4B794}" type="datetime1">
               <a:rPr lang="fr-FR" smtClean="0"/>
-              <a:t>20/04/2017</a:t>
+              <a:t>21/04/2017</a:t>
             </a:fld>
             <a:endParaRPr lang="fr-FR" dirty="0"/>
           </a:p>
@@ -1726,7 +1726,7 @@
           <a:p>
             <a:fld id="{A4AC1F79-6F54-44A5-A036-D1263133F7B9}" type="datetime1">
               <a:rPr lang="fr-FR" smtClean="0"/>
-              <a:t>20/04/2017</a:t>
+              <a:t>21/04/2017</a:t>
             </a:fld>
             <a:endParaRPr lang="fr-FR" dirty="0"/>
           </a:p>
@@ -2159,7 +2159,7 @@
           <a:p>
             <a:fld id="{36FB04EA-70E2-4264-A28E-FA7178E4CC52}" type="datetime1">
               <a:rPr lang="fr-FR" smtClean="0"/>
-              <a:t>20/04/2017</a:t>
+              <a:t>21/04/2017</a:t>
             </a:fld>
             <a:endParaRPr lang="fr-FR" dirty="0"/>
           </a:p>
@@ -2592,7 +2592,7 @@
           <a:p>
             <a:fld id="{132604DE-B258-4617-AC8A-645893754986}" type="datetime1">
               <a:rPr lang="fr-FR" smtClean="0"/>
-              <a:t>20/04/2017</a:t>
+              <a:t>21/04/2017</a:t>
             </a:fld>
             <a:endParaRPr lang="fr-FR" dirty="0"/>
           </a:p>
@@ -3025,7 +3025,7 @@
           <a:p>
             <a:fld id="{9DFBD193-1B61-48CF-8ED5-5E82A813EB31}" type="datetime1">
               <a:rPr lang="fr-FR" smtClean="0"/>
-              <a:t>20/04/2017</a:t>
+              <a:t>21/04/2017</a:t>
             </a:fld>
             <a:endParaRPr lang="fr-FR" dirty="0"/>
           </a:p>
@@ -3345,7 +3345,7 @@
           <a:p>
             <a:fld id="{A1DAD381-B766-40A1-B5A3-E3977323E85E}" type="datetime1">
               <a:rPr lang="fr-FR" smtClean="0"/>
-              <a:t>20/04/2017</a:t>
+              <a:t>21/04/2017</a:t>
             </a:fld>
             <a:endParaRPr lang="fr-FR" dirty="0"/>
           </a:p>
@@ -3655,7 +3655,7 @@
           <a:p>
             <a:fld id="{F52375F6-F57F-4D87-9DE9-B294442EBB55}" type="datetime1">
               <a:rPr lang="fr-FR" smtClean="0"/>
-              <a:t>20/04/2017</a:t>
+              <a:t>21/04/2017</a:t>
             </a:fld>
             <a:endParaRPr lang="fr-FR" dirty="0"/>
           </a:p>
@@ -4078,7 +4078,7 @@
           <a:p>
             <a:fld id="{847D4179-2891-453C-A011-32B8C13949EB}" type="datetime1">
               <a:rPr lang="fr-FR" smtClean="0"/>
-              <a:t>20/04/2017</a:t>
+              <a:t>21/04/2017</a:t>
             </a:fld>
             <a:endParaRPr lang="fr-FR" dirty="0"/>
           </a:p>
@@ -4384,7 +4384,7 @@
           <a:p>
             <a:fld id="{ED1E5CCE-493E-430C-835B-1FCEEBBB3978}" type="datetime1">
               <a:rPr lang="fr-FR" smtClean="0"/>
-              <a:t>20/04/2017</a:t>
+              <a:t>21/04/2017</a:t>
             </a:fld>
             <a:endParaRPr lang="fr-FR" dirty="0"/>
           </a:p>
@@ -5059,7 +5059,7 @@
           <a:p>
             <a:fld id="{F52375F6-F57F-4D87-9DE9-B294442EBB55}" type="datetime1">
               <a:rPr lang="fr-FR" smtClean="0"/>
-              <a:t>20/04/2017</a:t>
+              <a:t>21/04/2017</a:t>
             </a:fld>
             <a:endParaRPr lang="fr-FR" dirty="0"/>
           </a:p>
@@ -5482,7 +5482,7 @@
           <a:p>
             <a:fld id="{36FB04EA-70E2-4264-A28E-FA7178E4CC52}" type="datetime1">
               <a:rPr lang="fr-FR" smtClean="0"/>
-              <a:t>20/04/2017</a:t>
+              <a:t>21/04/2017</a:t>
             </a:fld>
             <a:endParaRPr lang="fr-FR" dirty="0"/>
           </a:p>
@@ -5716,7 +5716,7 @@
           <a:p>
             <a:fld id="{F52375F6-F57F-4D87-9DE9-B294442EBB55}" type="datetime1">
               <a:rPr lang="fr-FR" smtClean="0"/>
-              <a:t>20/04/2017</a:t>
+              <a:t>21/04/2017</a:t>
             </a:fld>
             <a:endParaRPr lang="fr-FR" dirty="0"/>
           </a:p>
@@ -5902,7 +5902,7 @@
           <a:p>
             <a:fld id="{36FB04EA-70E2-4264-A28E-FA7178E4CC52}" type="datetime1">
               <a:rPr lang="fr-FR" smtClean="0"/>
-              <a:t>20/04/2017</a:t>
+              <a:t>21/04/2017</a:t>
             </a:fld>
             <a:endParaRPr lang="fr-FR" dirty="0"/>
           </a:p>
@@ -6039,36 +6039,35 @@
           </a:p>
         </p:txBody>
       </p:sp>
-      <p:sp>
-        <p:nvSpPr>
-          <p:cNvPr id="3" name="Espace réservé du contenu 2"/>
-          <p:cNvSpPr>
-            <a:spLocks noGrp="1"/>
-          </p:cNvSpPr>
+      <p:pic>
+        <p:nvPicPr>
+          <p:cNvPr id="7" name="Espace réservé du contenu 6"/>
+          <p:cNvPicPr>
+            <a:picLocks noGrp="1" noChangeAspect="1"/>
+          </p:cNvPicPr>
           <p:nvPr>
             <p:ph idx="13"/>
           </p:nvPr>
-        </p:nvSpPr>
-        <p:spPr/>
-        <p:txBody>
-          <a:bodyPr/>
-          <a:lstStyle/>
-          <a:p>
-            <a:pPr marL="0" indent="0">
-              <a:buNone/>
-            </a:pPr>
-            <a:r>
-              <a:rPr lang="fr-FR" dirty="0"/>
-              <a:t>Image du site web + </a:t>
-            </a:r>
-            <a:r>
-              <a:rPr lang="fr-FR" dirty="0" err="1"/>
-              <a:t>materilize</a:t>
-            </a:r>
-            <a:endParaRPr lang="fr-FR" dirty="0"/>
-          </a:p>
-        </p:txBody>
-      </p:sp>
+        </p:nvPicPr>
+        <p:blipFill>
+          <a:blip r:embed="rId2" cstate="email">
+            <a:extLst>
+              <a:ext uri="{28A0092B-C50C-407E-A947-70E740481C1C}">
+                <a14:useLocalDpi xmlns:a14="http://schemas.microsoft.com/office/drawing/2010/main" val="0"/>
+              </a:ext>
+            </a:extLst>
+          </a:blip>
+          <a:stretch>
+            <a:fillRect/>
+          </a:stretch>
+        </p:blipFill>
+        <p:spPr>
+          <a:xfrm>
+            <a:off x="485265" y="1196752"/>
+            <a:ext cx="8428158" cy="4896544"/>
+          </a:xfrm>
+        </p:spPr>
+      </p:pic>
       <p:sp>
         <p:nvSpPr>
           <p:cNvPr id="4" name="Espace réservé de la date 3"/>
@@ -6086,7 +6085,7 @@
           <a:p>
             <a:fld id="{F52375F6-F57F-4D87-9DE9-B294442EBB55}" type="datetime1">
               <a:rPr lang="fr-FR" smtClean="0"/>
-              <a:t>20/04/2017</a:t>
+              <a:t>21/04/2017</a:t>
             </a:fld>
             <a:endParaRPr lang="fr-FR" dirty="0"/>
           </a:p>
@@ -6139,6 +6138,30 @@
           </a:p>
         </p:txBody>
       </p:sp>
+      <p:pic>
+        <p:nvPicPr>
+          <p:cNvPr id="10" name="Image 9"/>
+          <p:cNvPicPr>
+            <a:picLocks noChangeAspect="1"/>
+          </p:cNvPicPr>
+          <p:nvPr/>
+        </p:nvPicPr>
+        <p:blipFill>
+          <a:blip r:embed="rId3"/>
+          <a:stretch>
+            <a:fillRect/>
+          </a:stretch>
+        </p:blipFill>
+        <p:spPr>
+          <a:xfrm>
+            <a:off x="7861419" y="1844824"/>
+            <a:ext cx="1282581" cy="927224"/>
+          </a:xfrm>
+          <a:prstGeom prst="rect">
+            <a:avLst/>
+          </a:prstGeom>
+        </p:spPr>
+      </p:pic>
     </p:spTree>
     <p:extLst>
       <p:ext uri="{BB962C8B-B14F-4D97-AF65-F5344CB8AC3E}">
@@ -6242,7 +6265,7 @@
           <a:p>
             <a:fld id="{36FB04EA-70E2-4264-A28E-FA7178E4CC52}" type="datetime1">
               <a:rPr lang="fr-FR" smtClean="0"/>
-              <a:t>20/04/2017</a:t>
+              <a:t>21/04/2017</a:t>
             </a:fld>
             <a:endParaRPr lang="fr-FR" dirty="0"/>
           </a:p>
@@ -6422,7 +6445,7 @@
           <a:p>
             <a:fld id="{36FB04EA-70E2-4264-A28E-FA7178E4CC52}" type="datetime1">
               <a:rPr lang="fr-FR" smtClean="0"/>
-              <a:t>20/04/2017</a:t>
+              <a:t>21/04/2017</a:t>
             </a:fld>
             <a:endParaRPr lang="fr-FR" dirty="0"/>
           </a:p>
@@ -6614,7 +6637,7 @@
           <a:p>
             <a:fld id="{F52375F6-F57F-4D87-9DE9-B294442EBB55}" type="datetime1">
               <a:rPr lang="fr-FR" smtClean="0"/>
-              <a:t>20/04/2017</a:t>
+              <a:t>21/04/2017</a:t>
             </a:fld>
             <a:endParaRPr lang="fr-FR" dirty="0"/>
           </a:p>
@@ -6776,7 +6799,7 @@
           <a:p>
             <a:fld id="{36FB04EA-70E2-4264-A28E-FA7178E4CC52}" type="datetime1">
               <a:rPr lang="fr-FR" smtClean="0"/>
-              <a:t>20/04/2017</a:t>
+              <a:t>21/04/2017</a:t>
             </a:fld>
             <a:endParaRPr lang="fr-FR" dirty="0"/>
           </a:p>
@@ -7040,7 +7063,7 @@
           <a:p>
             <a:fld id="{F52375F6-F57F-4D87-9DE9-B294442EBB55}" type="datetime1">
               <a:rPr lang="fr-FR" smtClean="0"/>
-              <a:t>20/04/2017</a:t>
+              <a:t>21/04/2017</a:t>
             </a:fld>
             <a:endParaRPr lang="fr-FR" dirty="0"/>
           </a:p>
@@ -7216,7 +7239,7 @@
           <a:p>
             <a:fld id="{BA0A8D93-40B8-428C-ADC4-92D20CB4B794}" type="datetime1">
               <a:rPr lang="fr-FR" smtClean="0"/>
-              <a:t>20/04/2017</a:t>
+              <a:t>21/04/2017</a:t>
             </a:fld>
             <a:endParaRPr lang="fr-FR" dirty="0"/>
           </a:p>
@@ -7372,7 +7395,7 @@
           <a:p>
             <a:fld id="{36FB04EA-70E2-4264-A28E-FA7178E4CC52}" type="datetime1">
               <a:rPr lang="fr-FR" smtClean="0"/>
-              <a:t>20/04/2017</a:t>
+              <a:t>21/04/2017</a:t>
             </a:fld>
             <a:endParaRPr lang="fr-FR" dirty="0"/>
           </a:p>
@@ -7548,7 +7571,7 @@
           <a:p>
             <a:fld id="{132604DE-B258-4617-AC8A-645893754986}" type="datetime1">
               <a:rPr lang="fr-FR" smtClean="0"/>
-              <a:t>20/04/2017</a:t>
+              <a:t>21/04/2017</a:t>
             </a:fld>
             <a:endParaRPr lang="fr-FR" dirty="0"/>
           </a:p>
@@ -7678,7 +7701,7 @@
           <a:p>
             <a:fld id="{F52375F6-F57F-4D87-9DE9-B294442EBB55}" type="datetime1">
               <a:rPr lang="fr-FR" smtClean="0"/>
-              <a:t>20/04/2017</a:t>
+              <a:t>21/04/2017</a:t>
             </a:fld>
             <a:endParaRPr lang="fr-FR" dirty="0"/>
           </a:p>
@@ -7966,7 +7989,7 @@
           <a:p>
             <a:fld id="{9DFBD193-1B61-48CF-8ED5-5E82A813EB31}" type="datetime1">
               <a:rPr lang="fr-FR" smtClean="0"/>
-              <a:t>20/04/2017</a:t>
+              <a:t>21/04/2017</a:t>
             </a:fld>
             <a:endParaRPr lang="fr-FR" dirty="0"/>
           </a:p>
@@ -8101,7 +8124,7 @@
           <a:p>
             <a:fld id="{F52375F6-F57F-4D87-9DE9-B294442EBB55}" type="datetime1">
               <a:rPr lang="fr-FR" smtClean="0"/>
-              <a:t>20/04/2017</a:t>
+              <a:t>21/04/2017</a:t>
             </a:fld>
             <a:endParaRPr lang="fr-FR" dirty="0"/>
           </a:p>
@@ -8647,7 +8670,7 @@
           <a:p>
             <a:fld id="{F52375F6-F57F-4D87-9DE9-B294442EBB55}" type="datetime1">
               <a:rPr lang="fr-FR" smtClean="0"/>
-              <a:t>20/04/2017</a:t>
+              <a:t>21/04/2017</a:t>
             </a:fld>
             <a:endParaRPr lang="fr-FR" dirty="0"/>
           </a:p>
@@ -9192,7 +9215,7 @@
           <a:p>
             <a:fld id="{A4AC1F79-6F54-44A5-A036-D1263133F7B9}" type="datetime1">
               <a:rPr lang="fr-FR" smtClean="0"/>
-              <a:t>20/04/2017</a:t>
+              <a:t>21/04/2017</a:t>
             </a:fld>
             <a:endParaRPr lang="fr-FR" dirty="0"/>
           </a:p>
@@ -9344,7 +9367,7 @@
           <a:p>
             <a:fld id="{F52375F6-F57F-4D87-9DE9-B294442EBB55}" type="datetime1">
               <a:rPr lang="fr-FR" smtClean="0"/>
-              <a:t>20/04/2017</a:t>
+              <a:t>21/04/2017</a:t>
             </a:fld>
             <a:endParaRPr lang="fr-FR" dirty="0"/>
           </a:p>
@@ -9720,7 +9743,7 @@
           <a:p>
             <a:fld id="{F52375F6-F57F-4D87-9DE9-B294442EBB55}" type="datetime1">
               <a:rPr lang="fr-FR" smtClean="0"/>
-              <a:t>20/04/2017</a:t>
+              <a:t>21/04/2017</a:t>
             </a:fld>
             <a:endParaRPr lang="fr-FR" dirty="0"/>
           </a:p>
@@ -9907,7 +9930,7 @@
           <a:p>
             <a:fld id="{F52375F6-F57F-4D87-9DE9-B294442EBB55}" type="datetime1">
               <a:rPr lang="fr-FR" smtClean="0"/>
-              <a:t>20/04/2017</a:t>
+              <a:t>21/04/2017</a:t>
             </a:fld>
             <a:endParaRPr lang="fr-FR" dirty="0"/>
           </a:p>
@@ -10558,7 +10581,7 @@
           <a:p>
             <a:fld id="{F52375F6-F57F-4D87-9DE9-B294442EBB55}" type="datetime1">
               <a:rPr lang="fr-FR" smtClean="0"/>
-              <a:t>20/04/2017</a:t>
+              <a:t>21/04/2017</a:t>
             </a:fld>
             <a:endParaRPr lang="fr-FR" dirty="0"/>
           </a:p>

--- a/PPT Gastronome Gourmand.pptx
+++ b/PPT Gastronome Gourmand.pptx
@@ -4945,6 +4945,13 @@
       <p:transition/>
     </mc:Fallback>
   </mc:AlternateContent>
+  <p:timing>
+    <p:tnLst>
+      <p:par>
+        <p:cTn id="1" dur="indefinite" restart="never" nodeType="tmRoot"/>
+      </p:par>
+    </p:tnLst>
+  </p:timing>
 </p:sld>
 </file>
 
@@ -5391,6 +5398,13 @@
       <p:transition/>
     </mc:Fallback>
   </mc:AlternateContent>
+  <p:timing>
+    <p:tnLst>
+      <p:par>
+        <p:cTn id="1" dur="indefinite" restart="never" nodeType="tmRoot"/>
+      </p:par>
+    </p:tnLst>
+  </p:timing>
 </p:sld>
 </file>
 
@@ -5553,6 +5567,13 @@
       <p:transition/>
     </mc:Fallback>
   </mc:AlternateContent>
+  <p:timing>
+    <p:tnLst>
+      <p:par>
+        <p:cTn id="1" dur="indefinite" restart="never" nodeType="tmRoot"/>
+      </p:par>
+    </p:tnLst>
+  </p:timing>
 </p:sld>
 </file>
 
@@ -5817,6 +5838,13 @@
       <p:transition/>
     </mc:Fallback>
   </mc:AlternateContent>
+  <p:timing>
+    <p:tnLst>
+      <p:par>
+        <p:cTn id="1" dur="indefinite" restart="never" nodeType="tmRoot"/>
+      </p:par>
+    </p:tnLst>
+  </p:timing>
 </p:sld>
 </file>
 
@@ -5997,6 +6025,13 @@
       <p:transition/>
     </mc:Fallback>
   </mc:AlternateContent>
+  <p:timing>
+    <p:tnLst>
+      <p:par>
+        <p:cTn id="1" dur="indefinite" restart="never" nodeType="tmRoot"/>
+      </p:par>
+    </p:tnLst>
+  </p:timing>
 </p:sld>
 </file>
 
@@ -6180,6 +6215,13 @@
       <p:transition/>
     </mc:Fallback>
   </mc:AlternateContent>
+  <p:timing>
+    <p:tnLst>
+      <p:par>
+        <p:cTn id="1" dur="indefinite" restart="never" nodeType="tmRoot"/>
+      </p:par>
+    </p:tnLst>
+  </p:timing>
 </p:sld>
 </file>
 
@@ -6360,6 +6402,13 @@
       <p:transition/>
     </mc:Fallback>
   </mc:AlternateContent>
+  <p:timing>
+    <p:tnLst>
+      <p:par>
+        <p:cTn id="1" dur="indefinite" restart="never" nodeType="tmRoot"/>
+      </p:par>
+    </p:tnLst>
+  </p:timing>
 </p:sld>
 </file>
 
@@ -6540,6 +6589,13 @@
       <p:transition/>
     </mc:Fallback>
   </mc:AlternateContent>
+  <p:timing>
+    <p:tnLst>
+      <p:par>
+        <p:cTn id="1" dur="indefinite" restart="never" nodeType="tmRoot"/>
+      </p:par>
+    </p:tnLst>
+  </p:timing>
 </p:sld>
 </file>
 
@@ -6708,6 +6764,13 @@
       <p:transition/>
     </mc:Fallback>
   </mc:AlternateContent>
+  <p:timing>
+    <p:tnLst>
+      <p:par>
+        <p:cTn id="1" dur="indefinite" restart="never" nodeType="tmRoot"/>
+      </p:par>
+    </p:tnLst>
+  </p:timing>
 </p:sld>
 </file>
 
@@ -6894,6 +6957,13 @@
       <p:transition/>
     </mc:Fallback>
   </mc:AlternateContent>
+  <p:timing>
+    <p:tnLst>
+      <p:par>
+        <p:cTn id="1" dur="indefinite" restart="never" nodeType="tmRoot"/>
+      </p:par>
+    </p:tnLst>
+  </p:timing>
 </p:sld>
 </file>
 
@@ -7158,6 +7228,13 @@
       <p:transition/>
     </mc:Fallback>
   </mc:AlternateContent>
+  <p:timing>
+    <p:tnLst>
+      <p:par>
+        <p:cTn id="1" dur="indefinite" restart="never" nodeType="tmRoot"/>
+      </p:par>
+    </p:tnLst>
+  </p:timing>
 </p:sld>
 </file>
 
@@ -7310,6 +7387,13 @@
       <p:transition/>
     </mc:Fallback>
   </mc:AlternateContent>
+  <p:timing>
+    <p:tnLst>
+      <p:par>
+        <p:cTn id="1" dur="indefinite" restart="never" nodeType="tmRoot"/>
+      </p:par>
+    </p:tnLst>
+  </p:timing>
 </p:sld>
 </file>
 
@@ -7490,6 +7574,13 @@
       <p:transition/>
     </mc:Fallback>
   </mc:AlternateContent>
+  <p:timing>
+    <p:tnLst>
+      <p:par>
+        <p:cTn id="1" dur="indefinite" restart="never" nodeType="tmRoot"/>
+      </p:par>
+    </p:tnLst>
+  </p:timing>
 </p:sld>
 </file>
 
@@ -8606,6 +8697,13 @@
       <p:transition/>
     </mc:Fallback>
   </mc:AlternateContent>
+  <p:timing>
+    <p:tnLst>
+      <p:par>
+        <p:cTn id="1" dur="indefinite" restart="never" nodeType="tmRoot"/>
+      </p:par>
+    </p:tnLst>
+  </p:timing>
 </p:sld>
 </file>
 
@@ -9134,6 +9232,13 @@
       <p:transition/>
     </mc:Fallback>
   </mc:AlternateContent>
+  <p:timing>
+    <p:tnLst>
+      <p:par>
+        <p:cTn id="1" dur="indefinite" restart="never" nodeType="tmRoot"/>
+      </p:par>
+    </p:tnLst>
+  </p:timing>
 </p:sld>
 </file>
 
@@ -9286,6 +9391,13 @@
       <p:transition/>
     </mc:Fallback>
   </mc:AlternateContent>
+  <p:timing>
+    <p:tnLst>
+      <p:par>
+        <p:cTn id="1" dur="indefinite" restart="never" nodeType="tmRoot"/>
+      </p:par>
+    </p:tnLst>
+  </p:timing>
 </p:sld>
 </file>
 
@@ -9647,6 +9759,13 @@
       <p:transition/>
     </mc:Fallback>
   </mc:AlternateContent>
+  <p:timing>
+    <p:tnLst>
+      <p:par>
+        <p:cTn id="1" dur="indefinite" restart="never" nodeType="tmRoot"/>
+      </p:par>
+    </p:tnLst>
+  </p:timing>
 </p:sld>
 </file>
 
@@ -9871,6 +9990,13 @@
       <p:transition/>
     </mc:Fallback>
   </mc:AlternateContent>
+  <p:timing>
+    <p:tnLst>
+      <p:par>
+        <p:cTn id="1" dur="indefinite" restart="never" nodeType="tmRoot"/>
+      </p:par>
+    </p:tnLst>
+  </p:timing>
 </p:sld>
 </file>
 
@@ -10508,6 +10634,13 @@
       <p:transition/>
     </mc:Fallback>
   </mc:AlternateContent>
+  <p:timing>
+    <p:tnLst>
+      <p:par>
+        <p:cTn id="1" dur="indefinite" restart="never" nodeType="tmRoot"/>
+      </p:par>
+    </p:tnLst>
+  </p:timing>
 </p:sld>
 </file>
 
@@ -10530,42 +10663,6 @@
       </p:grpSpPr>
       <p:sp>
         <p:nvSpPr>
-          <p:cNvPr id="3" name="Espace réservé du contenu 2"/>
-          <p:cNvSpPr>
-            <a:spLocks noGrp="1"/>
-          </p:cNvSpPr>
-          <p:nvPr>
-            <p:ph idx="13"/>
-          </p:nvPr>
-        </p:nvSpPr>
-        <p:spPr>
-          <a:xfrm>
-            <a:off x="1763688" y="1844824"/>
-            <a:ext cx="5349280" cy="2062935"/>
-          </a:xfrm>
-        </p:spPr>
-        <p:txBody>
-          <a:bodyPr>
-            <a:normAutofit/>
-          </a:bodyPr>
-          <a:lstStyle/>
-          <a:p>
-            <a:pPr marL="0" indent="0" algn="ctr">
-              <a:buNone/>
-            </a:pPr>
-            <a:r>
-              <a:rPr lang="fr-FR" b="1" i="1" dirty="0">
-                <a:solidFill>
-                  <a:srgbClr val="D60037"/>
-                </a:solidFill>
-              </a:rPr>
-              <a:t>Schéma dispositif</a:t>
-            </a:r>
-          </a:p>
-        </p:txBody>
-      </p:sp>
-      <p:sp>
-        <p:nvSpPr>
           <p:cNvPr id="4" name="Espace réservé de la date 3"/>
           <p:cNvSpPr>
             <a:spLocks noGrp="1"/>
@@ -10658,6 +10755,388 @@
               <a:rPr lang="fr-FR" sz="3600" dirty="0"/>
               <a:t>Architecture / technologies</a:t>
             </a:r>
+          </a:p>
+        </p:txBody>
+      </p:sp>
+      <p:pic>
+        <p:nvPicPr>
+          <p:cNvPr id="7" name="Image 6"/>
+          <p:cNvPicPr>
+            <a:picLocks noChangeAspect="1"/>
+          </p:cNvPicPr>
+          <p:nvPr/>
+        </p:nvPicPr>
+        <p:blipFill>
+          <a:blip r:embed="rId2" cstate="email">
+            <a:extLst>
+              <a:ext uri="{28A0092B-C50C-407E-A947-70E740481C1C}">
+                <a14:useLocalDpi xmlns:a14="http://schemas.microsoft.com/office/drawing/2010/main" val="0"/>
+              </a:ext>
+            </a:extLst>
+          </a:blip>
+          <a:stretch>
+            <a:fillRect/>
+          </a:stretch>
+        </p:blipFill>
+        <p:spPr>
+          <a:xfrm>
+            <a:off x="454325" y="2371228"/>
+            <a:ext cx="1590352" cy="1955593"/>
+          </a:xfrm>
+          <a:prstGeom prst="rect">
+            <a:avLst/>
+          </a:prstGeom>
+        </p:spPr>
+      </p:pic>
+      <p:pic>
+        <p:nvPicPr>
+          <p:cNvPr id="14" name="Image 13"/>
+          <p:cNvPicPr>
+            <a:picLocks noChangeAspect="1"/>
+          </p:cNvPicPr>
+          <p:nvPr/>
+        </p:nvPicPr>
+        <p:blipFill>
+          <a:blip r:embed="rId3" cstate="email">
+            <a:extLst>
+              <a:ext uri="{28A0092B-C50C-407E-A947-70E740481C1C}">
+                <a14:useLocalDpi xmlns:a14="http://schemas.microsoft.com/office/drawing/2010/main" val="0"/>
+              </a:ext>
+            </a:extLst>
+          </a:blip>
+          <a:stretch>
+            <a:fillRect/>
+          </a:stretch>
+        </p:blipFill>
+        <p:spPr>
+          <a:xfrm>
+            <a:off x="1035781" y="3645024"/>
+            <a:ext cx="976437" cy="271021"/>
+          </a:xfrm>
+          <a:prstGeom prst="rect">
+            <a:avLst/>
+          </a:prstGeom>
+        </p:spPr>
+      </p:pic>
+      <p:pic>
+        <p:nvPicPr>
+          <p:cNvPr id="15" name="Image 14"/>
+          <p:cNvPicPr>
+            <a:picLocks noChangeAspect="1"/>
+          </p:cNvPicPr>
+          <p:nvPr/>
+        </p:nvPicPr>
+        <p:blipFill>
+          <a:blip r:embed="rId4" cstate="email">
+            <a:extLst>
+              <a:ext uri="{28A0092B-C50C-407E-A947-70E740481C1C}">
+                <a14:useLocalDpi xmlns:a14="http://schemas.microsoft.com/office/drawing/2010/main" val="0"/>
+              </a:ext>
+            </a:extLst>
+          </a:blip>
+          <a:stretch>
+            <a:fillRect/>
+          </a:stretch>
+        </p:blipFill>
+        <p:spPr>
+          <a:xfrm>
+            <a:off x="11435" y="4326821"/>
+            <a:ext cx="1071522" cy="803642"/>
+          </a:xfrm>
+          <a:prstGeom prst="rect">
+            <a:avLst/>
+          </a:prstGeom>
+        </p:spPr>
+      </p:pic>
+      <p:pic>
+        <p:nvPicPr>
+          <p:cNvPr id="16" name="Image 15"/>
+          <p:cNvPicPr>
+            <a:picLocks noChangeAspect="1"/>
+          </p:cNvPicPr>
+          <p:nvPr/>
+        </p:nvPicPr>
+        <p:blipFill>
+          <a:blip r:embed="rId5" cstate="email">
+            <a:extLst>
+              <a:ext uri="{28A0092B-C50C-407E-A947-70E740481C1C}">
+                <a14:useLocalDpi xmlns:a14="http://schemas.microsoft.com/office/drawing/2010/main" val="0"/>
+              </a:ext>
+            </a:extLst>
+          </a:blip>
+          <a:stretch>
+            <a:fillRect/>
+          </a:stretch>
+        </p:blipFill>
+        <p:spPr>
+          <a:xfrm>
+            <a:off x="6019799" y="1548840"/>
+            <a:ext cx="1694681" cy="1320354"/>
+          </a:xfrm>
+          <a:prstGeom prst="rect">
+            <a:avLst/>
+          </a:prstGeom>
+        </p:spPr>
+      </p:pic>
+      <p:pic>
+        <p:nvPicPr>
+          <p:cNvPr id="17" name="Image 16"/>
+          <p:cNvPicPr>
+            <a:picLocks noChangeAspect="1"/>
+          </p:cNvPicPr>
+          <p:nvPr/>
+        </p:nvPicPr>
+        <p:blipFill>
+          <a:blip r:embed="rId6" cstate="email">
+            <a:extLst>
+              <a:ext uri="{28A0092B-C50C-407E-A947-70E740481C1C}">
+                <a14:useLocalDpi xmlns:a14="http://schemas.microsoft.com/office/drawing/2010/main" val="0"/>
+              </a:ext>
+            </a:extLst>
+          </a:blip>
+          <a:stretch>
+            <a:fillRect/>
+          </a:stretch>
+        </p:blipFill>
+        <p:spPr>
+          <a:xfrm>
+            <a:off x="6019800" y="4077072"/>
+            <a:ext cx="1694681" cy="1694681"/>
+          </a:xfrm>
+          <a:prstGeom prst="rect">
+            <a:avLst/>
+          </a:prstGeom>
+        </p:spPr>
+      </p:pic>
+      <p:cxnSp>
+        <p:nvCxnSpPr>
+          <p:cNvPr id="18" name="Connecteur droit avec flèche 17"/>
+          <p:cNvCxnSpPr>
+            <a:cxnSpLocks/>
+            <a:endCxn id="16" idx="1"/>
+          </p:cNvCxnSpPr>
+          <p:nvPr/>
+        </p:nvCxnSpPr>
+        <p:spPr>
+          <a:xfrm flipV="1">
+            <a:off x="2267744" y="2209017"/>
+            <a:ext cx="3752055" cy="660177"/>
+          </a:xfrm>
+          <a:prstGeom prst="straightConnector1">
+            <a:avLst/>
+          </a:prstGeom>
+          <a:ln w="38100">
+            <a:solidFill>
+              <a:schemeClr val="bg1"/>
+            </a:solidFill>
+            <a:tailEnd type="triangle"/>
+          </a:ln>
+        </p:spPr>
+        <p:style>
+          <a:lnRef idx="1">
+            <a:schemeClr val="accent1"/>
+          </a:lnRef>
+          <a:fillRef idx="0">
+            <a:schemeClr val="accent1"/>
+          </a:fillRef>
+          <a:effectRef idx="0">
+            <a:schemeClr val="accent1"/>
+          </a:effectRef>
+          <a:fontRef idx="minor">
+            <a:schemeClr val="tx1"/>
+          </a:fontRef>
+        </p:style>
+      </p:cxnSp>
+      <p:cxnSp>
+        <p:nvCxnSpPr>
+          <p:cNvPr id="23" name="Connecteur droit avec flèche 22"/>
+          <p:cNvCxnSpPr>
+            <a:cxnSpLocks/>
+            <a:endCxn id="17" idx="1"/>
+          </p:cNvCxnSpPr>
+          <p:nvPr/>
+        </p:nvCxnSpPr>
+        <p:spPr>
+          <a:xfrm>
+            <a:off x="2195736" y="3916045"/>
+            <a:ext cx="3824064" cy="1008368"/>
+          </a:xfrm>
+          <a:prstGeom prst="straightConnector1">
+            <a:avLst/>
+          </a:prstGeom>
+          <a:ln w="38100">
+            <a:solidFill>
+              <a:schemeClr val="bg1"/>
+            </a:solidFill>
+            <a:tailEnd type="triangle"/>
+          </a:ln>
+        </p:spPr>
+        <p:style>
+          <a:lnRef idx="1">
+            <a:schemeClr val="accent1"/>
+          </a:lnRef>
+          <a:fillRef idx="0">
+            <a:schemeClr val="accent1"/>
+          </a:fillRef>
+          <a:effectRef idx="0">
+            <a:schemeClr val="accent1"/>
+          </a:effectRef>
+          <a:fontRef idx="minor">
+            <a:schemeClr val="tx1"/>
+          </a:fontRef>
+        </p:style>
+      </p:cxnSp>
+      <p:pic>
+        <p:nvPicPr>
+          <p:cNvPr id="26" name="Image 25"/>
+          <p:cNvPicPr>
+            <a:picLocks noChangeAspect="1"/>
+          </p:cNvPicPr>
+          <p:nvPr/>
+        </p:nvPicPr>
+        <p:blipFill>
+          <a:blip r:embed="rId7" cstate="email">
+            <a:extLst>
+              <a:ext uri="{28A0092B-C50C-407E-A947-70E740481C1C}">
+                <a14:useLocalDpi xmlns:a14="http://schemas.microsoft.com/office/drawing/2010/main" val="0"/>
+              </a:ext>
+            </a:extLst>
+          </a:blip>
+          <a:stretch>
+            <a:fillRect/>
+          </a:stretch>
+        </p:blipFill>
+        <p:spPr>
+          <a:xfrm>
+            <a:off x="783028" y="4318584"/>
+            <a:ext cx="1704539" cy="881198"/>
+          </a:xfrm>
+          <a:prstGeom prst="rect">
+            <a:avLst/>
+          </a:prstGeom>
+        </p:spPr>
+      </p:pic>
+      <p:pic>
+        <p:nvPicPr>
+          <p:cNvPr id="27" name="Image 26"/>
+          <p:cNvPicPr>
+            <a:picLocks noChangeAspect="1"/>
+          </p:cNvPicPr>
+          <p:nvPr/>
+        </p:nvPicPr>
+        <p:blipFill>
+          <a:blip r:embed="rId8" cstate="email">
+            <a:extLst>
+              <a:ext uri="{28A0092B-C50C-407E-A947-70E740481C1C}">
+                <a14:useLocalDpi xmlns:a14="http://schemas.microsoft.com/office/drawing/2010/main" val="0"/>
+              </a:ext>
+            </a:extLst>
+          </a:blip>
+          <a:stretch>
+            <a:fillRect/>
+          </a:stretch>
+        </p:blipFill>
+        <p:spPr>
+          <a:xfrm>
+            <a:off x="6156176" y="2636704"/>
+            <a:ext cx="1660453" cy="603089"/>
+          </a:xfrm>
+          <a:prstGeom prst="rect">
+            <a:avLst/>
+          </a:prstGeom>
+        </p:spPr>
+      </p:pic>
+      <p:sp>
+        <p:nvSpPr>
+          <p:cNvPr id="28" name="ZoneTexte 27"/>
+          <p:cNvSpPr txBox="1"/>
+          <p:nvPr/>
+        </p:nvSpPr>
+        <p:spPr>
+          <a:xfrm>
+            <a:off x="3419872" y="2132856"/>
+            <a:ext cx="800219" cy="369332"/>
+          </a:xfrm>
+          <a:prstGeom prst="rect">
+            <a:avLst/>
+          </a:prstGeom>
+          <a:noFill/>
+        </p:spPr>
+        <p:txBody>
+          <a:bodyPr wrap="none" rtlCol="0">
+            <a:spAutoFit/>
+          </a:bodyPr>
+          <a:lstStyle/>
+          <a:p>
+            <a:r>
+              <a:rPr lang="fr-FR" dirty="0" smtClean="0">
+                <a:solidFill>
+                  <a:schemeClr val="bg2">
+                    <a:lumMod val="50000"/>
+                  </a:schemeClr>
+                </a:solidFill>
+              </a:rPr>
+              <a:t>REST</a:t>
+            </a:r>
+            <a:endParaRPr lang="fr-FR" dirty="0">
+              <a:solidFill>
+                <a:schemeClr val="bg2">
+                  <a:lumMod val="50000"/>
+                </a:schemeClr>
+              </a:solidFill>
+            </a:endParaRPr>
+          </a:p>
+        </p:txBody>
+      </p:sp>
+      <p:sp>
+        <p:nvSpPr>
+          <p:cNvPr id="30" name="ZoneTexte 29"/>
+          <p:cNvSpPr txBox="1"/>
+          <p:nvPr/>
+        </p:nvSpPr>
+        <p:spPr>
+          <a:xfrm>
+            <a:off x="3362249" y="4555080"/>
+            <a:ext cx="1428596" cy="369332"/>
+          </a:xfrm>
+          <a:prstGeom prst="rect">
+            <a:avLst/>
+          </a:prstGeom>
+          <a:noFill/>
+        </p:spPr>
+        <p:txBody>
+          <a:bodyPr wrap="none" rtlCol="0">
+            <a:spAutoFit/>
+          </a:bodyPr>
+          <a:lstStyle/>
+          <a:p>
+            <a:r>
+              <a:rPr lang="fr-FR" dirty="0" err="1" smtClean="0">
+                <a:solidFill>
+                  <a:schemeClr val="bg2">
+                    <a:lumMod val="50000"/>
+                  </a:schemeClr>
+                </a:solidFill>
+              </a:rPr>
+              <a:t>Spring</a:t>
+            </a:r>
+            <a:r>
+              <a:rPr lang="fr-FR" dirty="0" smtClean="0">
+                <a:solidFill>
+                  <a:schemeClr val="bg2">
+                    <a:lumMod val="50000"/>
+                  </a:schemeClr>
+                </a:solidFill>
+              </a:rPr>
+              <a:t> MVC</a:t>
+            </a:r>
+            <a:endParaRPr lang="fr-FR" dirty="0">
+              <a:solidFill>
+                <a:schemeClr val="bg2">
+                  <a:lumMod val="50000"/>
+                </a:schemeClr>
+              </a:solidFill>
+            </a:endParaRPr>
           </a:p>
         </p:txBody>
       </p:sp>
@@ -10679,6 +11158,265 @@
       <p:transition/>
     </mc:Fallback>
   </mc:AlternateContent>
+  <p:timing>
+    <p:tnLst>
+      <p:par>
+        <p:cTn id="1" dur="indefinite" restart="never" nodeType="tmRoot">
+          <p:childTnLst>
+            <p:seq concurrent="1" nextAc="seek">
+              <p:cTn id="2" dur="indefinite" nodeType="mainSeq">
+                <p:childTnLst>
+                  <p:par>
+                    <p:cTn id="3" fill="hold">
+                      <p:stCondLst>
+                        <p:cond delay="indefinite"/>
+                      </p:stCondLst>
+                      <p:childTnLst>
+                        <p:par>
+                          <p:cTn id="4" fill="hold">
+                            <p:stCondLst>
+                              <p:cond delay="0"/>
+                            </p:stCondLst>
+                            <p:childTnLst>
+                              <p:par>
+                                <p:cTn id="5" presetID="1" presetClass="entr" presetSubtype="0" fill="hold" nodeType="clickEffect">
+                                  <p:stCondLst>
+                                    <p:cond delay="0"/>
+                                  </p:stCondLst>
+                                  <p:childTnLst>
+                                    <p:set>
+                                      <p:cBhvr>
+                                        <p:cTn id="6" dur="1" fill="hold">
+                                          <p:stCondLst>
+                                            <p:cond delay="0"/>
+                                          </p:stCondLst>
+                                        </p:cTn>
+                                        <p:tgtEl>
+                                          <p:spTgt spid="27"/>
+                                        </p:tgtEl>
+                                        <p:attrNameLst>
+                                          <p:attrName>style.visibility</p:attrName>
+                                        </p:attrNameLst>
+                                      </p:cBhvr>
+                                      <p:to>
+                                        <p:strVal val="visible"/>
+                                      </p:to>
+                                    </p:set>
+                                  </p:childTnLst>
+                                </p:cTn>
+                              </p:par>
+                              <p:par>
+                                <p:cTn id="7" presetID="1" presetClass="entr" presetSubtype="0" fill="hold" grpId="0" nodeType="withEffect">
+                                  <p:stCondLst>
+                                    <p:cond delay="0"/>
+                                  </p:stCondLst>
+                                  <p:childTnLst>
+                                    <p:set>
+                                      <p:cBhvr>
+                                        <p:cTn id="8" dur="1" fill="hold">
+                                          <p:stCondLst>
+                                            <p:cond delay="0"/>
+                                          </p:stCondLst>
+                                        </p:cTn>
+                                        <p:tgtEl>
+                                          <p:spTgt spid="28"/>
+                                        </p:tgtEl>
+                                        <p:attrNameLst>
+                                          <p:attrName>style.visibility</p:attrName>
+                                        </p:attrNameLst>
+                                      </p:cBhvr>
+                                      <p:to>
+                                        <p:strVal val="visible"/>
+                                      </p:to>
+                                    </p:set>
+                                  </p:childTnLst>
+                                </p:cTn>
+                              </p:par>
+                              <p:par>
+                                <p:cTn id="9" presetID="1" presetClass="entr" presetSubtype="0" fill="hold" nodeType="withEffect">
+                                  <p:stCondLst>
+                                    <p:cond delay="0"/>
+                                  </p:stCondLst>
+                                  <p:childTnLst>
+                                    <p:set>
+                                      <p:cBhvr>
+                                        <p:cTn id="10" dur="1" fill="hold">
+                                          <p:stCondLst>
+                                            <p:cond delay="0"/>
+                                          </p:stCondLst>
+                                        </p:cTn>
+                                        <p:tgtEl>
+                                          <p:spTgt spid="16"/>
+                                        </p:tgtEl>
+                                        <p:attrNameLst>
+                                          <p:attrName>style.visibility</p:attrName>
+                                        </p:attrNameLst>
+                                      </p:cBhvr>
+                                      <p:to>
+                                        <p:strVal val="visible"/>
+                                      </p:to>
+                                    </p:set>
+                                  </p:childTnLst>
+                                </p:cTn>
+                              </p:par>
+                              <p:par>
+                                <p:cTn id="11" presetID="1" presetClass="entr" presetSubtype="0" fill="hold" nodeType="withEffect">
+                                  <p:stCondLst>
+                                    <p:cond delay="0"/>
+                                  </p:stCondLst>
+                                  <p:childTnLst>
+                                    <p:set>
+                                      <p:cBhvr>
+                                        <p:cTn id="12" dur="1" fill="hold">
+                                          <p:stCondLst>
+                                            <p:cond delay="0"/>
+                                          </p:stCondLst>
+                                        </p:cTn>
+                                        <p:tgtEl>
+                                          <p:spTgt spid="18"/>
+                                        </p:tgtEl>
+                                        <p:attrNameLst>
+                                          <p:attrName>style.visibility</p:attrName>
+                                        </p:attrNameLst>
+                                      </p:cBhvr>
+                                      <p:to>
+                                        <p:strVal val="visible"/>
+                                      </p:to>
+                                    </p:set>
+                                  </p:childTnLst>
+                                </p:cTn>
+                              </p:par>
+                            </p:childTnLst>
+                          </p:cTn>
+                        </p:par>
+                      </p:childTnLst>
+                    </p:cTn>
+                  </p:par>
+                  <p:par>
+                    <p:cTn id="13" fill="hold">
+                      <p:stCondLst>
+                        <p:cond delay="indefinite"/>
+                      </p:stCondLst>
+                      <p:childTnLst>
+                        <p:par>
+                          <p:cTn id="14" fill="hold">
+                            <p:stCondLst>
+                              <p:cond delay="0"/>
+                            </p:stCondLst>
+                            <p:childTnLst>
+                              <p:par>
+                                <p:cTn id="15" presetID="1" presetClass="entr" presetSubtype="0" fill="hold" nodeType="clickEffect">
+                                  <p:stCondLst>
+                                    <p:cond delay="0"/>
+                                  </p:stCondLst>
+                                  <p:childTnLst>
+                                    <p:set>
+                                      <p:cBhvr>
+                                        <p:cTn id="16" dur="1" fill="hold">
+                                          <p:stCondLst>
+                                            <p:cond delay="0"/>
+                                          </p:stCondLst>
+                                        </p:cTn>
+                                        <p:tgtEl>
+                                          <p:spTgt spid="23"/>
+                                        </p:tgtEl>
+                                        <p:attrNameLst>
+                                          <p:attrName>style.visibility</p:attrName>
+                                        </p:attrNameLst>
+                                      </p:cBhvr>
+                                      <p:to>
+                                        <p:strVal val="visible"/>
+                                      </p:to>
+                                    </p:set>
+                                  </p:childTnLst>
+                                </p:cTn>
+                              </p:par>
+                              <p:par>
+                                <p:cTn id="17" presetID="1" presetClass="entr" presetSubtype="0" fill="hold" grpId="0" nodeType="withEffect">
+                                  <p:stCondLst>
+                                    <p:cond delay="0"/>
+                                  </p:stCondLst>
+                                  <p:childTnLst>
+                                    <p:set>
+                                      <p:cBhvr>
+                                        <p:cTn id="18" dur="1" fill="hold">
+                                          <p:stCondLst>
+                                            <p:cond delay="0"/>
+                                          </p:stCondLst>
+                                        </p:cTn>
+                                        <p:tgtEl>
+                                          <p:spTgt spid="30"/>
+                                        </p:tgtEl>
+                                        <p:attrNameLst>
+                                          <p:attrName>style.visibility</p:attrName>
+                                        </p:attrNameLst>
+                                      </p:cBhvr>
+                                      <p:to>
+                                        <p:strVal val="visible"/>
+                                      </p:to>
+                                    </p:set>
+                                  </p:childTnLst>
+                                </p:cTn>
+                              </p:par>
+                              <p:par>
+                                <p:cTn id="19" presetID="1" presetClass="entr" presetSubtype="0" fill="hold" nodeType="withEffect">
+                                  <p:stCondLst>
+                                    <p:cond delay="0"/>
+                                  </p:stCondLst>
+                                  <p:childTnLst>
+                                    <p:set>
+                                      <p:cBhvr>
+                                        <p:cTn id="20" dur="1" fill="hold">
+                                          <p:stCondLst>
+                                            <p:cond delay="0"/>
+                                          </p:stCondLst>
+                                        </p:cTn>
+                                        <p:tgtEl>
+                                          <p:spTgt spid="17"/>
+                                        </p:tgtEl>
+                                        <p:attrNameLst>
+                                          <p:attrName>style.visibility</p:attrName>
+                                        </p:attrNameLst>
+                                      </p:cBhvr>
+                                      <p:to>
+                                        <p:strVal val="visible"/>
+                                      </p:to>
+                                    </p:set>
+                                  </p:childTnLst>
+                                </p:cTn>
+                              </p:par>
+                            </p:childTnLst>
+                          </p:cTn>
+                        </p:par>
+                      </p:childTnLst>
+                    </p:cTn>
+                  </p:par>
+                </p:childTnLst>
+              </p:cTn>
+              <p:prevCondLst>
+                <p:cond evt="onPrev" delay="0">
+                  <p:tgtEl>
+                    <p:sldTgt/>
+                  </p:tgtEl>
+                </p:cond>
+              </p:prevCondLst>
+              <p:nextCondLst>
+                <p:cond evt="onNext" delay="0">
+                  <p:tgtEl>
+                    <p:sldTgt/>
+                  </p:tgtEl>
+                </p:cond>
+              </p:nextCondLst>
+            </p:seq>
+          </p:childTnLst>
+        </p:cTn>
+      </p:par>
+    </p:tnLst>
+    <p:bldLst>
+      <p:bldP spid="28" grpId="0"/>
+      <p:bldP spid="30" grpId="0"/>
+    </p:bldLst>
+  </p:timing>
 </p:sld>
 </file>
 

--- a/PPT Gastronome Gourmand.pptx
+++ b/PPT Gastronome Gourmand.pptx
@@ -21,10 +21,10 @@
     <p:sldId id="271" r:id="rId10"/>
     <p:sldId id="274" r:id="rId11"/>
     <p:sldId id="263" r:id="rId12"/>
-    <p:sldId id="261" r:id="rId13"/>
+    <p:sldId id="275" r:id="rId13"/>
     <p:sldId id="276" r:id="rId14"/>
-    <p:sldId id="275" r:id="rId15"/>
-    <p:sldId id="277" r:id="rId16"/>
+    <p:sldId id="277" r:id="rId15"/>
+    <p:sldId id="282" r:id="rId16"/>
     <p:sldId id="278" r:id="rId17"/>
     <p:sldId id="265" r:id="rId18"/>
     <p:sldId id="280" r:id="rId19"/>
@@ -151,10 +151,10 @@
             <p14:sldId id="271"/>
             <p14:sldId id="274"/>
             <p14:sldId id="263"/>
-            <p14:sldId id="261"/>
+            <p14:sldId id="275"/>
             <p14:sldId id="276"/>
-            <p14:sldId id="275"/>
             <p14:sldId id="277"/>
+            <p14:sldId id="282"/>
             <p14:sldId id="278"/>
             <p14:sldId id="265"/>
             <p14:sldId id="280"/>
@@ -5421,24 +5421,18 @@
             <p:ph type="title"/>
           </p:nvPr>
         </p:nvSpPr>
-        <p:spPr>
-          <a:xfrm>
-            <a:off x="2876737" y="1732702"/>
-            <a:ext cx="5707360" cy="1970046"/>
-          </a:xfrm>
-        </p:spPr>
+        <p:spPr/>
         <p:txBody>
           <a:bodyPr/>
           <a:lstStyle/>
           <a:p>
-            <a:pPr algn="ctr"/>
             <a:r>
               <a:rPr lang="fr-FR" dirty="0">
                 <a:solidFill>
-                  <a:srgbClr val="C00000"/>
+                  <a:srgbClr val="00B0F0"/>
                 </a:solidFill>
               </a:rPr>
-              <a:t>Applications Web et Android</a:t>
+              <a:t>Application Web</a:t>
             </a:r>
           </a:p>
         </p:txBody>
@@ -5460,7 +5454,7 @@
           <a:p>
             <a:r>
               <a:rPr lang="fr-FR" dirty="0"/>
-              <a:t>Interface utilisateur</a:t>
+              <a:t>Interface utilisateur pour le site web de réservation</a:t>
             </a:r>
           </a:p>
         </p:txBody>
@@ -5535,10 +5529,34 @@
           </a:p>
         </p:txBody>
       </p:sp>
+      <p:pic>
+        <p:nvPicPr>
+          <p:cNvPr id="7" name="Image 6"/>
+          <p:cNvPicPr>
+            <a:picLocks noChangeAspect="1"/>
+          </p:cNvPicPr>
+          <p:nvPr/>
+        </p:nvPicPr>
+        <p:blipFill>
+          <a:blip r:embed="rId2"/>
+          <a:stretch>
+            <a:fillRect/>
+          </a:stretch>
+        </p:blipFill>
+        <p:spPr>
+          <a:xfrm>
+            <a:off x="611560" y="1624000"/>
+            <a:ext cx="2143125" cy="2133600"/>
+          </a:xfrm>
+          <a:prstGeom prst="rect">
+            <a:avLst/>
+          </a:prstGeom>
+        </p:spPr>
+      </p:pic>
     </p:spTree>
     <p:extLst>
       <p:ext uri="{BB962C8B-B14F-4D97-AF65-F5344CB8AC3E}">
-        <p14:creationId xmlns:p14="http://schemas.microsoft.com/office/powerpoint/2010/main" val="2969700045"/>
+        <p14:creationId xmlns:p14="http://schemas.microsoft.com/office/powerpoint/2010/main" val="1207549664"/>
       </p:ext>
     </p:extLst>
   </p:cSld>
@@ -5853,24 +5871,49 @@
           <a:lstStyle/>
           <a:p>
             <a:r>
-              <a:rPr lang="fr-FR" dirty="0">
-                <a:solidFill>
-                  <a:srgbClr val="00B0F0"/>
-                </a:solidFill>
-              </a:rPr>
-              <a:t>Application Web</a:t>
-            </a:r>
-          </a:p>
-        </p:txBody>
-      </p:sp>
-      <p:sp>
-        <p:nvSpPr>
-          <p:cNvPr id="3" name="Espace réservé du texte 2"/>
-          <p:cNvSpPr>
-            <a:spLocks noGrp="1"/>
-          </p:cNvSpPr>
-          <p:nvPr>
-            <p:ph type="body" idx="1"/>
+              <a:rPr lang="fr-FR" dirty="0"/>
+              <a:t>Application web</a:t>
+            </a:r>
+          </a:p>
+        </p:txBody>
+      </p:sp>
+      <p:pic>
+        <p:nvPicPr>
+          <p:cNvPr id="7" name="Espace réservé du contenu 6"/>
+          <p:cNvPicPr>
+            <a:picLocks noGrp="1" noChangeAspect="1"/>
+          </p:cNvPicPr>
+          <p:nvPr>
+            <p:ph idx="13"/>
+          </p:nvPr>
+        </p:nvPicPr>
+        <p:blipFill>
+          <a:blip r:embed="rId2" cstate="email">
+            <a:extLst>
+              <a:ext uri="{28A0092B-C50C-407E-A947-70E740481C1C}">
+                <a14:useLocalDpi xmlns:a14="http://schemas.microsoft.com/office/drawing/2010/main" val="0"/>
+              </a:ext>
+            </a:extLst>
+          </a:blip>
+          <a:stretch>
+            <a:fillRect/>
+          </a:stretch>
+        </p:blipFill>
+        <p:spPr>
+          <a:xfrm>
+            <a:off x="485265" y="1196752"/>
+            <a:ext cx="8428158" cy="4896544"/>
+          </a:xfrm>
+        </p:spPr>
+      </p:pic>
+      <p:sp>
+        <p:nvSpPr>
+          <p:cNvPr id="4" name="Espace réservé de la date 3"/>
+          <p:cNvSpPr>
+            <a:spLocks noGrp="1"/>
+          </p:cNvSpPr>
+          <p:nvPr>
+            <p:ph type="dt" sz="half" idx="2"/>
           </p:nvPr>
         </p:nvSpPr>
         <p:spPr/>
@@ -5878,29 +5921,7 @@
           <a:bodyPr/>
           <a:lstStyle/>
           <a:p>
-            <a:r>
-              <a:rPr lang="fr-FR" dirty="0"/>
-              <a:t>Interface utilisateur pour le site web de réservation</a:t>
-            </a:r>
-          </a:p>
-        </p:txBody>
-      </p:sp>
-      <p:sp>
-        <p:nvSpPr>
-          <p:cNvPr id="4" name="Espace réservé de la date 3"/>
-          <p:cNvSpPr>
-            <a:spLocks noGrp="1"/>
-          </p:cNvSpPr>
-          <p:nvPr>
-            <p:ph type="dt" sz="half" idx="2"/>
-          </p:nvPr>
-        </p:nvSpPr>
-        <p:spPr/>
-        <p:txBody>
-          <a:bodyPr/>
-          <a:lstStyle/>
-          <a:p>
-            <a:fld id="{36FB04EA-70E2-4264-A28E-FA7178E4CC52}" type="datetime1">
+            <a:fld id="{F52375F6-F57F-4D87-9DE9-B294442EBB55}" type="datetime1">
               <a:rPr lang="fr-FR" smtClean="0"/>
               <a:t>21/04/2017</a:t>
             </a:fld>
@@ -5957,22 +5978,22 @@
       </p:sp>
       <p:pic>
         <p:nvPicPr>
-          <p:cNvPr id="7" name="Image 6"/>
+          <p:cNvPr id="10" name="Image 9"/>
           <p:cNvPicPr>
             <a:picLocks noChangeAspect="1"/>
           </p:cNvPicPr>
           <p:nvPr/>
         </p:nvPicPr>
         <p:blipFill>
-          <a:blip r:embed="rId2"/>
+          <a:blip r:embed="rId3"/>
           <a:stretch>
             <a:fillRect/>
           </a:stretch>
         </p:blipFill>
         <p:spPr>
           <a:xfrm>
-            <a:off x="611560" y="1624000"/>
-            <a:ext cx="2143125" cy="2133600"/>
+            <a:off x="7861419" y="1844824"/>
+            <a:ext cx="1282581" cy="927224"/>
           </a:xfrm>
           <a:prstGeom prst="rect">
             <a:avLst/>
@@ -5982,7 +6003,7 @@
     </p:spTree>
     <p:extLst>
       <p:ext uri="{BB962C8B-B14F-4D97-AF65-F5344CB8AC3E}">
-        <p14:creationId xmlns:p14="http://schemas.microsoft.com/office/powerpoint/2010/main" val="1207549664"/>
+        <p14:creationId xmlns:p14="http://schemas.microsoft.com/office/powerpoint/2010/main" val="955936984"/>
       </p:ext>
     </p:extLst>
   </p:cSld>
@@ -6039,35 +6060,6 @@
           </a:p>
         </p:txBody>
       </p:sp>
-      <p:pic>
-        <p:nvPicPr>
-          <p:cNvPr id="7" name="Espace réservé du contenu 6"/>
-          <p:cNvPicPr>
-            <a:picLocks noGrp="1" noChangeAspect="1"/>
-          </p:cNvPicPr>
-          <p:nvPr>
-            <p:ph idx="13"/>
-          </p:nvPr>
-        </p:nvPicPr>
-        <p:blipFill>
-          <a:blip r:embed="rId2" cstate="email">
-            <a:extLst>
-              <a:ext uri="{28A0092B-C50C-407E-A947-70E740481C1C}">
-                <a14:useLocalDpi xmlns:a14="http://schemas.microsoft.com/office/drawing/2010/main" val="0"/>
-              </a:ext>
-            </a:extLst>
-          </a:blip>
-          <a:stretch>
-            <a:fillRect/>
-          </a:stretch>
-        </p:blipFill>
-        <p:spPr>
-          <a:xfrm>
-            <a:off x="485265" y="1196752"/>
-            <a:ext cx="8428158" cy="4896544"/>
-          </a:xfrm>
-        </p:spPr>
-      </p:pic>
       <p:sp>
         <p:nvSpPr>
           <p:cNvPr id="4" name="Espace réservé de la date 3"/>
@@ -6147,7 +6139,7 @@
           <p:nvPr/>
         </p:nvPicPr>
         <p:blipFill>
-          <a:blip r:embed="rId3"/>
+          <a:blip r:embed="rId2"/>
           <a:stretch>
             <a:fillRect/>
           </a:stretch>
@@ -6162,10 +6154,33 @@
           </a:prstGeom>
         </p:spPr>
       </p:pic>
+      <p:sp>
+        <p:nvSpPr>
+          <p:cNvPr id="3" name="Espace réservé du contenu 2"/>
+          <p:cNvSpPr>
+            <a:spLocks noGrp="1"/>
+          </p:cNvSpPr>
+          <p:nvPr>
+            <p:ph idx="13"/>
+          </p:nvPr>
+        </p:nvSpPr>
+        <p:spPr/>
+        <p:txBody>
+          <a:bodyPr/>
+          <a:lstStyle/>
+          <a:p>
+            <a:r>
+              <a:rPr lang="fr-FR" smtClean="0"/>
+              <a:t>elasticsearch</a:t>
+            </a:r>
+            <a:endParaRPr lang="fr-FR"/>
+          </a:p>
+        </p:txBody>
+      </p:sp>
     </p:spTree>
     <p:extLst>
       <p:ext uri="{BB962C8B-B14F-4D97-AF65-F5344CB8AC3E}">
-        <p14:creationId xmlns:p14="http://schemas.microsoft.com/office/powerpoint/2010/main" val="955936984"/>
+        <p14:creationId xmlns:p14="http://schemas.microsoft.com/office/powerpoint/2010/main" val="1584739776"/>
       </p:ext>
     </p:extLst>
   </p:cSld>

--- a/PPT Gastronome Gourmand.pptx
+++ b/PPT Gastronome Gourmand.pptx
@@ -19,7 +19,7 @@
     <p:sldId id="262" r:id="rId8"/>
     <p:sldId id="272" r:id="rId9"/>
     <p:sldId id="271" r:id="rId10"/>
-    <p:sldId id="274" r:id="rId11"/>
+    <p:sldId id="283" r:id="rId11"/>
     <p:sldId id="263" r:id="rId12"/>
     <p:sldId id="275" r:id="rId13"/>
     <p:sldId id="276" r:id="rId14"/>
@@ -149,7 +149,7 @@
             <p14:sldId id="262"/>
             <p14:sldId id="272"/>
             <p14:sldId id="271"/>
-            <p14:sldId id="274"/>
+            <p14:sldId id="283"/>
             <p14:sldId id="263"/>
             <p14:sldId id="275"/>
             <p14:sldId id="276"/>
@@ -10545,42 +10545,6 @@
       </p:grpSpPr>
       <p:sp>
         <p:nvSpPr>
-          <p:cNvPr id="3" name="Espace réservé du contenu 2"/>
-          <p:cNvSpPr>
-            <a:spLocks noGrp="1"/>
-          </p:cNvSpPr>
-          <p:nvPr>
-            <p:ph idx="13"/>
-          </p:nvPr>
-        </p:nvSpPr>
-        <p:spPr>
-          <a:xfrm>
-            <a:off x="1763688" y="1844824"/>
-            <a:ext cx="5349280" cy="2062935"/>
-          </a:xfrm>
-        </p:spPr>
-        <p:txBody>
-          <a:bodyPr>
-            <a:normAutofit/>
-          </a:bodyPr>
-          <a:lstStyle/>
-          <a:p>
-            <a:pPr marL="0" indent="0" algn="ctr">
-              <a:buNone/>
-            </a:pPr>
-            <a:r>
-              <a:rPr lang="fr-FR" b="1" i="1" dirty="0">
-                <a:solidFill>
-                  <a:srgbClr val="D60037"/>
-                </a:solidFill>
-              </a:rPr>
-              <a:t>Schéma dispositif</a:t>
-            </a:r>
-          </a:p>
-        </p:txBody>
-      </p:sp>
-      <p:sp>
-        <p:nvSpPr>
           <p:cNvPr id="4" name="Espace réservé de la date 3"/>
           <p:cNvSpPr>
             <a:spLocks noGrp="1"/>
@@ -10676,10 +10640,392 @@
           </a:p>
         </p:txBody>
       </p:sp>
+      <p:pic>
+        <p:nvPicPr>
+          <p:cNvPr id="7" name="Image 6"/>
+          <p:cNvPicPr>
+            <a:picLocks noChangeAspect="1"/>
+          </p:cNvPicPr>
+          <p:nvPr/>
+        </p:nvPicPr>
+        <p:blipFill>
+          <a:blip r:embed="rId2" cstate="email">
+            <a:extLst>
+              <a:ext uri="{28A0092B-C50C-407E-A947-70E740481C1C}">
+                <a14:useLocalDpi xmlns:a14="http://schemas.microsoft.com/office/drawing/2010/main" val="0"/>
+              </a:ext>
+            </a:extLst>
+          </a:blip>
+          <a:stretch>
+            <a:fillRect/>
+          </a:stretch>
+        </p:blipFill>
+        <p:spPr>
+          <a:xfrm>
+            <a:off x="454325" y="2371228"/>
+            <a:ext cx="1590352" cy="1955593"/>
+          </a:xfrm>
+          <a:prstGeom prst="rect">
+            <a:avLst/>
+          </a:prstGeom>
+        </p:spPr>
+      </p:pic>
+      <p:pic>
+        <p:nvPicPr>
+          <p:cNvPr id="14" name="Image 13"/>
+          <p:cNvPicPr>
+            <a:picLocks noChangeAspect="1"/>
+          </p:cNvPicPr>
+          <p:nvPr/>
+        </p:nvPicPr>
+        <p:blipFill>
+          <a:blip r:embed="rId3" cstate="email">
+            <a:extLst>
+              <a:ext uri="{28A0092B-C50C-407E-A947-70E740481C1C}">
+                <a14:useLocalDpi xmlns:a14="http://schemas.microsoft.com/office/drawing/2010/main" val="0"/>
+              </a:ext>
+            </a:extLst>
+          </a:blip>
+          <a:stretch>
+            <a:fillRect/>
+          </a:stretch>
+        </p:blipFill>
+        <p:spPr>
+          <a:xfrm>
+            <a:off x="1035781" y="3645024"/>
+            <a:ext cx="976437" cy="271021"/>
+          </a:xfrm>
+          <a:prstGeom prst="rect">
+            <a:avLst/>
+          </a:prstGeom>
+        </p:spPr>
+      </p:pic>
+      <p:pic>
+        <p:nvPicPr>
+          <p:cNvPr id="15" name="Image 14"/>
+          <p:cNvPicPr>
+            <a:picLocks noChangeAspect="1"/>
+          </p:cNvPicPr>
+          <p:nvPr/>
+        </p:nvPicPr>
+        <p:blipFill>
+          <a:blip r:embed="rId4" cstate="email">
+            <a:extLst>
+              <a:ext uri="{28A0092B-C50C-407E-A947-70E740481C1C}">
+                <a14:useLocalDpi xmlns:a14="http://schemas.microsoft.com/office/drawing/2010/main" val="0"/>
+              </a:ext>
+            </a:extLst>
+          </a:blip>
+          <a:stretch>
+            <a:fillRect/>
+          </a:stretch>
+        </p:blipFill>
+        <p:spPr>
+          <a:xfrm>
+            <a:off x="11435" y="4326821"/>
+            <a:ext cx="1071522" cy="803642"/>
+          </a:xfrm>
+          <a:prstGeom prst="rect">
+            <a:avLst/>
+          </a:prstGeom>
+        </p:spPr>
+      </p:pic>
+      <p:pic>
+        <p:nvPicPr>
+          <p:cNvPr id="16" name="Image 15"/>
+          <p:cNvPicPr>
+            <a:picLocks noChangeAspect="1"/>
+          </p:cNvPicPr>
+          <p:nvPr/>
+        </p:nvPicPr>
+        <p:blipFill>
+          <a:blip r:embed="rId5" cstate="email">
+            <a:extLst>
+              <a:ext uri="{28A0092B-C50C-407E-A947-70E740481C1C}">
+                <a14:useLocalDpi xmlns:a14="http://schemas.microsoft.com/office/drawing/2010/main" val="0"/>
+              </a:ext>
+            </a:extLst>
+          </a:blip>
+          <a:stretch>
+            <a:fillRect/>
+          </a:stretch>
+        </p:blipFill>
+        <p:spPr>
+          <a:xfrm>
+            <a:off x="6019799" y="1548840"/>
+            <a:ext cx="1694681" cy="1320354"/>
+          </a:xfrm>
+          <a:prstGeom prst="rect">
+            <a:avLst/>
+          </a:prstGeom>
+        </p:spPr>
+      </p:pic>
+      <p:pic>
+        <p:nvPicPr>
+          <p:cNvPr id="17" name="Image 16"/>
+          <p:cNvPicPr>
+            <a:picLocks noChangeAspect="1"/>
+          </p:cNvPicPr>
+          <p:nvPr/>
+        </p:nvPicPr>
+        <p:blipFill>
+          <a:blip r:embed="rId6" cstate="email">
+            <a:extLst>
+              <a:ext uri="{28A0092B-C50C-407E-A947-70E740481C1C}">
+                <a14:useLocalDpi xmlns:a14="http://schemas.microsoft.com/office/drawing/2010/main" val="0"/>
+              </a:ext>
+            </a:extLst>
+          </a:blip>
+          <a:stretch>
+            <a:fillRect/>
+          </a:stretch>
+        </p:blipFill>
+        <p:spPr>
+          <a:xfrm>
+            <a:off x="6019800" y="4077072"/>
+            <a:ext cx="1694681" cy="1694681"/>
+          </a:xfrm>
+          <a:prstGeom prst="rect">
+            <a:avLst/>
+          </a:prstGeom>
+        </p:spPr>
+      </p:pic>
+      <p:cxnSp>
+        <p:nvCxnSpPr>
+          <p:cNvPr id="18" name="Connecteur droit avec flèche 17"/>
+          <p:cNvCxnSpPr>
+            <a:cxnSpLocks/>
+            <a:endCxn id="16" idx="1"/>
+          </p:cNvCxnSpPr>
+          <p:nvPr/>
+        </p:nvCxnSpPr>
+        <p:spPr>
+          <a:xfrm flipV="1">
+            <a:off x="2267744" y="2209017"/>
+            <a:ext cx="3752055" cy="660177"/>
+          </a:xfrm>
+          <a:prstGeom prst="straightConnector1">
+            <a:avLst/>
+          </a:prstGeom>
+          <a:ln w="38100">
+            <a:solidFill>
+              <a:schemeClr val="bg1"/>
+            </a:solidFill>
+            <a:tailEnd type="triangle"/>
+          </a:ln>
+        </p:spPr>
+        <p:style>
+          <a:lnRef idx="1">
+            <a:schemeClr val="accent1"/>
+          </a:lnRef>
+          <a:fillRef idx="0">
+            <a:schemeClr val="accent1"/>
+          </a:fillRef>
+          <a:effectRef idx="0">
+            <a:schemeClr val="accent1"/>
+          </a:effectRef>
+          <a:fontRef idx="minor">
+            <a:schemeClr val="tx1"/>
+          </a:fontRef>
+        </p:style>
+      </p:cxnSp>
+      <p:cxnSp>
+        <p:nvCxnSpPr>
+          <p:cNvPr id="23" name="Connecteur droit avec flèche 22"/>
+          <p:cNvCxnSpPr>
+            <a:cxnSpLocks/>
+            <a:endCxn id="17" idx="1"/>
+          </p:cNvCxnSpPr>
+          <p:nvPr/>
+        </p:nvCxnSpPr>
+        <p:spPr>
+          <a:xfrm>
+            <a:off x="2195736" y="3916045"/>
+            <a:ext cx="3824064" cy="1008368"/>
+          </a:xfrm>
+          <a:prstGeom prst="straightConnector1">
+            <a:avLst/>
+          </a:prstGeom>
+          <a:ln w="38100">
+            <a:solidFill>
+              <a:schemeClr val="bg1"/>
+            </a:solidFill>
+            <a:tailEnd type="triangle"/>
+          </a:ln>
+        </p:spPr>
+        <p:style>
+          <a:lnRef idx="1">
+            <a:schemeClr val="accent1"/>
+          </a:lnRef>
+          <a:fillRef idx="0">
+            <a:schemeClr val="accent1"/>
+          </a:fillRef>
+          <a:effectRef idx="0">
+            <a:schemeClr val="accent1"/>
+          </a:effectRef>
+          <a:fontRef idx="minor">
+            <a:schemeClr val="tx1"/>
+          </a:fontRef>
+        </p:style>
+      </p:cxnSp>
+      <p:pic>
+        <p:nvPicPr>
+          <p:cNvPr id="26" name="Image 25"/>
+          <p:cNvPicPr>
+            <a:picLocks noChangeAspect="1"/>
+          </p:cNvPicPr>
+          <p:nvPr/>
+        </p:nvPicPr>
+        <p:blipFill>
+          <a:blip r:embed="rId7" cstate="email">
+            <a:extLst>
+              <a:ext uri="{28A0092B-C50C-407E-A947-70E740481C1C}">
+                <a14:useLocalDpi xmlns:a14="http://schemas.microsoft.com/office/drawing/2010/main" val="0"/>
+              </a:ext>
+            </a:extLst>
+          </a:blip>
+          <a:stretch>
+            <a:fillRect/>
+          </a:stretch>
+        </p:blipFill>
+        <p:spPr>
+          <a:xfrm>
+            <a:off x="783028" y="4318584"/>
+            <a:ext cx="1704539" cy="881198"/>
+          </a:xfrm>
+          <a:prstGeom prst="rect">
+            <a:avLst/>
+          </a:prstGeom>
+        </p:spPr>
+      </p:pic>
+      <p:pic>
+        <p:nvPicPr>
+          <p:cNvPr id="27" name="Image 26"/>
+          <p:cNvPicPr>
+            <a:picLocks noChangeAspect="1"/>
+          </p:cNvPicPr>
+          <p:nvPr/>
+        </p:nvPicPr>
+        <p:blipFill>
+          <a:blip r:embed="rId8" cstate="email">
+            <a:extLst>
+              <a:ext uri="{28A0092B-C50C-407E-A947-70E740481C1C}">
+                <a14:useLocalDpi xmlns:a14="http://schemas.microsoft.com/office/drawing/2010/main" val="0"/>
+              </a:ext>
+            </a:extLst>
+          </a:blip>
+          <a:stretch>
+            <a:fillRect/>
+          </a:stretch>
+        </p:blipFill>
+        <p:spPr>
+          <a:xfrm>
+            <a:off x="6156176" y="2636704"/>
+            <a:ext cx="1660453" cy="603089"/>
+          </a:xfrm>
+          <a:prstGeom prst="rect">
+            <a:avLst/>
+          </a:prstGeom>
+        </p:spPr>
+      </p:pic>
+      <p:sp>
+        <p:nvSpPr>
+          <p:cNvPr id="28" name="ZoneTexte 27"/>
+          <p:cNvSpPr txBox="1"/>
+          <p:nvPr/>
+        </p:nvSpPr>
+        <p:spPr>
+          <a:xfrm>
+            <a:off x="3419872" y="2132856"/>
+            <a:ext cx="800219" cy="369332"/>
+          </a:xfrm>
+          <a:prstGeom prst="rect">
+            <a:avLst/>
+          </a:prstGeom>
+          <a:noFill/>
+        </p:spPr>
+        <p:txBody>
+          <a:bodyPr wrap="none" rtlCol="0">
+            <a:spAutoFit/>
+          </a:bodyPr>
+          <a:lstStyle/>
+          <a:p>
+            <a:r>
+              <a:rPr lang="fr-FR" dirty="0" smtClean="0">
+                <a:solidFill>
+                  <a:schemeClr val="bg2">
+                    <a:lumMod val="50000"/>
+                  </a:schemeClr>
+                </a:solidFill>
+              </a:rPr>
+              <a:t>REST</a:t>
+            </a:r>
+            <a:endParaRPr lang="fr-FR" dirty="0">
+              <a:solidFill>
+                <a:schemeClr val="bg2">
+                  <a:lumMod val="50000"/>
+                </a:schemeClr>
+              </a:solidFill>
+            </a:endParaRPr>
+          </a:p>
+        </p:txBody>
+      </p:sp>
+      <p:sp>
+        <p:nvSpPr>
+          <p:cNvPr id="30" name="ZoneTexte 29"/>
+          <p:cNvSpPr txBox="1"/>
+          <p:nvPr/>
+        </p:nvSpPr>
+        <p:spPr>
+          <a:xfrm>
+            <a:off x="3362249" y="4555080"/>
+            <a:ext cx="1428596" cy="369332"/>
+          </a:xfrm>
+          <a:prstGeom prst="rect">
+            <a:avLst/>
+          </a:prstGeom>
+          <a:noFill/>
+        </p:spPr>
+        <p:txBody>
+          <a:bodyPr wrap="none" rtlCol="0">
+            <a:spAutoFit/>
+          </a:bodyPr>
+          <a:lstStyle/>
+          <a:p>
+            <a:r>
+              <a:rPr lang="fr-FR" dirty="0" err="1" smtClean="0">
+                <a:solidFill>
+                  <a:schemeClr val="bg2">
+                    <a:lumMod val="50000"/>
+                  </a:schemeClr>
+                </a:solidFill>
+              </a:rPr>
+              <a:t>Spring</a:t>
+            </a:r>
+            <a:r>
+              <a:rPr lang="fr-FR" dirty="0" smtClean="0">
+                <a:solidFill>
+                  <a:schemeClr val="bg2">
+                    <a:lumMod val="50000"/>
+                  </a:schemeClr>
+                </a:solidFill>
+              </a:rPr>
+              <a:t> MVC</a:t>
+            </a:r>
+            <a:endParaRPr lang="fr-FR" dirty="0">
+              <a:solidFill>
+                <a:schemeClr val="bg2">
+                  <a:lumMod val="50000"/>
+                </a:schemeClr>
+              </a:solidFill>
+            </a:endParaRPr>
+          </a:p>
+        </p:txBody>
+      </p:sp>
     </p:spTree>
     <p:extLst>
       <p:ext uri="{BB962C8B-B14F-4D97-AF65-F5344CB8AC3E}">
-        <p14:creationId xmlns:p14="http://schemas.microsoft.com/office/powerpoint/2010/main" val="3149319640"/>
+        <p14:creationId xmlns:p14="http://schemas.microsoft.com/office/powerpoint/2010/main" val="1614651469"/>
       </p:ext>
     </p:extLst>
   </p:cSld>
@@ -10694,6 +11040,265 @@
       <p:transition/>
     </mc:Fallback>
   </mc:AlternateContent>
+  <p:timing>
+    <p:tnLst>
+      <p:par>
+        <p:cTn id="1" dur="indefinite" restart="never" nodeType="tmRoot">
+          <p:childTnLst>
+            <p:seq concurrent="1" nextAc="seek">
+              <p:cTn id="2" dur="indefinite" nodeType="mainSeq">
+                <p:childTnLst>
+                  <p:par>
+                    <p:cTn id="3" fill="hold">
+                      <p:stCondLst>
+                        <p:cond delay="indefinite"/>
+                      </p:stCondLst>
+                      <p:childTnLst>
+                        <p:par>
+                          <p:cTn id="4" fill="hold">
+                            <p:stCondLst>
+                              <p:cond delay="0"/>
+                            </p:stCondLst>
+                            <p:childTnLst>
+                              <p:par>
+                                <p:cTn id="5" presetID="1" presetClass="entr" presetSubtype="0" fill="hold" nodeType="clickEffect">
+                                  <p:stCondLst>
+                                    <p:cond delay="0"/>
+                                  </p:stCondLst>
+                                  <p:childTnLst>
+                                    <p:set>
+                                      <p:cBhvr>
+                                        <p:cTn id="6" dur="1" fill="hold">
+                                          <p:stCondLst>
+                                            <p:cond delay="0"/>
+                                          </p:stCondLst>
+                                        </p:cTn>
+                                        <p:tgtEl>
+                                          <p:spTgt spid="27"/>
+                                        </p:tgtEl>
+                                        <p:attrNameLst>
+                                          <p:attrName>style.visibility</p:attrName>
+                                        </p:attrNameLst>
+                                      </p:cBhvr>
+                                      <p:to>
+                                        <p:strVal val="visible"/>
+                                      </p:to>
+                                    </p:set>
+                                  </p:childTnLst>
+                                </p:cTn>
+                              </p:par>
+                              <p:par>
+                                <p:cTn id="7" presetID="1" presetClass="entr" presetSubtype="0" fill="hold" grpId="0" nodeType="withEffect">
+                                  <p:stCondLst>
+                                    <p:cond delay="0"/>
+                                  </p:stCondLst>
+                                  <p:childTnLst>
+                                    <p:set>
+                                      <p:cBhvr>
+                                        <p:cTn id="8" dur="1" fill="hold">
+                                          <p:stCondLst>
+                                            <p:cond delay="0"/>
+                                          </p:stCondLst>
+                                        </p:cTn>
+                                        <p:tgtEl>
+                                          <p:spTgt spid="28"/>
+                                        </p:tgtEl>
+                                        <p:attrNameLst>
+                                          <p:attrName>style.visibility</p:attrName>
+                                        </p:attrNameLst>
+                                      </p:cBhvr>
+                                      <p:to>
+                                        <p:strVal val="visible"/>
+                                      </p:to>
+                                    </p:set>
+                                  </p:childTnLst>
+                                </p:cTn>
+                              </p:par>
+                              <p:par>
+                                <p:cTn id="9" presetID="1" presetClass="entr" presetSubtype="0" fill="hold" nodeType="withEffect">
+                                  <p:stCondLst>
+                                    <p:cond delay="0"/>
+                                  </p:stCondLst>
+                                  <p:childTnLst>
+                                    <p:set>
+                                      <p:cBhvr>
+                                        <p:cTn id="10" dur="1" fill="hold">
+                                          <p:stCondLst>
+                                            <p:cond delay="0"/>
+                                          </p:stCondLst>
+                                        </p:cTn>
+                                        <p:tgtEl>
+                                          <p:spTgt spid="16"/>
+                                        </p:tgtEl>
+                                        <p:attrNameLst>
+                                          <p:attrName>style.visibility</p:attrName>
+                                        </p:attrNameLst>
+                                      </p:cBhvr>
+                                      <p:to>
+                                        <p:strVal val="visible"/>
+                                      </p:to>
+                                    </p:set>
+                                  </p:childTnLst>
+                                </p:cTn>
+                              </p:par>
+                              <p:par>
+                                <p:cTn id="11" presetID="1" presetClass="entr" presetSubtype="0" fill="hold" nodeType="withEffect">
+                                  <p:stCondLst>
+                                    <p:cond delay="0"/>
+                                  </p:stCondLst>
+                                  <p:childTnLst>
+                                    <p:set>
+                                      <p:cBhvr>
+                                        <p:cTn id="12" dur="1" fill="hold">
+                                          <p:stCondLst>
+                                            <p:cond delay="0"/>
+                                          </p:stCondLst>
+                                        </p:cTn>
+                                        <p:tgtEl>
+                                          <p:spTgt spid="18"/>
+                                        </p:tgtEl>
+                                        <p:attrNameLst>
+                                          <p:attrName>style.visibility</p:attrName>
+                                        </p:attrNameLst>
+                                      </p:cBhvr>
+                                      <p:to>
+                                        <p:strVal val="visible"/>
+                                      </p:to>
+                                    </p:set>
+                                  </p:childTnLst>
+                                </p:cTn>
+                              </p:par>
+                            </p:childTnLst>
+                          </p:cTn>
+                        </p:par>
+                      </p:childTnLst>
+                    </p:cTn>
+                  </p:par>
+                  <p:par>
+                    <p:cTn id="13" fill="hold">
+                      <p:stCondLst>
+                        <p:cond delay="indefinite"/>
+                      </p:stCondLst>
+                      <p:childTnLst>
+                        <p:par>
+                          <p:cTn id="14" fill="hold">
+                            <p:stCondLst>
+                              <p:cond delay="0"/>
+                            </p:stCondLst>
+                            <p:childTnLst>
+                              <p:par>
+                                <p:cTn id="15" presetID="1" presetClass="entr" presetSubtype="0" fill="hold" nodeType="clickEffect">
+                                  <p:stCondLst>
+                                    <p:cond delay="0"/>
+                                  </p:stCondLst>
+                                  <p:childTnLst>
+                                    <p:set>
+                                      <p:cBhvr>
+                                        <p:cTn id="16" dur="1" fill="hold">
+                                          <p:stCondLst>
+                                            <p:cond delay="0"/>
+                                          </p:stCondLst>
+                                        </p:cTn>
+                                        <p:tgtEl>
+                                          <p:spTgt spid="23"/>
+                                        </p:tgtEl>
+                                        <p:attrNameLst>
+                                          <p:attrName>style.visibility</p:attrName>
+                                        </p:attrNameLst>
+                                      </p:cBhvr>
+                                      <p:to>
+                                        <p:strVal val="visible"/>
+                                      </p:to>
+                                    </p:set>
+                                  </p:childTnLst>
+                                </p:cTn>
+                              </p:par>
+                              <p:par>
+                                <p:cTn id="17" presetID="1" presetClass="entr" presetSubtype="0" fill="hold" grpId="0" nodeType="withEffect">
+                                  <p:stCondLst>
+                                    <p:cond delay="0"/>
+                                  </p:stCondLst>
+                                  <p:childTnLst>
+                                    <p:set>
+                                      <p:cBhvr>
+                                        <p:cTn id="18" dur="1" fill="hold">
+                                          <p:stCondLst>
+                                            <p:cond delay="0"/>
+                                          </p:stCondLst>
+                                        </p:cTn>
+                                        <p:tgtEl>
+                                          <p:spTgt spid="30"/>
+                                        </p:tgtEl>
+                                        <p:attrNameLst>
+                                          <p:attrName>style.visibility</p:attrName>
+                                        </p:attrNameLst>
+                                      </p:cBhvr>
+                                      <p:to>
+                                        <p:strVal val="visible"/>
+                                      </p:to>
+                                    </p:set>
+                                  </p:childTnLst>
+                                </p:cTn>
+                              </p:par>
+                              <p:par>
+                                <p:cTn id="19" presetID="1" presetClass="entr" presetSubtype="0" fill="hold" nodeType="withEffect">
+                                  <p:stCondLst>
+                                    <p:cond delay="0"/>
+                                  </p:stCondLst>
+                                  <p:childTnLst>
+                                    <p:set>
+                                      <p:cBhvr>
+                                        <p:cTn id="20" dur="1" fill="hold">
+                                          <p:stCondLst>
+                                            <p:cond delay="0"/>
+                                          </p:stCondLst>
+                                        </p:cTn>
+                                        <p:tgtEl>
+                                          <p:spTgt spid="17"/>
+                                        </p:tgtEl>
+                                        <p:attrNameLst>
+                                          <p:attrName>style.visibility</p:attrName>
+                                        </p:attrNameLst>
+                                      </p:cBhvr>
+                                      <p:to>
+                                        <p:strVal val="visible"/>
+                                      </p:to>
+                                    </p:set>
+                                  </p:childTnLst>
+                                </p:cTn>
+                              </p:par>
+                            </p:childTnLst>
+                          </p:cTn>
+                        </p:par>
+                      </p:childTnLst>
+                    </p:cTn>
+                  </p:par>
+                </p:childTnLst>
+              </p:cTn>
+              <p:prevCondLst>
+                <p:cond evt="onPrev" delay="0">
+                  <p:tgtEl>
+                    <p:sldTgt/>
+                  </p:tgtEl>
+                </p:cond>
+              </p:prevCondLst>
+              <p:nextCondLst>
+                <p:cond evt="onNext" delay="0">
+                  <p:tgtEl>
+                    <p:sldTgt/>
+                  </p:tgtEl>
+                </p:cond>
+              </p:nextCondLst>
+            </p:seq>
+          </p:childTnLst>
+        </p:cTn>
+      </p:par>
+    </p:tnLst>
+    <p:bldLst>
+      <p:bldP spid="28" grpId="0"/>
+      <p:bldP spid="30" grpId="0"/>
+    </p:bldLst>
+  </p:timing>
 </p:sld>
 </file>
 
